--- a/Unidad 3/3.2 Reporte de Practica_Cynthia Jasmine Morales Torres.pptx
+++ b/Unidad 3/3.2 Reporte de Practica_Cynthia Jasmine Morales Torres.pptx
@@ -2,10 +2,17 @@
 <file path=ppt/presentation.xml><?xml version="1.0" encoding="utf-8"?>
 <p:presentation xmlns:a="http://schemas.openxmlformats.org/drawingml/2006/main" xmlns:r="http://schemas.openxmlformats.org/officeDocument/2006/relationships" xmlns:p="http://schemas.openxmlformats.org/presentationml/2006/main" saveSubsetFonts="1">
   <p:sldMasterIdLst>
-    <p:sldMasterId id="2147483741" r:id="rId1"/>
+    <p:sldMasterId id="2147483771" r:id="rId1"/>
   </p:sldMasterIdLst>
   <p:sldIdLst>
     <p:sldId id="256" r:id="rId2"/>
+    <p:sldId id="260" r:id="rId3"/>
+    <p:sldId id="262" r:id="rId4"/>
+    <p:sldId id="258" r:id="rId5"/>
+    <p:sldId id="259" r:id="rId6"/>
+    <p:sldId id="257" r:id="rId7"/>
+    <p:sldId id="261" r:id="rId8"/>
+    <p:sldId id="263" r:id="rId9"/>
   </p:sldIdLst>
   <p:sldSz cx="12192000" cy="6858000"/>
   <p:notesSz cx="6858000" cy="9144000"/>
@@ -104,11 +111,16 @@
       </a:defRPr>
     </a:lvl9pPr>
   </p:defaultTextStyle>
+  <p:extLst>
+    <p:ext uri="{EFAFB233-063F-42B5-8137-9DF3F51BA10A}">
+      <p15:sldGuideLst xmlns:p15="http://schemas.microsoft.com/office/powerpoint/2012/main"/>
+    </p:ext>
+  </p:extLst>
 </p:presentation>
 </file>
 
 <file path=ppt/slideLayouts/slideLayout1.xml><?xml version="1.0" encoding="utf-8"?>
-<p:sldLayout xmlns:a="http://schemas.openxmlformats.org/drawingml/2006/main" xmlns:r="http://schemas.openxmlformats.org/officeDocument/2006/relationships" xmlns:p="http://schemas.openxmlformats.org/presentationml/2006/main" type="title" preserve="1">
+<p:sldLayout xmlns:a="http://schemas.openxmlformats.org/drawingml/2006/main" xmlns:r="http://schemas.openxmlformats.org/officeDocument/2006/relationships" xmlns:p="http://schemas.openxmlformats.org/presentationml/2006/main" showMasterSp="0" type="title" preserve="1">
   <p:cSld name="Diapositiva de título">
     <p:spTree>
       <p:nvGrpSpPr>
@@ -124,35 +136,186 @@
           <a:chExt cx="0" cy="0"/>
         </a:xfrm>
       </p:grpSpPr>
-      <p:sp>
-        <p:nvSpPr>
-          <p:cNvPr id="2" name="Title 1"/>
-          <p:cNvSpPr>
-            <a:spLocks noGrp="1"/>
-          </p:cNvSpPr>
-          <p:nvPr>
-            <p:ph type="ctrTitle"/>
-          </p:nvPr>
-        </p:nvSpPr>
+      <p:pic>
+        <p:nvPicPr>
+          <p:cNvPr id="7" name="Picture 6" descr="HD-PanelTitle-GrommetsCombined.png"/>
+          <p:cNvPicPr>
+            <a:picLocks noChangeAspect="1"/>
+          </p:cNvPicPr>
+          <p:nvPr/>
+        </p:nvPicPr>
+        <p:blipFill>
+          <a:blip r:embed="rId2">
+            <a:extLst>
+              <a:ext uri="{28A0092B-C50C-407E-A947-70E740481C1C}">
+                <a14:useLocalDpi xmlns:a14="http://schemas.microsoft.com/office/drawing/2010/main" val="0"/>
+              </a:ext>
+            </a:extLst>
+          </a:blip>
+          <a:stretch>
+            <a:fillRect/>
+          </a:stretch>
+        </p:blipFill>
         <p:spPr>
           <a:xfrm>
-            <a:off x="2493105" y="802298"/>
-            <a:ext cx="8561747" cy="2541431"/>
+            <a:off x="0" y="0"/>
+            <a:ext cx="12188825" cy="6856214"/>
+          </a:xfrm>
+          <a:prstGeom prst="rect">
+            <a:avLst/>
+          </a:prstGeom>
+        </p:spPr>
+      </p:pic>
+      <p:sp>
+        <p:nvSpPr>
+          <p:cNvPr id="2" name="Title 1"/>
+          <p:cNvSpPr>
+            <a:spLocks noGrp="1"/>
+          </p:cNvSpPr>
+          <p:nvPr>
+            <p:ph type="ctrTitle"/>
+          </p:nvPr>
+        </p:nvSpPr>
+        <p:spPr>
+          <a:xfrm>
+            <a:off x="2692398" y="1871131"/>
+            <a:ext cx="6815669" cy="1515533"/>
           </a:xfrm>
         </p:spPr>
         <p:txBody>
-          <a:bodyPr bIns="0" anchor="b">
+          <a:bodyPr anchor="b">
+            <a:noAutofit/>
+          </a:bodyPr>
+          <a:lstStyle>
+            <a:lvl1pPr algn="ctr">
+              <a:defRPr sz="5400">
+                <a:effectLst/>
+              </a:defRPr>
+            </a:lvl1pPr>
+          </a:lstStyle>
+          <a:p>
+            <a:r>
+              <a:rPr lang="es-ES"/>
+              <a:t>Haga clic para modificar el estilo de título del patrón</a:t>
+            </a:r>
+            <a:endParaRPr lang="en-US" dirty="0"/>
+          </a:p>
+        </p:txBody>
+      </p:sp>
+      <p:sp>
+        <p:nvSpPr>
+          <p:cNvPr id="3" name="Subtitle 2"/>
+          <p:cNvSpPr>
+            <a:spLocks noGrp="1"/>
+          </p:cNvSpPr>
+          <p:nvPr>
+            <p:ph type="subTitle" idx="1"/>
+          </p:nvPr>
+        </p:nvSpPr>
+        <p:spPr>
+          <a:xfrm>
+            <a:off x="2692398" y="3657597"/>
+            <a:ext cx="6815669" cy="1320802"/>
+          </a:xfrm>
+        </p:spPr>
+        <p:txBody>
+          <a:bodyPr anchor="t">
             <a:normAutofit/>
           </a:bodyPr>
           <a:lstStyle>
-            <a:lvl1pPr algn="l">
-              <a:defRPr sz="6600"/>
+            <a:lvl1pPr marL="0" indent="0" algn="ctr">
+              <a:buNone/>
+              <a:defRPr sz="2100">
+                <a:solidFill>
+                  <a:schemeClr val="tx1"/>
+                </a:solidFill>
+              </a:defRPr>
             </a:lvl1pPr>
+            <a:lvl2pPr marL="457200" indent="0" algn="ctr">
+              <a:buNone/>
+              <a:defRPr>
+                <a:solidFill>
+                  <a:schemeClr val="tx1">
+                    <a:tint val="75000"/>
+                  </a:schemeClr>
+                </a:solidFill>
+              </a:defRPr>
+            </a:lvl2pPr>
+            <a:lvl3pPr marL="914400" indent="0" algn="ctr">
+              <a:buNone/>
+              <a:defRPr>
+                <a:solidFill>
+                  <a:schemeClr val="tx1">
+                    <a:tint val="75000"/>
+                  </a:schemeClr>
+                </a:solidFill>
+              </a:defRPr>
+            </a:lvl3pPr>
+            <a:lvl4pPr marL="1371600" indent="0" algn="ctr">
+              <a:buNone/>
+              <a:defRPr>
+                <a:solidFill>
+                  <a:schemeClr val="tx1">
+                    <a:tint val="75000"/>
+                  </a:schemeClr>
+                </a:solidFill>
+              </a:defRPr>
+            </a:lvl4pPr>
+            <a:lvl5pPr marL="1828800" indent="0" algn="ctr">
+              <a:buNone/>
+              <a:defRPr>
+                <a:solidFill>
+                  <a:schemeClr val="tx1">
+                    <a:tint val="75000"/>
+                  </a:schemeClr>
+                </a:solidFill>
+              </a:defRPr>
+            </a:lvl5pPr>
+            <a:lvl6pPr marL="2286000" indent="0" algn="ctr">
+              <a:buNone/>
+              <a:defRPr>
+                <a:solidFill>
+                  <a:schemeClr val="tx1">
+                    <a:tint val="75000"/>
+                  </a:schemeClr>
+                </a:solidFill>
+              </a:defRPr>
+            </a:lvl6pPr>
+            <a:lvl7pPr marL="2743200" indent="0" algn="ctr">
+              <a:buNone/>
+              <a:defRPr>
+                <a:solidFill>
+                  <a:schemeClr val="tx1">
+                    <a:tint val="75000"/>
+                  </a:schemeClr>
+                </a:solidFill>
+              </a:defRPr>
+            </a:lvl7pPr>
+            <a:lvl8pPr marL="3200400" indent="0" algn="ctr">
+              <a:buNone/>
+              <a:defRPr>
+                <a:solidFill>
+                  <a:schemeClr val="tx1">
+                    <a:tint val="75000"/>
+                  </a:schemeClr>
+                </a:solidFill>
+              </a:defRPr>
+            </a:lvl8pPr>
+            <a:lvl9pPr marL="3657600" indent="0" algn="ctr">
+              <a:buNone/>
+              <a:defRPr>
+                <a:solidFill>
+                  <a:schemeClr val="tx1">
+                    <a:tint val="75000"/>
+                  </a:schemeClr>
+                </a:solidFill>
+              </a:defRPr>
+            </a:lvl9pPr>
           </a:lstStyle>
           <a:p>
             <a:r>
               <a:rPr lang="es-ES"/>
-              <a:t>Haga clic para modificar el estilo de título del patrón</a:t>
+              <a:t>Haga clic para modificar el estilo de subtítulo del patrón</a:t>
             </a:r>
             <a:endParaRPr lang="en-US" dirty="0"/>
           </a:p>
@@ -160,86 +323,20 @@
       </p:sp>
       <p:sp>
         <p:nvSpPr>
-          <p:cNvPr id="3" name="Subtitle 2"/>
-          <p:cNvSpPr>
-            <a:spLocks noGrp="1"/>
-          </p:cNvSpPr>
-          <p:nvPr>
-            <p:ph type="subTitle" idx="1"/>
+          <p:cNvPr id="4" name="Date Placeholder 3"/>
+          <p:cNvSpPr>
+            <a:spLocks noGrp="1"/>
+          </p:cNvSpPr>
+          <p:nvPr>
+            <p:ph type="dt" sz="half" idx="10"/>
           </p:nvPr>
         </p:nvSpPr>
         <p:spPr>
           <a:xfrm>
-            <a:off x="2493106" y="3531204"/>
-            <a:ext cx="8561746" cy="977621"/>
+            <a:off x="7983232" y="5037663"/>
+            <a:ext cx="897467" cy="279400"/>
           </a:xfrm>
         </p:spPr>
-        <p:txBody>
-          <a:bodyPr tIns="91440" bIns="91440">
-            <a:normAutofit/>
-          </a:bodyPr>
-          <a:lstStyle>
-            <a:lvl1pPr marL="0" indent="0" algn="l">
-              <a:buNone/>
-              <a:defRPr sz="1800" b="0" cap="all" baseline="0">
-                <a:solidFill>
-                  <a:schemeClr val="tx1"/>
-                </a:solidFill>
-              </a:defRPr>
-            </a:lvl1pPr>
-            <a:lvl2pPr marL="457200" indent="0" algn="ctr">
-              <a:buNone/>
-              <a:defRPr sz="1800"/>
-            </a:lvl2pPr>
-            <a:lvl3pPr marL="914400" indent="0" algn="ctr">
-              <a:buNone/>
-              <a:defRPr sz="1800"/>
-            </a:lvl3pPr>
-            <a:lvl4pPr marL="1371600" indent="0" algn="ctr">
-              <a:buNone/>
-              <a:defRPr sz="1600"/>
-            </a:lvl4pPr>
-            <a:lvl5pPr marL="1828800" indent="0" algn="ctr">
-              <a:buNone/>
-              <a:defRPr sz="1600"/>
-            </a:lvl5pPr>
-            <a:lvl6pPr marL="2286000" indent="0" algn="ctr">
-              <a:buNone/>
-              <a:defRPr sz="1600"/>
-            </a:lvl6pPr>
-            <a:lvl7pPr marL="2743200" indent="0" algn="ctr">
-              <a:buNone/>
-              <a:defRPr sz="1600"/>
-            </a:lvl7pPr>
-            <a:lvl8pPr marL="3200400" indent="0" algn="ctr">
-              <a:buNone/>
-              <a:defRPr sz="1600"/>
-            </a:lvl8pPr>
-            <a:lvl9pPr marL="3657600" indent="0" algn="ctr">
-              <a:buNone/>
-              <a:defRPr sz="1600"/>
-            </a:lvl9pPr>
-          </a:lstStyle>
-          <a:p>
-            <a:r>
-              <a:rPr lang="es-ES"/>
-              <a:t>Haga clic para modificar el estilo de subtítulo del patrón</a:t>
-            </a:r>
-            <a:endParaRPr lang="en-US" dirty="0"/>
-          </a:p>
-        </p:txBody>
-      </p:sp>
-      <p:sp>
-        <p:nvSpPr>
-          <p:cNvPr id="4" name="Date Placeholder 3"/>
-          <p:cNvSpPr>
-            <a:spLocks noGrp="1"/>
-          </p:cNvSpPr>
-          <p:nvPr>
-            <p:ph type="dt" sz="half" idx="10"/>
-          </p:nvPr>
-        </p:nvSpPr>
-        <p:spPr/>
         <p:txBody>
           <a:bodyPr/>
           <a:lstStyle/>
@@ -264,8 +361,8 @@
         </p:nvSpPr>
         <p:spPr>
           <a:xfrm>
-            <a:off x="2493105" y="329307"/>
-            <a:ext cx="4897310" cy="309201"/>
+            <a:off x="2692397" y="5037663"/>
+            <a:ext cx="5214635" cy="279400"/>
           </a:xfrm>
         </p:spPr>
         <p:txBody>
@@ -288,8 +385,8 @@
         </p:nvSpPr>
         <p:spPr>
           <a:xfrm>
-            <a:off x="1437664" y="798973"/>
-            <a:ext cx="811019" cy="503578"/>
+            <a:off x="8956900" y="5037663"/>
+            <a:ext cx="551167" cy="279400"/>
           </a:xfrm>
         </p:spPr>
         <p:txBody>
@@ -306,34 +403,35 @@
       </p:sp>
       <p:cxnSp>
         <p:nvCxnSpPr>
-          <p:cNvPr id="8" name="Straight Connector 7"/>
+          <p:cNvPr id="15" name="Straight Connector 14"/>
           <p:cNvCxnSpPr/>
           <p:nvPr/>
         </p:nvCxnSpPr>
         <p:spPr>
           <a:xfrm>
-            <a:off x="2334637" y="798973"/>
-            <a:ext cx="0" cy="2544756"/>
+            <a:off x="2692399" y="3522131"/>
+            <a:ext cx="6815668" cy="0"/>
           </a:xfrm>
           <a:prstGeom prst="line">
             <a:avLst/>
           </a:prstGeom>
-          <a:ln w="38100" cmpd="sng">
+          <a:ln>
             <a:solidFill>
-              <a:schemeClr val="accent1"/>
+              <a:schemeClr val="accent1">
+                <a:lumMod val="60000"/>
+                <a:lumOff val="40000"/>
+              </a:schemeClr>
             </a:solidFill>
-            <a:prstDash val="solid"/>
-            <a:tailEnd type="none"/>
           </a:ln>
         </p:spPr>
         <p:style>
-          <a:lnRef idx="3">
+          <a:lnRef idx="2">
             <a:schemeClr val="accent1"/>
           </a:lnRef>
           <a:fillRef idx="0">
             <a:schemeClr val="accent1"/>
           </a:fillRef>
-          <a:effectRef idx="2">
+          <a:effectRef idx="1">
             <a:schemeClr val="accent1"/>
           </a:effectRef>
           <a:fontRef idx="minor">
@@ -344,7 +442,7 @@
     </p:spTree>
     <p:extLst>
       <p:ext uri="{BB962C8B-B14F-4D97-AF65-F5344CB8AC3E}">
-        <p14:creationId xmlns:p14="http://schemas.microsoft.com/office/powerpoint/2010/main" val="1788079029"/>
+        <p14:creationId xmlns:p14="http://schemas.microsoft.com/office/powerpoint/2010/main" val="3583252697"/>
       </p:ext>
     </p:extLst>
   </p:cSld>
@@ -355,6 +453,2127 @@
 </file>
 
 <file path=ppt/slideLayouts/slideLayout10.xml><?xml version="1.0" encoding="utf-8"?>
+<p:sldLayout xmlns:a="http://schemas.openxmlformats.org/drawingml/2006/main" xmlns:r="http://schemas.openxmlformats.org/officeDocument/2006/relationships" xmlns:p="http://schemas.openxmlformats.org/presentationml/2006/main" preserve="1">
+  <p:cSld name="Imagen panorámica con descripción">
+    <p:spTree>
+      <p:nvGrpSpPr>
+        <p:cNvPr id="1" name=""/>
+        <p:cNvGrpSpPr/>
+        <p:nvPr/>
+      </p:nvGrpSpPr>
+      <p:grpSpPr>
+        <a:xfrm>
+          <a:off x="0" y="0"/>
+          <a:ext cx="0" cy="0"/>
+          <a:chOff x="0" y="0"/>
+          <a:chExt cx="0" cy="0"/>
+        </a:xfrm>
+      </p:grpSpPr>
+      <p:sp>
+        <p:nvSpPr>
+          <p:cNvPr id="2" name="Title 1"/>
+          <p:cNvSpPr>
+            <a:spLocks noGrp="1"/>
+          </p:cNvSpPr>
+          <p:nvPr>
+            <p:ph type="title"/>
+          </p:nvPr>
+        </p:nvSpPr>
+        <p:spPr>
+          <a:xfrm>
+            <a:off x="1295401" y="4815415"/>
+            <a:ext cx="9609666" cy="566738"/>
+          </a:xfrm>
+        </p:spPr>
+        <p:txBody>
+          <a:bodyPr anchor="b">
+            <a:normAutofit/>
+          </a:bodyPr>
+          <a:lstStyle>
+            <a:lvl1pPr algn="ctr">
+              <a:defRPr sz="2400" b="0"/>
+            </a:lvl1pPr>
+          </a:lstStyle>
+          <a:p>
+            <a:r>
+              <a:rPr lang="es-ES"/>
+              <a:t>Haga clic para modificar el estilo de título del patrón</a:t>
+            </a:r>
+            <a:endParaRPr lang="en-US" dirty="0"/>
+          </a:p>
+        </p:txBody>
+      </p:sp>
+      <p:sp>
+        <p:nvSpPr>
+          <p:cNvPr id="3" name="Picture Placeholder 2"/>
+          <p:cNvSpPr>
+            <a:spLocks noGrp="1" noChangeAspect="1"/>
+          </p:cNvSpPr>
+          <p:nvPr>
+            <p:ph type="pic" idx="1"/>
+          </p:nvPr>
+        </p:nvSpPr>
+        <p:spPr>
+          <a:xfrm>
+            <a:off x="1041427" y="1041399"/>
+            <a:ext cx="10105972" cy="3335869"/>
+          </a:xfrm>
+          <a:prstGeom prst="roundRect">
+            <a:avLst>
+              <a:gd name="adj" fmla="val 0"/>
+            </a:avLst>
+          </a:prstGeom>
+          <a:ln w="57150" cmpd="thickThin">
+            <a:solidFill>
+              <a:schemeClr val="tx1">
+                <a:lumMod val="50000"/>
+                <a:lumOff val="50000"/>
+              </a:schemeClr>
+            </a:solidFill>
+            <a:miter lim="800000"/>
+          </a:ln>
+          <a:effectLst>
+            <a:innerShdw blurRad="57150" dist="38100" dir="14460000">
+              <a:srgbClr val="000000">
+                <a:alpha val="70000"/>
+              </a:srgbClr>
+            </a:innerShdw>
+          </a:effectLst>
+        </p:spPr>
+        <p:txBody>
+          <a:bodyPr anchor="t">
+            <a:normAutofit/>
+          </a:bodyPr>
+          <a:lstStyle>
+            <a:lvl1pPr marL="0" indent="0" algn="ctr">
+              <a:buNone/>
+              <a:defRPr sz="1600"/>
+            </a:lvl1pPr>
+            <a:lvl2pPr marL="457200" indent="0">
+              <a:buNone/>
+              <a:defRPr sz="1600"/>
+            </a:lvl2pPr>
+            <a:lvl3pPr marL="914400" indent="0">
+              <a:buNone/>
+              <a:defRPr sz="1600"/>
+            </a:lvl3pPr>
+            <a:lvl4pPr marL="1371600" indent="0">
+              <a:buNone/>
+              <a:defRPr sz="1600"/>
+            </a:lvl4pPr>
+            <a:lvl5pPr marL="1828800" indent="0">
+              <a:buNone/>
+              <a:defRPr sz="1600"/>
+            </a:lvl5pPr>
+            <a:lvl6pPr marL="2286000" indent="0">
+              <a:buNone/>
+              <a:defRPr sz="1600"/>
+            </a:lvl6pPr>
+            <a:lvl7pPr marL="2743200" indent="0">
+              <a:buNone/>
+              <a:defRPr sz="1600"/>
+            </a:lvl7pPr>
+            <a:lvl8pPr marL="3200400" indent="0">
+              <a:buNone/>
+              <a:defRPr sz="1600"/>
+            </a:lvl8pPr>
+            <a:lvl9pPr marL="3657600" indent="0">
+              <a:buNone/>
+              <a:defRPr sz="1600"/>
+            </a:lvl9pPr>
+          </a:lstStyle>
+          <a:p>
+            <a:r>
+              <a:rPr lang="es-ES"/>
+              <a:t>Haga clic en el icono para agregar una imagen</a:t>
+            </a:r>
+            <a:endParaRPr lang="en-US" dirty="0"/>
+          </a:p>
+        </p:txBody>
+      </p:sp>
+      <p:sp>
+        <p:nvSpPr>
+          <p:cNvPr id="4" name="Text Placeholder 3"/>
+          <p:cNvSpPr>
+            <a:spLocks noGrp="1"/>
+          </p:cNvSpPr>
+          <p:nvPr>
+            <p:ph type="body" sz="half" idx="2"/>
+          </p:nvPr>
+        </p:nvSpPr>
+        <p:spPr>
+          <a:xfrm>
+            <a:off x="1295401" y="5382153"/>
+            <a:ext cx="9609666" cy="493712"/>
+          </a:xfrm>
+        </p:spPr>
+        <p:txBody>
+          <a:bodyPr>
+            <a:normAutofit/>
+          </a:bodyPr>
+          <a:lstStyle>
+            <a:lvl1pPr marL="0" indent="0" algn="ctr">
+              <a:buNone/>
+              <a:defRPr sz="1400"/>
+            </a:lvl1pPr>
+            <a:lvl2pPr marL="457200" indent="0">
+              <a:buNone/>
+              <a:defRPr sz="1200"/>
+            </a:lvl2pPr>
+            <a:lvl3pPr marL="914400" indent="0">
+              <a:buNone/>
+              <a:defRPr sz="1000"/>
+            </a:lvl3pPr>
+            <a:lvl4pPr marL="1371600" indent="0">
+              <a:buNone/>
+              <a:defRPr sz="900"/>
+            </a:lvl4pPr>
+            <a:lvl5pPr marL="1828800" indent="0">
+              <a:buNone/>
+              <a:defRPr sz="900"/>
+            </a:lvl5pPr>
+            <a:lvl6pPr marL="2286000" indent="0">
+              <a:buNone/>
+              <a:defRPr sz="900"/>
+            </a:lvl6pPr>
+            <a:lvl7pPr marL="2743200" indent="0">
+              <a:buNone/>
+              <a:defRPr sz="900"/>
+            </a:lvl7pPr>
+            <a:lvl8pPr marL="3200400" indent="0">
+              <a:buNone/>
+              <a:defRPr sz="900"/>
+            </a:lvl8pPr>
+            <a:lvl9pPr marL="3657600" indent="0">
+              <a:buNone/>
+              <a:defRPr sz="900"/>
+            </a:lvl9pPr>
+          </a:lstStyle>
+          <a:p>
+            <a:pPr lvl="0"/>
+            <a:r>
+              <a:rPr lang="es-ES"/>
+              <a:t>Haga clic para modificar los estilos de texto del patrón</a:t>
+            </a:r>
+          </a:p>
+        </p:txBody>
+      </p:sp>
+      <p:sp>
+        <p:nvSpPr>
+          <p:cNvPr id="5" name="Date Placeholder 4"/>
+          <p:cNvSpPr>
+            <a:spLocks noGrp="1"/>
+          </p:cNvSpPr>
+          <p:nvPr>
+            <p:ph type="dt" sz="half" idx="10"/>
+          </p:nvPr>
+        </p:nvSpPr>
+        <p:spPr/>
+        <p:txBody>
+          <a:bodyPr/>
+          <a:lstStyle/>
+          <a:p>
+            <a:fld id="{F72A63ED-A474-4EED-92B8-EA8361CA006A}" type="datetimeFigureOut">
+              <a:rPr lang="es-MX" smtClean="0"/>
+              <a:t>25/11/2025</a:t>
+            </a:fld>
+            <a:endParaRPr lang="es-MX"/>
+          </a:p>
+        </p:txBody>
+      </p:sp>
+      <p:sp>
+        <p:nvSpPr>
+          <p:cNvPr id="6" name="Footer Placeholder 5"/>
+          <p:cNvSpPr>
+            <a:spLocks noGrp="1"/>
+          </p:cNvSpPr>
+          <p:nvPr>
+            <p:ph type="ftr" sz="quarter" idx="11"/>
+          </p:nvPr>
+        </p:nvSpPr>
+        <p:spPr/>
+        <p:txBody>
+          <a:bodyPr/>
+          <a:lstStyle/>
+          <a:p>
+            <a:endParaRPr lang="es-MX"/>
+          </a:p>
+        </p:txBody>
+      </p:sp>
+      <p:sp>
+        <p:nvSpPr>
+          <p:cNvPr id="7" name="Slide Number Placeholder 6"/>
+          <p:cNvSpPr>
+            <a:spLocks noGrp="1"/>
+          </p:cNvSpPr>
+          <p:nvPr>
+            <p:ph type="sldNum" sz="quarter" idx="12"/>
+          </p:nvPr>
+        </p:nvSpPr>
+        <p:spPr/>
+        <p:txBody>
+          <a:bodyPr/>
+          <a:lstStyle/>
+          <a:p>
+            <a:fld id="{99812ABE-3F6D-41E4-B6D6-D891A490F4B0}" type="slidenum">
+              <a:rPr lang="es-MX" smtClean="0"/>
+              <a:t>‹Nº›</a:t>
+            </a:fld>
+            <a:endParaRPr lang="es-MX"/>
+          </a:p>
+        </p:txBody>
+      </p:sp>
+    </p:spTree>
+    <p:extLst>
+      <p:ext uri="{BB962C8B-B14F-4D97-AF65-F5344CB8AC3E}">
+        <p14:creationId xmlns:p14="http://schemas.microsoft.com/office/powerpoint/2010/main" val="1190727826"/>
+      </p:ext>
+    </p:extLst>
+  </p:cSld>
+  <p:clrMapOvr>
+    <a:masterClrMapping/>
+  </p:clrMapOvr>
+</p:sldLayout>
+</file>
+
+<file path=ppt/slideLayouts/slideLayout11.xml><?xml version="1.0" encoding="utf-8"?>
+<p:sldLayout xmlns:a="http://schemas.openxmlformats.org/drawingml/2006/main" xmlns:r="http://schemas.openxmlformats.org/officeDocument/2006/relationships" xmlns:p="http://schemas.openxmlformats.org/presentationml/2006/main" preserve="1">
+  <p:cSld name="Título y descripción">
+    <p:spTree>
+      <p:nvGrpSpPr>
+        <p:cNvPr id="1" name=""/>
+        <p:cNvGrpSpPr/>
+        <p:nvPr/>
+      </p:nvGrpSpPr>
+      <p:grpSpPr>
+        <a:xfrm>
+          <a:off x="0" y="0"/>
+          <a:ext cx="0" cy="0"/>
+          <a:chOff x="0" y="0"/>
+          <a:chExt cx="0" cy="0"/>
+        </a:xfrm>
+      </p:grpSpPr>
+      <p:sp>
+        <p:nvSpPr>
+          <p:cNvPr id="2" name="Title 1"/>
+          <p:cNvSpPr>
+            <a:spLocks noGrp="1"/>
+          </p:cNvSpPr>
+          <p:nvPr>
+            <p:ph type="title"/>
+          </p:nvPr>
+        </p:nvSpPr>
+        <p:spPr>
+          <a:xfrm>
+            <a:off x="1303868" y="982132"/>
+            <a:ext cx="9592732" cy="2954868"/>
+          </a:xfrm>
+        </p:spPr>
+        <p:txBody>
+          <a:bodyPr anchor="ctr">
+            <a:normAutofit/>
+          </a:bodyPr>
+          <a:lstStyle>
+            <a:lvl1pPr algn="ctr">
+              <a:defRPr sz="3200" b="0" cap="none"/>
+            </a:lvl1pPr>
+          </a:lstStyle>
+          <a:p>
+            <a:r>
+              <a:rPr lang="es-ES"/>
+              <a:t>Haga clic para modificar el estilo de título del patrón</a:t>
+            </a:r>
+            <a:endParaRPr lang="en-US" dirty="0"/>
+          </a:p>
+        </p:txBody>
+      </p:sp>
+      <p:sp>
+        <p:nvSpPr>
+          <p:cNvPr id="3" name="Text Placeholder 2"/>
+          <p:cNvSpPr>
+            <a:spLocks noGrp="1"/>
+          </p:cNvSpPr>
+          <p:nvPr>
+            <p:ph type="body" idx="1"/>
+          </p:nvPr>
+        </p:nvSpPr>
+        <p:spPr>
+          <a:xfrm>
+            <a:off x="1303868" y="4343399"/>
+            <a:ext cx="9592732" cy="1532467"/>
+          </a:xfrm>
+        </p:spPr>
+        <p:txBody>
+          <a:bodyPr anchor="ctr">
+            <a:normAutofit/>
+          </a:bodyPr>
+          <a:lstStyle>
+            <a:lvl1pPr marL="0" indent="0" algn="ctr">
+              <a:buNone/>
+              <a:defRPr sz="2000">
+                <a:solidFill>
+                  <a:schemeClr val="tx1"/>
+                </a:solidFill>
+              </a:defRPr>
+            </a:lvl1pPr>
+            <a:lvl2pPr marL="457200" indent="0">
+              <a:buNone/>
+              <a:defRPr sz="1800">
+                <a:solidFill>
+                  <a:schemeClr val="tx1">
+                    <a:tint val="75000"/>
+                  </a:schemeClr>
+                </a:solidFill>
+              </a:defRPr>
+            </a:lvl2pPr>
+            <a:lvl3pPr marL="914400" indent="0">
+              <a:buNone/>
+              <a:defRPr sz="1600">
+                <a:solidFill>
+                  <a:schemeClr val="tx1">
+                    <a:tint val="75000"/>
+                  </a:schemeClr>
+                </a:solidFill>
+              </a:defRPr>
+            </a:lvl3pPr>
+            <a:lvl4pPr marL="1371600" indent="0">
+              <a:buNone/>
+              <a:defRPr sz="1400">
+                <a:solidFill>
+                  <a:schemeClr val="tx1">
+                    <a:tint val="75000"/>
+                  </a:schemeClr>
+                </a:solidFill>
+              </a:defRPr>
+            </a:lvl4pPr>
+            <a:lvl5pPr marL="1828800" indent="0">
+              <a:buNone/>
+              <a:defRPr sz="1400">
+                <a:solidFill>
+                  <a:schemeClr val="tx1">
+                    <a:tint val="75000"/>
+                  </a:schemeClr>
+                </a:solidFill>
+              </a:defRPr>
+            </a:lvl5pPr>
+            <a:lvl6pPr marL="2286000" indent="0">
+              <a:buNone/>
+              <a:defRPr sz="1400">
+                <a:solidFill>
+                  <a:schemeClr val="tx1">
+                    <a:tint val="75000"/>
+                  </a:schemeClr>
+                </a:solidFill>
+              </a:defRPr>
+            </a:lvl6pPr>
+            <a:lvl7pPr marL="2743200" indent="0">
+              <a:buNone/>
+              <a:defRPr sz="1400">
+                <a:solidFill>
+                  <a:schemeClr val="tx1">
+                    <a:tint val="75000"/>
+                  </a:schemeClr>
+                </a:solidFill>
+              </a:defRPr>
+            </a:lvl7pPr>
+            <a:lvl8pPr marL="3200400" indent="0">
+              <a:buNone/>
+              <a:defRPr sz="1400">
+                <a:solidFill>
+                  <a:schemeClr val="tx1">
+                    <a:tint val="75000"/>
+                  </a:schemeClr>
+                </a:solidFill>
+              </a:defRPr>
+            </a:lvl8pPr>
+            <a:lvl9pPr marL="3657600" indent="0">
+              <a:buNone/>
+              <a:defRPr sz="1400">
+                <a:solidFill>
+                  <a:schemeClr val="tx1">
+                    <a:tint val="75000"/>
+                  </a:schemeClr>
+                </a:solidFill>
+              </a:defRPr>
+            </a:lvl9pPr>
+          </a:lstStyle>
+          <a:p>
+            <a:pPr lvl="0"/>
+            <a:r>
+              <a:rPr lang="es-ES"/>
+              <a:t>Haga clic para modificar los estilos de texto del patrón</a:t>
+            </a:r>
+          </a:p>
+        </p:txBody>
+      </p:sp>
+      <p:sp>
+        <p:nvSpPr>
+          <p:cNvPr id="4" name="Date Placeholder 3"/>
+          <p:cNvSpPr>
+            <a:spLocks noGrp="1"/>
+          </p:cNvSpPr>
+          <p:nvPr>
+            <p:ph type="dt" sz="half" idx="10"/>
+          </p:nvPr>
+        </p:nvSpPr>
+        <p:spPr/>
+        <p:txBody>
+          <a:bodyPr/>
+          <a:lstStyle/>
+          <a:p>
+            <a:fld id="{F72A63ED-A474-4EED-92B8-EA8361CA006A}" type="datetimeFigureOut">
+              <a:rPr lang="es-MX" smtClean="0"/>
+              <a:t>25/11/2025</a:t>
+            </a:fld>
+            <a:endParaRPr lang="es-MX"/>
+          </a:p>
+        </p:txBody>
+      </p:sp>
+      <p:sp>
+        <p:nvSpPr>
+          <p:cNvPr id="5" name="Footer Placeholder 4"/>
+          <p:cNvSpPr>
+            <a:spLocks noGrp="1"/>
+          </p:cNvSpPr>
+          <p:nvPr>
+            <p:ph type="ftr" sz="quarter" idx="11"/>
+          </p:nvPr>
+        </p:nvSpPr>
+        <p:spPr/>
+        <p:txBody>
+          <a:bodyPr/>
+          <a:lstStyle/>
+          <a:p>
+            <a:endParaRPr lang="es-MX"/>
+          </a:p>
+        </p:txBody>
+      </p:sp>
+      <p:sp>
+        <p:nvSpPr>
+          <p:cNvPr id="6" name="Slide Number Placeholder 5"/>
+          <p:cNvSpPr>
+            <a:spLocks noGrp="1"/>
+          </p:cNvSpPr>
+          <p:nvPr>
+            <p:ph type="sldNum" sz="quarter" idx="12"/>
+          </p:nvPr>
+        </p:nvSpPr>
+        <p:spPr/>
+        <p:txBody>
+          <a:bodyPr/>
+          <a:lstStyle/>
+          <a:p>
+            <a:fld id="{99812ABE-3F6D-41E4-B6D6-D891A490F4B0}" type="slidenum">
+              <a:rPr lang="es-MX" smtClean="0"/>
+              <a:t>‹Nº›</a:t>
+            </a:fld>
+            <a:endParaRPr lang="es-MX"/>
+          </a:p>
+        </p:txBody>
+      </p:sp>
+      <p:cxnSp>
+        <p:nvCxnSpPr>
+          <p:cNvPr id="15" name="Straight Connector 14"/>
+          <p:cNvCxnSpPr/>
+          <p:nvPr/>
+        </p:nvCxnSpPr>
+        <p:spPr>
+          <a:xfrm>
+            <a:off x="1396169" y="4140199"/>
+            <a:ext cx="9407298" cy="0"/>
+          </a:xfrm>
+          <a:prstGeom prst="line">
+            <a:avLst/>
+          </a:prstGeom>
+          <a:ln w="15875">
+            <a:solidFill>
+              <a:schemeClr val="accent1">
+                <a:lumMod val="60000"/>
+                <a:lumOff val="40000"/>
+              </a:schemeClr>
+            </a:solidFill>
+          </a:ln>
+        </p:spPr>
+        <p:style>
+          <a:lnRef idx="2">
+            <a:schemeClr val="accent1"/>
+          </a:lnRef>
+          <a:fillRef idx="0">
+            <a:schemeClr val="accent1"/>
+          </a:fillRef>
+          <a:effectRef idx="1">
+            <a:schemeClr val="accent1"/>
+          </a:effectRef>
+          <a:fontRef idx="minor">
+            <a:schemeClr val="tx1"/>
+          </a:fontRef>
+        </p:style>
+      </p:cxnSp>
+    </p:spTree>
+    <p:extLst>
+      <p:ext uri="{BB962C8B-B14F-4D97-AF65-F5344CB8AC3E}">
+        <p14:creationId xmlns:p14="http://schemas.microsoft.com/office/powerpoint/2010/main" val="3984275746"/>
+      </p:ext>
+    </p:extLst>
+  </p:cSld>
+  <p:clrMapOvr>
+    <a:masterClrMapping/>
+  </p:clrMapOvr>
+</p:sldLayout>
+</file>
+
+<file path=ppt/slideLayouts/slideLayout12.xml><?xml version="1.0" encoding="utf-8"?>
+<p:sldLayout xmlns:a="http://schemas.openxmlformats.org/drawingml/2006/main" xmlns:r="http://schemas.openxmlformats.org/officeDocument/2006/relationships" xmlns:p="http://schemas.openxmlformats.org/presentationml/2006/main" preserve="1">
+  <p:cSld name="Cita con descripción">
+    <p:spTree>
+      <p:nvGrpSpPr>
+        <p:cNvPr id="1" name=""/>
+        <p:cNvGrpSpPr/>
+        <p:nvPr/>
+      </p:nvGrpSpPr>
+      <p:grpSpPr>
+        <a:xfrm>
+          <a:off x="0" y="0"/>
+          <a:ext cx="0" cy="0"/>
+          <a:chOff x="0" y="0"/>
+          <a:chExt cx="0" cy="0"/>
+        </a:xfrm>
+      </p:grpSpPr>
+      <p:sp>
+        <p:nvSpPr>
+          <p:cNvPr id="2" name="Title 1"/>
+          <p:cNvSpPr>
+            <a:spLocks noGrp="1"/>
+          </p:cNvSpPr>
+          <p:nvPr>
+            <p:ph type="title"/>
+          </p:nvPr>
+        </p:nvSpPr>
+        <p:spPr>
+          <a:xfrm>
+            <a:off x="1446213" y="982132"/>
+            <a:ext cx="9296398" cy="2370668"/>
+          </a:xfrm>
+        </p:spPr>
+        <p:txBody>
+          <a:bodyPr anchor="ctr">
+            <a:normAutofit/>
+          </a:bodyPr>
+          <a:lstStyle>
+            <a:lvl1pPr algn="ctr">
+              <a:defRPr sz="3200" b="0" cap="none">
+                <a:solidFill>
+                  <a:schemeClr val="tx1"/>
+                </a:solidFill>
+              </a:defRPr>
+            </a:lvl1pPr>
+          </a:lstStyle>
+          <a:p>
+            <a:r>
+              <a:rPr lang="es-ES"/>
+              <a:t>Haga clic para modificar el estilo de título del patrón</a:t>
+            </a:r>
+            <a:endParaRPr lang="en-US" dirty="0"/>
+          </a:p>
+        </p:txBody>
+      </p:sp>
+      <p:sp>
+        <p:nvSpPr>
+          <p:cNvPr id="10" name="Text Placeholder 9"/>
+          <p:cNvSpPr>
+            <a:spLocks noGrp="1"/>
+          </p:cNvSpPr>
+          <p:nvPr>
+            <p:ph type="body" sz="quarter" idx="13"/>
+          </p:nvPr>
+        </p:nvSpPr>
+        <p:spPr>
+          <a:xfrm>
+            <a:off x="1674812" y="3352800"/>
+            <a:ext cx="8839202" cy="584200"/>
+          </a:xfrm>
+        </p:spPr>
+        <p:txBody>
+          <a:bodyPr anchor="ctr">
+            <a:normAutofit/>
+          </a:bodyPr>
+          <a:lstStyle>
+            <a:lvl1pPr marL="0" indent="0" algn="r">
+              <a:buFontTx/>
+              <a:buNone/>
+              <a:defRPr sz="2000"/>
+            </a:lvl1pPr>
+            <a:lvl2pPr marL="457200" indent="0">
+              <a:buFontTx/>
+              <a:buNone/>
+              <a:defRPr/>
+            </a:lvl2pPr>
+            <a:lvl3pPr marL="914400" indent="0">
+              <a:buFontTx/>
+              <a:buNone/>
+              <a:defRPr/>
+            </a:lvl3pPr>
+            <a:lvl4pPr marL="1371600" indent="0">
+              <a:buFontTx/>
+              <a:buNone/>
+              <a:defRPr/>
+            </a:lvl4pPr>
+            <a:lvl5pPr marL="1828800" indent="0">
+              <a:buFontTx/>
+              <a:buNone/>
+              <a:defRPr/>
+            </a:lvl5pPr>
+          </a:lstStyle>
+          <a:p>
+            <a:pPr lvl="0"/>
+            <a:r>
+              <a:rPr lang="es-ES"/>
+              <a:t>Haga clic para modificar los estilos de texto del patrón</a:t>
+            </a:r>
+          </a:p>
+        </p:txBody>
+      </p:sp>
+      <p:sp>
+        <p:nvSpPr>
+          <p:cNvPr id="3" name="Text Placeholder 2"/>
+          <p:cNvSpPr>
+            <a:spLocks noGrp="1"/>
+          </p:cNvSpPr>
+          <p:nvPr>
+            <p:ph type="body" idx="1"/>
+          </p:nvPr>
+        </p:nvSpPr>
+        <p:spPr>
+          <a:xfrm>
+            <a:off x="1295401" y="4343399"/>
+            <a:ext cx="9609666" cy="1532467"/>
+          </a:xfrm>
+        </p:spPr>
+        <p:txBody>
+          <a:bodyPr anchor="ctr">
+            <a:normAutofit/>
+          </a:bodyPr>
+          <a:lstStyle>
+            <a:lvl1pPr marL="0" indent="0" algn="ctr">
+              <a:buNone/>
+              <a:defRPr sz="2000">
+                <a:solidFill>
+                  <a:schemeClr val="tx1"/>
+                </a:solidFill>
+              </a:defRPr>
+            </a:lvl1pPr>
+            <a:lvl2pPr marL="457200" indent="0">
+              <a:buNone/>
+              <a:defRPr sz="1800">
+                <a:solidFill>
+                  <a:schemeClr val="tx1">
+                    <a:tint val="75000"/>
+                  </a:schemeClr>
+                </a:solidFill>
+              </a:defRPr>
+            </a:lvl2pPr>
+            <a:lvl3pPr marL="914400" indent="0">
+              <a:buNone/>
+              <a:defRPr sz="1600">
+                <a:solidFill>
+                  <a:schemeClr val="tx1">
+                    <a:tint val="75000"/>
+                  </a:schemeClr>
+                </a:solidFill>
+              </a:defRPr>
+            </a:lvl3pPr>
+            <a:lvl4pPr marL="1371600" indent="0">
+              <a:buNone/>
+              <a:defRPr sz="1400">
+                <a:solidFill>
+                  <a:schemeClr val="tx1">
+                    <a:tint val="75000"/>
+                  </a:schemeClr>
+                </a:solidFill>
+              </a:defRPr>
+            </a:lvl4pPr>
+            <a:lvl5pPr marL="1828800" indent="0">
+              <a:buNone/>
+              <a:defRPr sz="1400">
+                <a:solidFill>
+                  <a:schemeClr val="tx1">
+                    <a:tint val="75000"/>
+                  </a:schemeClr>
+                </a:solidFill>
+              </a:defRPr>
+            </a:lvl5pPr>
+            <a:lvl6pPr marL="2286000" indent="0">
+              <a:buNone/>
+              <a:defRPr sz="1400">
+                <a:solidFill>
+                  <a:schemeClr val="tx1">
+                    <a:tint val="75000"/>
+                  </a:schemeClr>
+                </a:solidFill>
+              </a:defRPr>
+            </a:lvl6pPr>
+            <a:lvl7pPr marL="2743200" indent="0">
+              <a:buNone/>
+              <a:defRPr sz="1400">
+                <a:solidFill>
+                  <a:schemeClr val="tx1">
+                    <a:tint val="75000"/>
+                  </a:schemeClr>
+                </a:solidFill>
+              </a:defRPr>
+            </a:lvl7pPr>
+            <a:lvl8pPr marL="3200400" indent="0">
+              <a:buNone/>
+              <a:defRPr sz="1400">
+                <a:solidFill>
+                  <a:schemeClr val="tx1">
+                    <a:tint val="75000"/>
+                  </a:schemeClr>
+                </a:solidFill>
+              </a:defRPr>
+            </a:lvl8pPr>
+            <a:lvl9pPr marL="3657600" indent="0">
+              <a:buNone/>
+              <a:defRPr sz="1400">
+                <a:solidFill>
+                  <a:schemeClr val="tx1">
+                    <a:tint val="75000"/>
+                  </a:schemeClr>
+                </a:solidFill>
+              </a:defRPr>
+            </a:lvl9pPr>
+          </a:lstStyle>
+          <a:p>
+            <a:pPr lvl="0"/>
+            <a:r>
+              <a:rPr lang="es-ES"/>
+              <a:t>Haga clic para modificar los estilos de texto del patrón</a:t>
+            </a:r>
+          </a:p>
+        </p:txBody>
+      </p:sp>
+      <p:sp>
+        <p:nvSpPr>
+          <p:cNvPr id="4" name="Date Placeholder 3"/>
+          <p:cNvSpPr>
+            <a:spLocks noGrp="1"/>
+          </p:cNvSpPr>
+          <p:nvPr>
+            <p:ph type="dt" sz="half" idx="10"/>
+          </p:nvPr>
+        </p:nvSpPr>
+        <p:spPr/>
+        <p:txBody>
+          <a:bodyPr/>
+          <a:lstStyle/>
+          <a:p>
+            <a:fld id="{F72A63ED-A474-4EED-92B8-EA8361CA006A}" type="datetimeFigureOut">
+              <a:rPr lang="es-MX" smtClean="0"/>
+              <a:t>25/11/2025</a:t>
+            </a:fld>
+            <a:endParaRPr lang="es-MX"/>
+          </a:p>
+        </p:txBody>
+      </p:sp>
+      <p:sp>
+        <p:nvSpPr>
+          <p:cNvPr id="5" name="Footer Placeholder 4"/>
+          <p:cNvSpPr>
+            <a:spLocks noGrp="1"/>
+          </p:cNvSpPr>
+          <p:nvPr>
+            <p:ph type="ftr" sz="quarter" idx="11"/>
+          </p:nvPr>
+        </p:nvSpPr>
+        <p:spPr/>
+        <p:txBody>
+          <a:bodyPr/>
+          <a:lstStyle/>
+          <a:p>
+            <a:endParaRPr lang="es-MX"/>
+          </a:p>
+        </p:txBody>
+      </p:sp>
+      <p:sp>
+        <p:nvSpPr>
+          <p:cNvPr id="6" name="Slide Number Placeholder 5"/>
+          <p:cNvSpPr>
+            <a:spLocks noGrp="1"/>
+          </p:cNvSpPr>
+          <p:nvPr>
+            <p:ph type="sldNum" sz="quarter" idx="12"/>
+          </p:nvPr>
+        </p:nvSpPr>
+        <p:spPr/>
+        <p:txBody>
+          <a:bodyPr/>
+          <a:lstStyle/>
+          <a:p>
+            <a:fld id="{99812ABE-3F6D-41E4-B6D6-D891A490F4B0}" type="slidenum">
+              <a:rPr lang="es-MX" smtClean="0"/>
+              <a:t>‹Nº›</a:t>
+            </a:fld>
+            <a:endParaRPr lang="es-MX"/>
+          </a:p>
+        </p:txBody>
+      </p:sp>
+      <p:sp>
+        <p:nvSpPr>
+          <p:cNvPr id="14" name="TextBox 13"/>
+          <p:cNvSpPr txBox="1"/>
+          <p:nvPr/>
+        </p:nvSpPr>
+        <p:spPr>
+          <a:xfrm>
+            <a:off x="862013" y="879961"/>
+            <a:ext cx="609600" cy="584776"/>
+          </a:xfrm>
+          <a:prstGeom prst="rect">
+            <a:avLst/>
+          </a:prstGeom>
+        </p:spPr>
+        <p:txBody>
+          <a:bodyPr vert="horz" lIns="91440" tIns="45720" rIns="91440" bIns="45720" rtlCol="0" anchor="ctr">
+            <a:noAutofit/>
+          </a:bodyPr>
+          <a:lstStyle/>
+          <a:p>
+            <a:pPr lvl="0"/>
+            <a:r>
+              <a:rPr lang="en-US" sz="8000" dirty="0">
+                <a:solidFill>
+                  <a:schemeClr val="tx1"/>
+                </a:solidFill>
+                <a:effectLst/>
+              </a:rPr>
+              <a:t>“</a:t>
+            </a:r>
+          </a:p>
+        </p:txBody>
+      </p:sp>
+      <p:sp>
+        <p:nvSpPr>
+          <p:cNvPr id="15" name="TextBox 14"/>
+          <p:cNvSpPr txBox="1"/>
+          <p:nvPr/>
+        </p:nvSpPr>
+        <p:spPr>
+          <a:xfrm>
+            <a:off x="10600267" y="2827870"/>
+            <a:ext cx="609600" cy="584776"/>
+          </a:xfrm>
+          <a:prstGeom prst="rect">
+            <a:avLst/>
+          </a:prstGeom>
+        </p:spPr>
+        <p:txBody>
+          <a:bodyPr vert="horz" lIns="91440" tIns="45720" rIns="91440" bIns="45720" rtlCol="0" anchor="ctr">
+            <a:noAutofit/>
+          </a:bodyPr>
+          <a:lstStyle/>
+          <a:p>
+            <a:pPr lvl="0" algn="r"/>
+            <a:r>
+              <a:rPr lang="en-US" sz="8000" dirty="0">
+                <a:solidFill>
+                  <a:schemeClr val="tx1"/>
+                </a:solidFill>
+                <a:effectLst/>
+              </a:rPr>
+              <a:t>”</a:t>
+            </a:r>
+          </a:p>
+        </p:txBody>
+      </p:sp>
+      <p:cxnSp>
+        <p:nvCxnSpPr>
+          <p:cNvPr id="19" name="Straight Connector 18"/>
+          <p:cNvCxnSpPr/>
+          <p:nvPr/>
+        </p:nvCxnSpPr>
+        <p:spPr>
+          <a:xfrm>
+            <a:off x="1396169" y="4140199"/>
+            <a:ext cx="9407298" cy="0"/>
+          </a:xfrm>
+          <a:prstGeom prst="line">
+            <a:avLst/>
+          </a:prstGeom>
+          <a:ln w="15875">
+            <a:solidFill>
+              <a:schemeClr val="accent1">
+                <a:lumMod val="60000"/>
+                <a:lumOff val="40000"/>
+              </a:schemeClr>
+            </a:solidFill>
+          </a:ln>
+        </p:spPr>
+        <p:style>
+          <a:lnRef idx="2">
+            <a:schemeClr val="accent1"/>
+          </a:lnRef>
+          <a:fillRef idx="0">
+            <a:schemeClr val="accent1"/>
+          </a:fillRef>
+          <a:effectRef idx="1">
+            <a:schemeClr val="accent1"/>
+          </a:effectRef>
+          <a:fontRef idx="minor">
+            <a:schemeClr val="tx1"/>
+          </a:fontRef>
+        </p:style>
+      </p:cxnSp>
+    </p:spTree>
+    <p:extLst>
+      <p:ext uri="{BB962C8B-B14F-4D97-AF65-F5344CB8AC3E}">
+        <p14:creationId xmlns:p14="http://schemas.microsoft.com/office/powerpoint/2010/main" val="1434995881"/>
+      </p:ext>
+    </p:extLst>
+  </p:cSld>
+  <p:clrMapOvr>
+    <a:masterClrMapping/>
+  </p:clrMapOvr>
+</p:sldLayout>
+</file>
+
+<file path=ppt/slideLayouts/slideLayout13.xml><?xml version="1.0" encoding="utf-8"?>
+<p:sldLayout xmlns:a="http://schemas.openxmlformats.org/drawingml/2006/main" xmlns:r="http://schemas.openxmlformats.org/officeDocument/2006/relationships" xmlns:p="http://schemas.openxmlformats.org/presentationml/2006/main" preserve="1">
+  <p:cSld name="Tarjeta de nombre">
+    <p:spTree>
+      <p:nvGrpSpPr>
+        <p:cNvPr id="1" name=""/>
+        <p:cNvGrpSpPr/>
+        <p:nvPr/>
+      </p:nvGrpSpPr>
+      <p:grpSpPr>
+        <a:xfrm>
+          <a:off x="0" y="0"/>
+          <a:ext cx="0" cy="0"/>
+          <a:chOff x="0" y="0"/>
+          <a:chExt cx="0" cy="0"/>
+        </a:xfrm>
+      </p:grpSpPr>
+      <p:sp>
+        <p:nvSpPr>
+          <p:cNvPr id="2" name="Title 1"/>
+          <p:cNvSpPr>
+            <a:spLocks noGrp="1"/>
+          </p:cNvSpPr>
+          <p:nvPr>
+            <p:ph type="title"/>
+          </p:nvPr>
+        </p:nvSpPr>
+        <p:spPr>
+          <a:xfrm>
+            <a:off x="1295402" y="3308581"/>
+            <a:ext cx="9609668" cy="1468800"/>
+          </a:xfrm>
+        </p:spPr>
+        <p:txBody>
+          <a:bodyPr anchor="b">
+            <a:normAutofit/>
+          </a:bodyPr>
+          <a:lstStyle>
+            <a:lvl1pPr algn="l">
+              <a:defRPr sz="3200" b="0" cap="none"/>
+            </a:lvl1pPr>
+          </a:lstStyle>
+          <a:p>
+            <a:r>
+              <a:rPr lang="es-ES"/>
+              <a:t>Haga clic para modificar el estilo de título del patrón</a:t>
+            </a:r>
+            <a:endParaRPr lang="en-US" dirty="0"/>
+          </a:p>
+        </p:txBody>
+      </p:sp>
+      <p:sp>
+        <p:nvSpPr>
+          <p:cNvPr id="3" name="Text Placeholder 2"/>
+          <p:cNvSpPr>
+            <a:spLocks noGrp="1"/>
+          </p:cNvSpPr>
+          <p:nvPr>
+            <p:ph type="body" idx="1"/>
+          </p:nvPr>
+        </p:nvSpPr>
+        <p:spPr>
+          <a:xfrm>
+            <a:off x="1295401" y="4777381"/>
+            <a:ext cx="9609668" cy="860400"/>
+          </a:xfrm>
+        </p:spPr>
+        <p:txBody>
+          <a:bodyPr anchor="t">
+            <a:normAutofit/>
+          </a:bodyPr>
+          <a:lstStyle>
+            <a:lvl1pPr marL="0" indent="0" algn="l">
+              <a:buNone/>
+              <a:defRPr sz="2000">
+                <a:solidFill>
+                  <a:schemeClr val="tx1"/>
+                </a:solidFill>
+              </a:defRPr>
+            </a:lvl1pPr>
+            <a:lvl2pPr marL="457200" indent="0">
+              <a:buNone/>
+              <a:defRPr sz="1800">
+                <a:solidFill>
+                  <a:schemeClr val="tx1">
+                    <a:tint val="75000"/>
+                  </a:schemeClr>
+                </a:solidFill>
+              </a:defRPr>
+            </a:lvl2pPr>
+            <a:lvl3pPr marL="914400" indent="0">
+              <a:buNone/>
+              <a:defRPr sz="1600">
+                <a:solidFill>
+                  <a:schemeClr val="tx1">
+                    <a:tint val="75000"/>
+                  </a:schemeClr>
+                </a:solidFill>
+              </a:defRPr>
+            </a:lvl3pPr>
+            <a:lvl4pPr marL="1371600" indent="0">
+              <a:buNone/>
+              <a:defRPr sz="1400">
+                <a:solidFill>
+                  <a:schemeClr val="tx1">
+                    <a:tint val="75000"/>
+                  </a:schemeClr>
+                </a:solidFill>
+              </a:defRPr>
+            </a:lvl4pPr>
+            <a:lvl5pPr marL="1828800" indent="0">
+              <a:buNone/>
+              <a:defRPr sz="1400">
+                <a:solidFill>
+                  <a:schemeClr val="tx1">
+                    <a:tint val="75000"/>
+                  </a:schemeClr>
+                </a:solidFill>
+              </a:defRPr>
+            </a:lvl5pPr>
+            <a:lvl6pPr marL="2286000" indent="0">
+              <a:buNone/>
+              <a:defRPr sz="1400">
+                <a:solidFill>
+                  <a:schemeClr val="tx1">
+                    <a:tint val="75000"/>
+                  </a:schemeClr>
+                </a:solidFill>
+              </a:defRPr>
+            </a:lvl6pPr>
+            <a:lvl7pPr marL="2743200" indent="0">
+              <a:buNone/>
+              <a:defRPr sz="1400">
+                <a:solidFill>
+                  <a:schemeClr val="tx1">
+                    <a:tint val="75000"/>
+                  </a:schemeClr>
+                </a:solidFill>
+              </a:defRPr>
+            </a:lvl7pPr>
+            <a:lvl8pPr marL="3200400" indent="0">
+              <a:buNone/>
+              <a:defRPr sz="1400">
+                <a:solidFill>
+                  <a:schemeClr val="tx1">
+                    <a:tint val="75000"/>
+                  </a:schemeClr>
+                </a:solidFill>
+              </a:defRPr>
+            </a:lvl8pPr>
+            <a:lvl9pPr marL="3657600" indent="0">
+              <a:buNone/>
+              <a:defRPr sz="1400">
+                <a:solidFill>
+                  <a:schemeClr val="tx1">
+                    <a:tint val="75000"/>
+                  </a:schemeClr>
+                </a:solidFill>
+              </a:defRPr>
+            </a:lvl9pPr>
+          </a:lstStyle>
+          <a:p>
+            <a:pPr lvl="0"/>
+            <a:r>
+              <a:rPr lang="es-ES"/>
+              <a:t>Haga clic para modificar los estilos de texto del patrón</a:t>
+            </a:r>
+          </a:p>
+        </p:txBody>
+      </p:sp>
+      <p:sp>
+        <p:nvSpPr>
+          <p:cNvPr id="4" name="Date Placeholder 3"/>
+          <p:cNvSpPr>
+            <a:spLocks noGrp="1"/>
+          </p:cNvSpPr>
+          <p:nvPr>
+            <p:ph type="dt" sz="half" idx="10"/>
+          </p:nvPr>
+        </p:nvSpPr>
+        <p:spPr/>
+        <p:txBody>
+          <a:bodyPr/>
+          <a:lstStyle/>
+          <a:p>
+            <a:fld id="{F72A63ED-A474-4EED-92B8-EA8361CA006A}" type="datetimeFigureOut">
+              <a:rPr lang="es-MX" smtClean="0"/>
+              <a:t>25/11/2025</a:t>
+            </a:fld>
+            <a:endParaRPr lang="es-MX"/>
+          </a:p>
+        </p:txBody>
+      </p:sp>
+      <p:sp>
+        <p:nvSpPr>
+          <p:cNvPr id="5" name="Footer Placeholder 4"/>
+          <p:cNvSpPr>
+            <a:spLocks noGrp="1"/>
+          </p:cNvSpPr>
+          <p:nvPr>
+            <p:ph type="ftr" sz="quarter" idx="11"/>
+          </p:nvPr>
+        </p:nvSpPr>
+        <p:spPr/>
+        <p:txBody>
+          <a:bodyPr/>
+          <a:lstStyle/>
+          <a:p>
+            <a:endParaRPr lang="es-MX"/>
+          </a:p>
+        </p:txBody>
+      </p:sp>
+      <p:sp>
+        <p:nvSpPr>
+          <p:cNvPr id="6" name="Slide Number Placeholder 5"/>
+          <p:cNvSpPr>
+            <a:spLocks noGrp="1"/>
+          </p:cNvSpPr>
+          <p:nvPr>
+            <p:ph type="sldNum" sz="quarter" idx="12"/>
+          </p:nvPr>
+        </p:nvSpPr>
+        <p:spPr/>
+        <p:txBody>
+          <a:bodyPr/>
+          <a:lstStyle/>
+          <a:p>
+            <a:fld id="{99812ABE-3F6D-41E4-B6D6-D891A490F4B0}" type="slidenum">
+              <a:rPr lang="es-MX" smtClean="0"/>
+              <a:t>‹Nº›</a:t>
+            </a:fld>
+            <a:endParaRPr lang="es-MX"/>
+          </a:p>
+        </p:txBody>
+      </p:sp>
+    </p:spTree>
+    <p:extLst>
+      <p:ext uri="{BB962C8B-B14F-4D97-AF65-F5344CB8AC3E}">
+        <p14:creationId xmlns:p14="http://schemas.microsoft.com/office/powerpoint/2010/main" val="3850739467"/>
+      </p:ext>
+    </p:extLst>
+  </p:cSld>
+  <p:clrMapOvr>
+    <a:masterClrMapping/>
+  </p:clrMapOvr>
+</p:sldLayout>
+</file>
+
+<file path=ppt/slideLayouts/slideLayout14.xml><?xml version="1.0" encoding="utf-8"?>
+<p:sldLayout xmlns:a="http://schemas.openxmlformats.org/drawingml/2006/main" xmlns:r="http://schemas.openxmlformats.org/officeDocument/2006/relationships" xmlns:p="http://schemas.openxmlformats.org/presentationml/2006/main" preserve="1">
+  <p:cSld name="Citar la tarjeta de nombre">
+    <p:spTree>
+      <p:nvGrpSpPr>
+        <p:cNvPr id="1" name=""/>
+        <p:cNvGrpSpPr/>
+        <p:nvPr/>
+      </p:nvGrpSpPr>
+      <p:grpSpPr>
+        <a:xfrm>
+          <a:off x="0" y="0"/>
+          <a:ext cx="0" cy="0"/>
+          <a:chOff x="0" y="0"/>
+          <a:chExt cx="0" cy="0"/>
+        </a:xfrm>
+      </p:grpSpPr>
+      <p:sp>
+        <p:nvSpPr>
+          <p:cNvPr id="2" name="Title 1"/>
+          <p:cNvSpPr>
+            <a:spLocks noGrp="1"/>
+          </p:cNvSpPr>
+          <p:nvPr>
+            <p:ph type="title"/>
+          </p:nvPr>
+        </p:nvSpPr>
+        <p:spPr>
+          <a:xfrm>
+            <a:off x="1446213" y="982132"/>
+            <a:ext cx="9296398" cy="2243668"/>
+          </a:xfrm>
+        </p:spPr>
+        <p:txBody>
+          <a:bodyPr anchor="ctr">
+            <a:normAutofit/>
+          </a:bodyPr>
+          <a:lstStyle>
+            <a:lvl1pPr algn="ctr">
+              <a:defRPr sz="3200" b="0" cap="none">
+                <a:solidFill>
+                  <a:schemeClr val="tx1"/>
+                </a:solidFill>
+              </a:defRPr>
+            </a:lvl1pPr>
+          </a:lstStyle>
+          <a:p>
+            <a:r>
+              <a:rPr lang="es-ES"/>
+              <a:t>Haga clic para modificar el estilo de título del patrón</a:t>
+            </a:r>
+            <a:endParaRPr lang="en-US" dirty="0"/>
+          </a:p>
+        </p:txBody>
+      </p:sp>
+      <p:sp>
+        <p:nvSpPr>
+          <p:cNvPr id="14" name="Text Placeholder 2"/>
+          <p:cNvSpPr>
+            <a:spLocks noGrp="1"/>
+          </p:cNvSpPr>
+          <p:nvPr>
+            <p:ph type="body" idx="13"/>
+          </p:nvPr>
+        </p:nvSpPr>
+        <p:spPr>
+          <a:xfrm>
+            <a:off x="1295401" y="3639312"/>
+            <a:ext cx="9609668" cy="886968"/>
+          </a:xfrm>
+        </p:spPr>
+        <p:txBody>
+          <a:bodyPr anchor="b">
+            <a:normAutofit/>
+          </a:bodyPr>
+          <a:lstStyle>
+            <a:lvl1pPr marL="0" indent="0" algn="l">
+              <a:spcBef>
+                <a:spcPts val="0"/>
+              </a:spcBef>
+              <a:buNone/>
+              <a:defRPr sz="2400">
+                <a:solidFill>
+                  <a:schemeClr val="tx1"/>
+                </a:solidFill>
+              </a:defRPr>
+            </a:lvl1pPr>
+            <a:lvl2pPr marL="457200" indent="0">
+              <a:buNone/>
+              <a:defRPr sz="1800">
+                <a:solidFill>
+                  <a:schemeClr val="tx1">
+                    <a:tint val="75000"/>
+                  </a:schemeClr>
+                </a:solidFill>
+              </a:defRPr>
+            </a:lvl2pPr>
+            <a:lvl3pPr marL="914400" indent="0">
+              <a:buNone/>
+              <a:defRPr sz="1600">
+                <a:solidFill>
+                  <a:schemeClr val="tx1">
+                    <a:tint val="75000"/>
+                  </a:schemeClr>
+                </a:solidFill>
+              </a:defRPr>
+            </a:lvl3pPr>
+            <a:lvl4pPr marL="1371600" indent="0">
+              <a:buNone/>
+              <a:defRPr sz="1400">
+                <a:solidFill>
+                  <a:schemeClr val="tx1">
+                    <a:tint val="75000"/>
+                  </a:schemeClr>
+                </a:solidFill>
+              </a:defRPr>
+            </a:lvl4pPr>
+            <a:lvl5pPr marL="1828800" indent="0">
+              <a:buNone/>
+              <a:defRPr sz="1400">
+                <a:solidFill>
+                  <a:schemeClr val="tx1">
+                    <a:tint val="75000"/>
+                  </a:schemeClr>
+                </a:solidFill>
+              </a:defRPr>
+            </a:lvl5pPr>
+            <a:lvl6pPr marL="2286000" indent="0">
+              <a:buNone/>
+              <a:defRPr sz="1400">
+                <a:solidFill>
+                  <a:schemeClr val="tx1">
+                    <a:tint val="75000"/>
+                  </a:schemeClr>
+                </a:solidFill>
+              </a:defRPr>
+            </a:lvl6pPr>
+            <a:lvl7pPr marL="2743200" indent="0">
+              <a:buNone/>
+              <a:defRPr sz="1400">
+                <a:solidFill>
+                  <a:schemeClr val="tx1">
+                    <a:tint val="75000"/>
+                  </a:schemeClr>
+                </a:solidFill>
+              </a:defRPr>
+            </a:lvl7pPr>
+            <a:lvl8pPr marL="3200400" indent="0">
+              <a:buNone/>
+              <a:defRPr sz="1400">
+                <a:solidFill>
+                  <a:schemeClr val="tx1">
+                    <a:tint val="75000"/>
+                  </a:schemeClr>
+                </a:solidFill>
+              </a:defRPr>
+            </a:lvl8pPr>
+            <a:lvl9pPr marL="3657600" indent="0">
+              <a:buNone/>
+              <a:defRPr sz="1400">
+                <a:solidFill>
+                  <a:schemeClr val="tx1">
+                    <a:tint val="75000"/>
+                  </a:schemeClr>
+                </a:solidFill>
+              </a:defRPr>
+            </a:lvl9pPr>
+          </a:lstStyle>
+          <a:p>
+            <a:pPr lvl="0"/>
+            <a:r>
+              <a:rPr lang="es-ES"/>
+              <a:t>Haga clic para modificar los estilos de texto del patrón</a:t>
+            </a:r>
+          </a:p>
+        </p:txBody>
+      </p:sp>
+      <p:sp>
+        <p:nvSpPr>
+          <p:cNvPr id="3" name="Text Placeholder 2"/>
+          <p:cNvSpPr>
+            <a:spLocks noGrp="1"/>
+          </p:cNvSpPr>
+          <p:nvPr>
+            <p:ph type="body" idx="1"/>
+          </p:nvPr>
+        </p:nvSpPr>
+        <p:spPr>
+          <a:xfrm>
+            <a:off x="1295401" y="4529667"/>
+            <a:ext cx="9609668" cy="1346200"/>
+          </a:xfrm>
+        </p:spPr>
+        <p:txBody>
+          <a:bodyPr anchor="t">
+            <a:normAutofit/>
+          </a:bodyPr>
+          <a:lstStyle>
+            <a:lvl1pPr marL="0" indent="0" algn="l">
+              <a:buNone/>
+              <a:defRPr sz="1800">
+                <a:solidFill>
+                  <a:schemeClr val="tx1"/>
+                </a:solidFill>
+              </a:defRPr>
+            </a:lvl1pPr>
+            <a:lvl2pPr marL="457200" indent="0">
+              <a:buNone/>
+              <a:defRPr sz="1800">
+                <a:solidFill>
+                  <a:schemeClr val="tx1">
+                    <a:tint val="75000"/>
+                  </a:schemeClr>
+                </a:solidFill>
+              </a:defRPr>
+            </a:lvl2pPr>
+            <a:lvl3pPr marL="914400" indent="0">
+              <a:buNone/>
+              <a:defRPr sz="1600">
+                <a:solidFill>
+                  <a:schemeClr val="tx1">
+                    <a:tint val="75000"/>
+                  </a:schemeClr>
+                </a:solidFill>
+              </a:defRPr>
+            </a:lvl3pPr>
+            <a:lvl4pPr marL="1371600" indent="0">
+              <a:buNone/>
+              <a:defRPr sz="1400">
+                <a:solidFill>
+                  <a:schemeClr val="tx1">
+                    <a:tint val="75000"/>
+                  </a:schemeClr>
+                </a:solidFill>
+              </a:defRPr>
+            </a:lvl4pPr>
+            <a:lvl5pPr marL="1828800" indent="0">
+              <a:buNone/>
+              <a:defRPr sz="1400">
+                <a:solidFill>
+                  <a:schemeClr val="tx1">
+                    <a:tint val="75000"/>
+                  </a:schemeClr>
+                </a:solidFill>
+              </a:defRPr>
+            </a:lvl5pPr>
+            <a:lvl6pPr marL="2286000" indent="0">
+              <a:buNone/>
+              <a:defRPr sz="1400">
+                <a:solidFill>
+                  <a:schemeClr val="tx1">
+                    <a:tint val="75000"/>
+                  </a:schemeClr>
+                </a:solidFill>
+              </a:defRPr>
+            </a:lvl6pPr>
+            <a:lvl7pPr marL="2743200" indent="0">
+              <a:buNone/>
+              <a:defRPr sz="1400">
+                <a:solidFill>
+                  <a:schemeClr val="tx1">
+                    <a:tint val="75000"/>
+                  </a:schemeClr>
+                </a:solidFill>
+              </a:defRPr>
+            </a:lvl7pPr>
+            <a:lvl8pPr marL="3200400" indent="0">
+              <a:buNone/>
+              <a:defRPr sz="1400">
+                <a:solidFill>
+                  <a:schemeClr val="tx1">
+                    <a:tint val="75000"/>
+                  </a:schemeClr>
+                </a:solidFill>
+              </a:defRPr>
+            </a:lvl8pPr>
+            <a:lvl9pPr marL="3657600" indent="0">
+              <a:buNone/>
+              <a:defRPr sz="1400">
+                <a:solidFill>
+                  <a:schemeClr val="tx1">
+                    <a:tint val="75000"/>
+                  </a:schemeClr>
+                </a:solidFill>
+              </a:defRPr>
+            </a:lvl9pPr>
+          </a:lstStyle>
+          <a:p>
+            <a:pPr lvl="0"/>
+            <a:r>
+              <a:rPr lang="es-ES"/>
+              <a:t>Haga clic para modificar los estilos de texto del patrón</a:t>
+            </a:r>
+          </a:p>
+        </p:txBody>
+      </p:sp>
+      <p:sp>
+        <p:nvSpPr>
+          <p:cNvPr id="4" name="Date Placeholder 3"/>
+          <p:cNvSpPr>
+            <a:spLocks noGrp="1"/>
+          </p:cNvSpPr>
+          <p:nvPr>
+            <p:ph type="dt" sz="half" idx="10"/>
+          </p:nvPr>
+        </p:nvSpPr>
+        <p:spPr/>
+        <p:txBody>
+          <a:bodyPr/>
+          <a:lstStyle/>
+          <a:p>
+            <a:fld id="{F72A63ED-A474-4EED-92B8-EA8361CA006A}" type="datetimeFigureOut">
+              <a:rPr lang="es-MX" smtClean="0"/>
+              <a:t>25/11/2025</a:t>
+            </a:fld>
+            <a:endParaRPr lang="es-MX"/>
+          </a:p>
+        </p:txBody>
+      </p:sp>
+      <p:sp>
+        <p:nvSpPr>
+          <p:cNvPr id="5" name="Footer Placeholder 4"/>
+          <p:cNvSpPr>
+            <a:spLocks noGrp="1"/>
+          </p:cNvSpPr>
+          <p:nvPr>
+            <p:ph type="ftr" sz="quarter" idx="11"/>
+          </p:nvPr>
+        </p:nvSpPr>
+        <p:spPr/>
+        <p:txBody>
+          <a:bodyPr/>
+          <a:lstStyle/>
+          <a:p>
+            <a:endParaRPr lang="es-MX"/>
+          </a:p>
+        </p:txBody>
+      </p:sp>
+      <p:sp>
+        <p:nvSpPr>
+          <p:cNvPr id="6" name="Slide Number Placeholder 5"/>
+          <p:cNvSpPr>
+            <a:spLocks noGrp="1"/>
+          </p:cNvSpPr>
+          <p:nvPr>
+            <p:ph type="sldNum" sz="quarter" idx="12"/>
+          </p:nvPr>
+        </p:nvSpPr>
+        <p:spPr/>
+        <p:txBody>
+          <a:bodyPr/>
+          <a:lstStyle/>
+          <a:p>
+            <a:fld id="{99812ABE-3F6D-41E4-B6D6-D891A490F4B0}" type="slidenum">
+              <a:rPr lang="es-MX" smtClean="0"/>
+              <a:t>‹Nº›</a:t>
+            </a:fld>
+            <a:endParaRPr lang="es-MX"/>
+          </a:p>
+        </p:txBody>
+      </p:sp>
+      <p:sp>
+        <p:nvSpPr>
+          <p:cNvPr id="12" name="TextBox 11"/>
+          <p:cNvSpPr txBox="1"/>
+          <p:nvPr/>
+        </p:nvSpPr>
+        <p:spPr>
+          <a:xfrm>
+            <a:off x="862013" y="879961"/>
+            <a:ext cx="609600" cy="584776"/>
+          </a:xfrm>
+          <a:prstGeom prst="rect">
+            <a:avLst/>
+          </a:prstGeom>
+        </p:spPr>
+        <p:txBody>
+          <a:bodyPr vert="horz" lIns="91440" tIns="45720" rIns="91440" bIns="45720" rtlCol="0" anchor="ctr">
+            <a:noAutofit/>
+          </a:bodyPr>
+          <a:lstStyle/>
+          <a:p>
+            <a:pPr lvl="0"/>
+            <a:r>
+              <a:rPr lang="en-US" sz="8000" dirty="0">
+                <a:solidFill>
+                  <a:schemeClr val="tx1"/>
+                </a:solidFill>
+                <a:effectLst/>
+              </a:rPr>
+              <a:t>“</a:t>
+            </a:r>
+          </a:p>
+        </p:txBody>
+      </p:sp>
+      <p:sp>
+        <p:nvSpPr>
+          <p:cNvPr id="13" name="TextBox 12"/>
+          <p:cNvSpPr txBox="1"/>
+          <p:nvPr/>
+        </p:nvSpPr>
+        <p:spPr>
+          <a:xfrm>
+            <a:off x="10600267" y="2599261"/>
+            <a:ext cx="609600" cy="584776"/>
+          </a:xfrm>
+          <a:prstGeom prst="rect">
+            <a:avLst/>
+          </a:prstGeom>
+        </p:spPr>
+        <p:txBody>
+          <a:bodyPr vert="horz" lIns="91440" tIns="45720" rIns="91440" bIns="45720" rtlCol="0" anchor="ctr">
+            <a:noAutofit/>
+          </a:bodyPr>
+          <a:lstStyle/>
+          <a:p>
+            <a:pPr lvl="0" algn="r"/>
+            <a:r>
+              <a:rPr lang="en-US" sz="8000" dirty="0">
+                <a:solidFill>
+                  <a:schemeClr val="tx1"/>
+                </a:solidFill>
+                <a:effectLst/>
+              </a:rPr>
+              <a:t>”</a:t>
+            </a:r>
+          </a:p>
+        </p:txBody>
+      </p:sp>
+      <p:cxnSp>
+        <p:nvCxnSpPr>
+          <p:cNvPr id="26" name="Straight Connector 25"/>
+          <p:cNvCxnSpPr/>
+          <p:nvPr/>
+        </p:nvCxnSpPr>
+        <p:spPr>
+          <a:xfrm>
+            <a:off x="1396169" y="3429000"/>
+            <a:ext cx="9407298" cy="0"/>
+          </a:xfrm>
+          <a:prstGeom prst="line">
+            <a:avLst/>
+          </a:prstGeom>
+          <a:ln w="15875">
+            <a:solidFill>
+              <a:schemeClr val="accent1">
+                <a:lumMod val="60000"/>
+                <a:lumOff val="40000"/>
+              </a:schemeClr>
+            </a:solidFill>
+          </a:ln>
+        </p:spPr>
+        <p:style>
+          <a:lnRef idx="2">
+            <a:schemeClr val="accent1"/>
+          </a:lnRef>
+          <a:fillRef idx="0">
+            <a:schemeClr val="accent1"/>
+          </a:fillRef>
+          <a:effectRef idx="1">
+            <a:schemeClr val="accent1"/>
+          </a:effectRef>
+          <a:fontRef idx="minor">
+            <a:schemeClr val="tx1"/>
+          </a:fontRef>
+        </p:style>
+      </p:cxnSp>
+    </p:spTree>
+    <p:extLst>
+      <p:ext uri="{BB962C8B-B14F-4D97-AF65-F5344CB8AC3E}">
+        <p14:creationId xmlns:p14="http://schemas.microsoft.com/office/powerpoint/2010/main" val="3507429697"/>
+      </p:ext>
+    </p:extLst>
+  </p:cSld>
+  <p:clrMapOvr>
+    <a:masterClrMapping/>
+  </p:clrMapOvr>
+</p:sldLayout>
+</file>
+
+<file path=ppt/slideLayouts/slideLayout15.xml><?xml version="1.0" encoding="utf-8"?>
+<p:sldLayout xmlns:a="http://schemas.openxmlformats.org/drawingml/2006/main" xmlns:r="http://schemas.openxmlformats.org/officeDocument/2006/relationships" xmlns:p="http://schemas.openxmlformats.org/presentationml/2006/main" preserve="1">
+  <p:cSld name="Verdadero o falso">
+    <p:spTree>
+      <p:nvGrpSpPr>
+        <p:cNvPr id="1" name=""/>
+        <p:cNvGrpSpPr/>
+        <p:nvPr/>
+      </p:nvGrpSpPr>
+      <p:grpSpPr>
+        <a:xfrm>
+          <a:off x="0" y="0"/>
+          <a:ext cx="0" cy="0"/>
+          <a:chOff x="0" y="0"/>
+          <a:chExt cx="0" cy="0"/>
+        </a:xfrm>
+      </p:grpSpPr>
+      <p:sp>
+        <p:nvSpPr>
+          <p:cNvPr id="2" name="Title 1"/>
+          <p:cNvSpPr>
+            <a:spLocks noGrp="1"/>
+          </p:cNvSpPr>
+          <p:nvPr>
+            <p:ph type="title"/>
+          </p:nvPr>
+        </p:nvSpPr>
+        <p:spPr>
+          <a:xfrm>
+            <a:off x="1295401" y="982132"/>
+            <a:ext cx="9609666" cy="2243668"/>
+          </a:xfrm>
+        </p:spPr>
+        <p:txBody>
+          <a:bodyPr vert="horz" lIns="91440" tIns="45720" rIns="91440" bIns="45720" rtlCol="0" anchor="ctr">
+            <a:normAutofit/>
+          </a:bodyPr>
+          <a:lstStyle>
+            <a:lvl1pPr>
+              <a:defRPr lang="en-US" b="0" dirty="0"/>
+            </a:lvl1pPr>
+          </a:lstStyle>
+          <a:p>
+            <a:pPr marL="0" lvl="0"/>
+            <a:r>
+              <a:rPr lang="es-ES"/>
+              <a:t>Haga clic para modificar el estilo de título del patrón</a:t>
+            </a:r>
+            <a:endParaRPr lang="en-US" dirty="0"/>
+          </a:p>
+        </p:txBody>
+      </p:sp>
+      <p:sp>
+        <p:nvSpPr>
+          <p:cNvPr id="11" name="Text Placeholder 2"/>
+          <p:cNvSpPr>
+            <a:spLocks noGrp="1"/>
+          </p:cNvSpPr>
+          <p:nvPr>
+            <p:ph type="body" idx="13"/>
+          </p:nvPr>
+        </p:nvSpPr>
+        <p:spPr>
+          <a:xfrm>
+            <a:off x="1295401" y="3630168"/>
+            <a:ext cx="9609668" cy="841248"/>
+          </a:xfrm>
+        </p:spPr>
+        <p:txBody>
+          <a:bodyPr anchor="b">
+            <a:normAutofit/>
+          </a:bodyPr>
+          <a:lstStyle>
+            <a:lvl1pPr marL="0" indent="0" algn="l">
+              <a:spcBef>
+                <a:spcPts val="0"/>
+              </a:spcBef>
+              <a:buNone/>
+              <a:defRPr sz="2800">
+                <a:solidFill>
+                  <a:schemeClr val="tx1"/>
+                </a:solidFill>
+              </a:defRPr>
+            </a:lvl1pPr>
+            <a:lvl2pPr marL="457200" indent="0">
+              <a:buNone/>
+              <a:defRPr sz="1800">
+                <a:solidFill>
+                  <a:schemeClr val="tx1">
+                    <a:tint val="75000"/>
+                  </a:schemeClr>
+                </a:solidFill>
+              </a:defRPr>
+            </a:lvl2pPr>
+            <a:lvl3pPr marL="914400" indent="0">
+              <a:buNone/>
+              <a:defRPr sz="1600">
+                <a:solidFill>
+                  <a:schemeClr val="tx1">
+                    <a:tint val="75000"/>
+                  </a:schemeClr>
+                </a:solidFill>
+              </a:defRPr>
+            </a:lvl3pPr>
+            <a:lvl4pPr marL="1371600" indent="0">
+              <a:buNone/>
+              <a:defRPr sz="1400">
+                <a:solidFill>
+                  <a:schemeClr val="tx1">
+                    <a:tint val="75000"/>
+                  </a:schemeClr>
+                </a:solidFill>
+              </a:defRPr>
+            </a:lvl4pPr>
+            <a:lvl5pPr marL="1828800" indent="0">
+              <a:buNone/>
+              <a:defRPr sz="1400">
+                <a:solidFill>
+                  <a:schemeClr val="tx1">
+                    <a:tint val="75000"/>
+                  </a:schemeClr>
+                </a:solidFill>
+              </a:defRPr>
+            </a:lvl5pPr>
+            <a:lvl6pPr marL="2286000" indent="0">
+              <a:buNone/>
+              <a:defRPr sz="1400">
+                <a:solidFill>
+                  <a:schemeClr val="tx1">
+                    <a:tint val="75000"/>
+                  </a:schemeClr>
+                </a:solidFill>
+              </a:defRPr>
+            </a:lvl6pPr>
+            <a:lvl7pPr marL="2743200" indent="0">
+              <a:buNone/>
+              <a:defRPr sz="1400">
+                <a:solidFill>
+                  <a:schemeClr val="tx1">
+                    <a:tint val="75000"/>
+                  </a:schemeClr>
+                </a:solidFill>
+              </a:defRPr>
+            </a:lvl7pPr>
+            <a:lvl8pPr marL="3200400" indent="0">
+              <a:buNone/>
+              <a:defRPr sz="1400">
+                <a:solidFill>
+                  <a:schemeClr val="tx1">
+                    <a:tint val="75000"/>
+                  </a:schemeClr>
+                </a:solidFill>
+              </a:defRPr>
+            </a:lvl8pPr>
+            <a:lvl9pPr marL="3657600" indent="0">
+              <a:buNone/>
+              <a:defRPr sz="1400">
+                <a:solidFill>
+                  <a:schemeClr val="tx1">
+                    <a:tint val="75000"/>
+                  </a:schemeClr>
+                </a:solidFill>
+              </a:defRPr>
+            </a:lvl9pPr>
+          </a:lstStyle>
+          <a:p>
+            <a:pPr lvl="0"/>
+            <a:r>
+              <a:rPr lang="es-ES"/>
+              <a:t>Haga clic para modificar los estilos de texto del patrón</a:t>
+            </a:r>
+          </a:p>
+        </p:txBody>
+      </p:sp>
+      <p:sp>
+        <p:nvSpPr>
+          <p:cNvPr id="3" name="Text Placeholder 2"/>
+          <p:cNvSpPr>
+            <a:spLocks noGrp="1"/>
+          </p:cNvSpPr>
+          <p:nvPr>
+            <p:ph type="body" idx="1"/>
+          </p:nvPr>
+        </p:nvSpPr>
+        <p:spPr>
+          <a:xfrm>
+            <a:off x="1295400" y="4470399"/>
+            <a:ext cx="9609670" cy="1405467"/>
+          </a:xfrm>
+        </p:spPr>
+        <p:txBody>
+          <a:bodyPr anchor="t">
+            <a:normAutofit/>
+          </a:bodyPr>
+          <a:lstStyle>
+            <a:lvl1pPr marL="0" indent="0" algn="l">
+              <a:buNone/>
+              <a:defRPr sz="1800">
+                <a:solidFill>
+                  <a:schemeClr val="tx1"/>
+                </a:solidFill>
+              </a:defRPr>
+            </a:lvl1pPr>
+            <a:lvl2pPr marL="457200" indent="0">
+              <a:buNone/>
+              <a:defRPr sz="1800">
+                <a:solidFill>
+                  <a:schemeClr val="tx1">
+                    <a:tint val="75000"/>
+                  </a:schemeClr>
+                </a:solidFill>
+              </a:defRPr>
+            </a:lvl2pPr>
+            <a:lvl3pPr marL="914400" indent="0">
+              <a:buNone/>
+              <a:defRPr sz="1600">
+                <a:solidFill>
+                  <a:schemeClr val="tx1">
+                    <a:tint val="75000"/>
+                  </a:schemeClr>
+                </a:solidFill>
+              </a:defRPr>
+            </a:lvl3pPr>
+            <a:lvl4pPr marL="1371600" indent="0">
+              <a:buNone/>
+              <a:defRPr sz="1400">
+                <a:solidFill>
+                  <a:schemeClr val="tx1">
+                    <a:tint val="75000"/>
+                  </a:schemeClr>
+                </a:solidFill>
+              </a:defRPr>
+            </a:lvl4pPr>
+            <a:lvl5pPr marL="1828800" indent="0">
+              <a:buNone/>
+              <a:defRPr sz="1400">
+                <a:solidFill>
+                  <a:schemeClr val="tx1">
+                    <a:tint val="75000"/>
+                  </a:schemeClr>
+                </a:solidFill>
+              </a:defRPr>
+            </a:lvl5pPr>
+            <a:lvl6pPr marL="2286000" indent="0">
+              <a:buNone/>
+              <a:defRPr sz="1400">
+                <a:solidFill>
+                  <a:schemeClr val="tx1">
+                    <a:tint val="75000"/>
+                  </a:schemeClr>
+                </a:solidFill>
+              </a:defRPr>
+            </a:lvl6pPr>
+            <a:lvl7pPr marL="2743200" indent="0">
+              <a:buNone/>
+              <a:defRPr sz="1400">
+                <a:solidFill>
+                  <a:schemeClr val="tx1">
+                    <a:tint val="75000"/>
+                  </a:schemeClr>
+                </a:solidFill>
+              </a:defRPr>
+            </a:lvl7pPr>
+            <a:lvl8pPr marL="3200400" indent="0">
+              <a:buNone/>
+              <a:defRPr sz="1400">
+                <a:solidFill>
+                  <a:schemeClr val="tx1">
+                    <a:tint val="75000"/>
+                  </a:schemeClr>
+                </a:solidFill>
+              </a:defRPr>
+            </a:lvl8pPr>
+            <a:lvl9pPr marL="3657600" indent="0">
+              <a:buNone/>
+              <a:defRPr sz="1400">
+                <a:solidFill>
+                  <a:schemeClr val="tx1">
+                    <a:tint val="75000"/>
+                  </a:schemeClr>
+                </a:solidFill>
+              </a:defRPr>
+            </a:lvl9pPr>
+          </a:lstStyle>
+          <a:p>
+            <a:pPr lvl="0"/>
+            <a:r>
+              <a:rPr lang="es-ES"/>
+              <a:t>Haga clic para modificar los estilos de texto del patrón</a:t>
+            </a:r>
+          </a:p>
+        </p:txBody>
+      </p:sp>
+      <p:sp>
+        <p:nvSpPr>
+          <p:cNvPr id="4" name="Date Placeholder 3"/>
+          <p:cNvSpPr>
+            <a:spLocks noGrp="1"/>
+          </p:cNvSpPr>
+          <p:nvPr>
+            <p:ph type="dt" sz="half" idx="10"/>
+          </p:nvPr>
+        </p:nvSpPr>
+        <p:spPr/>
+        <p:txBody>
+          <a:bodyPr/>
+          <a:lstStyle/>
+          <a:p>
+            <a:fld id="{F72A63ED-A474-4EED-92B8-EA8361CA006A}" type="datetimeFigureOut">
+              <a:rPr lang="es-MX" smtClean="0"/>
+              <a:t>25/11/2025</a:t>
+            </a:fld>
+            <a:endParaRPr lang="es-MX"/>
+          </a:p>
+        </p:txBody>
+      </p:sp>
+      <p:sp>
+        <p:nvSpPr>
+          <p:cNvPr id="5" name="Footer Placeholder 4"/>
+          <p:cNvSpPr>
+            <a:spLocks noGrp="1"/>
+          </p:cNvSpPr>
+          <p:nvPr>
+            <p:ph type="ftr" sz="quarter" idx="11"/>
+          </p:nvPr>
+        </p:nvSpPr>
+        <p:spPr/>
+        <p:txBody>
+          <a:bodyPr/>
+          <a:lstStyle/>
+          <a:p>
+            <a:endParaRPr lang="es-MX"/>
+          </a:p>
+        </p:txBody>
+      </p:sp>
+      <p:sp>
+        <p:nvSpPr>
+          <p:cNvPr id="6" name="Slide Number Placeholder 5"/>
+          <p:cNvSpPr>
+            <a:spLocks noGrp="1"/>
+          </p:cNvSpPr>
+          <p:nvPr>
+            <p:ph type="sldNum" sz="quarter" idx="12"/>
+          </p:nvPr>
+        </p:nvSpPr>
+        <p:spPr/>
+        <p:txBody>
+          <a:bodyPr/>
+          <a:lstStyle/>
+          <a:p>
+            <a:fld id="{99812ABE-3F6D-41E4-B6D6-D891A490F4B0}" type="slidenum">
+              <a:rPr lang="es-MX" smtClean="0"/>
+              <a:t>‹Nº›</a:t>
+            </a:fld>
+            <a:endParaRPr lang="es-MX"/>
+          </a:p>
+        </p:txBody>
+      </p:sp>
+      <p:cxnSp>
+        <p:nvCxnSpPr>
+          <p:cNvPr id="15" name="Straight Connector 14"/>
+          <p:cNvCxnSpPr/>
+          <p:nvPr/>
+        </p:nvCxnSpPr>
+        <p:spPr>
+          <a:xfrm>
+            <a:off x="1396169" y="3429000"/>
+            <a:ext cx="9407298" cy="0"/>
+          </a:xfrm>
+          <a:prstGeom prst="line">
+            <a:avLst/>
+          </a:prstGeom>
+          <a:ln w="15875">
+            <a:solidFill>
+              <a:schemeClr val="accent1">
+                <a:lumMod val="60000"/>
+                <a:lumOff val="40000"/>
+              </a:schemeClr>
+            </a:solidFill>
+          </a:ln>
+        </p:spPr>
+        <p:style>
+          <a:lnRef idx="2">
+            <a:schemeClr val="accent1"/>
+          </a:lnRef>
+          <a:fillRef idx="0">
+            <a:schemeClr val="accent1"/>
+          </a:fillRef>
+          <a:effectRef idx="1">
+            <a:schemeClr val="accent1"/>
+          </a:effectRef>
+          <a:fontRef idx="minor">
+            <a:schemeClr val="tx1"/>
+          </a:fontRef>
+        </p:style>
+      </p:cxnSp>
+    </p:spTree>
+    <p:extLst>
+      <p:ext uri="{BB962C8B-B14F-4D97-AF65-F5344CB8AC3E}">
+        <p14:creationId xmlns:p14="http://schemas.microsoft.com/office/powerpoint/2010/main" val="2301024630"/>
+      </p:ext>
+    </p:extLst>
+  </p:cSld>
+  <p:clrMapOvr>
+    <a:masterClrMapping/>
+  </p:clrMapOvr>
+</p:sldLayout>
+</file>
+
+<file path=ppt/slideLayouts/slideLayout16.xml><?xml version="1.0" encoding="utf-8"?>
 <p:sldLayout xmlns:a="http://schemas.openxmlformats.org/drawingml/2006/main" xmlns:r="http://schemas.openxmlformats.org/officeDocument/2006/relationships" xmlns:p="http://schemas.openxmlformats.org/presentationml/2006/main" type="vertTx" preserve="1">
   <p:cSld name="Título y texto vertical">
     <p:spTree>
@@ -384,7 +2603,11 @@
         <p:spPr/>
         <p:txBody>
           <a:bodyPr/>
-          <a:lstStyle/>
+          <a:lstStyle>
+            <a:lvl1pPr algn="ctr">
+              <a:defRPr/>
+            </a:lvl1pPr>
+          </a:lstStyle>
           <a:p>
             <a:r>
               <a:rPr lang="es-ES"/>
@@ -406,7 +2629,7 @@
         </p:nvSpPr>
         <p:spPr/>
         <p:txBody>
-          <a:bodyPr vert="eaVert"/>
+          <a:bodyPr vert="eaVert" anchor="t"/>
           <a:lstStyle/>
           <a:p>
             <a:pPr lvl="0"/>
@@ -513,34 +2736,35 @@
       </p:sp>
       <p:cxnSp>
         <p:nvCxnSpPr>
-          <p:cNvPr id="8" name="Straight Connector 7"/>
+          <p:cNvPr id="14" name="Straight Connector 13"/>
           <p:cNvCxnSpPr/>
           <p:nvPr/>
         </p:nvCxnSpPr>
         <p:spPr>
           <a:xfrm>
-            <a:off x="1371687" y="798973"/>
-            <a:ext cx="0" cy="1067168"/>
+            <a:off x="1396169" y="2421466"/>
+            <a:ext cx="9407298" cy="0"/>
           </a:xfrm>
           <a:prstGeom prst="line">
             <a:avLst/>
           </a:prstGeom>
-          <a:ln w="38100" cmpd="sng">
+          <a:ln w="15875">
             <a:solidFill>
-              <a:schemeClr val="accent1"/>
+              <a:schemeClr val="accent1">
+                <a:lumMod val="60000"/>
+                <a:lumOff val="40000"/>
+              </a:schemeClr>
             </a:solidFill>
-            <a:prstDash val="solid"/>
-            <a:tailEnd type="none"/>
           </a:ln>
         </p:spPr>
         <p:style>
-          <a:lnRef idx="3">
+          <a:lnRef idx="2">
             <a:schemeClr val="accent1"/>
           </a:lnRef>
           <a:fillRef idx="0">
             <a:schemeClr val="accent1"/>
           </a:fillRef>
-          <a:effectRef idx="2">
+          <a:effectRef idx="1">
             <a:schemeClr val="accent1"/>
           </a:effectRef>
           <a:fontRef idx="minor">
@@ -551,7 +2775,7 @@
     </p:spTree>
     <p:extLst>
       <p:ext uri="{BB962C8B-B14F-4D97-AF65-F5344CB8AC3E}">
-        <p14:creationId xmlns:p14="http://schemas.microsoft.com/office/powerpoint/2010/main" val="3907391653"/>
+        <p14:creationId xmlns:p14="http://schemas.microsoft.com/office/powerpoint/2010/main" val="3077381421"/>
       </p:ext>
     </p:extLst>
   </p:cSld>
@@ -561,7 +2785,7 @@
 </p:sldLayout>
 </file>
 
-<file path=ppt/slideLayouts/slideLayout11.xml><?xml version="1.0" encoding="utf-8"?>
+<file path=ppt/slideLayouts/slideLayout17.xml><?xml version="1.0" encoding="utf-8"?>
 <p:sldLayout xmlns:a="http://schemas.openxmlformats.org/drawingml/2006/main" xmlns:r="http://schemas.openxmlformats.org/officeDocument/2006/relationships" xmlns:p="http://schemas.openxmlformats.org/presentationml/2006/main" type="vertTitleAndTx" preserve="1">
   <p:cSld name="Título vertical y texto">
     <p:spTree>
@@ -590,17 +2814,13 @@
         </p:nvSpPr>
         <p:spPr>
           <a:xfrm>
-            <a:off x="9439111" y="883863"/>
-            <a:ext cx="1615742" cy="4574999"/>
+            <a:off x="8999356" y="982131"/>
+            <a:ext cx="1890895" cy="4893735"/>
           </a:xfrm>
         </p:spPr>
         <p:txBody>
           <a:bodyPr vert="eaVert"/>
-          <a:lstStyle>
-            <a:lvl1pPr algn="l">
-              <a:defRPr/>
-            </a:lvl1pPr>
-          </a:lstStyle>
+          <a:lstStyle/>
           <a:p>
             <a:r>
               <a:rPr lang="es-ES"/>
@@ -622,12 +2842,12 @@
         </p:nvSpPr>
         <p:spPr>
           <a:xfrm>
-            <a:off x="1534694" y="883863"/>
-            <a:ext cx="7738807" cy="4574999"/>
+            <a:off x="1295398" y="982132"/>
+            <a:ext cx="7433025" cy="4893734"/>
           </a:xfrm>
         </p:spPr>
         <p:txBody>
-          <a:bodyPr vert="eaVert"/>
+          <a:bodyPr vert="eaVert" anchor="t"/>
           <a:lstStyle/>
           <a:p>
             <a:pPr lvl="0"/>
@@ -734,34 +2954,35 @@
       </p:sp>
       <p:cxnSp>
         <p:nvCxnSpPr>
-          <p:cNvPr id="8" name="Straight Connector 7"/>
+          <p:cNvPr id="14" name="Straight Connector 13"/>
           <p:cNvCxnSpPr/>
           <p:nvPr/>
         </p:nvCxnSpPr>
         <p:spPr>
-          <a:xfrm flipH="1">
-            <a:off x="9439111" y="719272"/>
-            <a:ext cx="1615742" cy="0"/>
+          <a:xfrm>
+            <a:off x="8863890" y="990600"/>
+            <a:ext cx="0" cy="4876800"/>
           </a:xfrm>
           <a:prstGeom prst="line">
             <a:avLst/>
           </a:prstGeom>
-          <a:ln w="38100" cmpd="sng">
+          <a:ln w="15875">
             <a:solidFill>
-              <a:schemeClr val="accent1"/>
+              <a:schemeClr val="accent1">
+                <a:lumMod val="60000"/>
+                <a:lumOff val="40000"/>
+              </a:schemeClr>
             </a:solidFill>
-            <a:prstDash val="solid"/>
-            <a:tailEnd type="none"/>
           </a:ln>
         </p:spPr>
         <p:style>
-          <a:lnRef idx="3">
+          <a:lnRef idx="2">
             <a:schemeClr val="accent1"/>
           </a:lnRef>
           <a:fillRef idx="0">
             <a:schemeClr val="accent1"/>
           </a:fillRef>
-          <a:effectRef idx="2">
+          <a:effectRef idx="1">
             <a:schemeClr val="accent1"/>
           </a:effectRef>
           <a:fontRef idx="minor">
@@ -772,7 +2993,7 @@
     </p:spTree>
     <p:extLst>
       <p:ext uri="{BB962C8B-B14F-4D97-AF65-F5344CB8AC3E}">
-        <p14:creationId xmlns:p14="http://schemas.microsoft.com/office/powerpoint/2010/main" val="3104284190"/>
+        <p14:creationId xmlns:p14="http://schemas.microsoft.com/office/powerpoint/2010/main" val="1201868619"/>
       </p:ext>
     </p:extLst>
   </p:cSld>
@@ -799,176 +3020,37 @@
           <a:chExt cx="0" cy="0"/>
         </a:xfrm>
       </p:grpSpPr>
-      <p:sp>
-        <p:nvSpPr>
-          <p:cNvPr id="2" name="Title 1"/>
-          <p:cNvSpPr>
-            <a:spLocks noGrp="1"/>
-          </p:cNvSpPr>
-          <p:nvPr>
-            <p:ph type="title"/>
-          </p:nvPr>
-        </p:nvSpPr>
-        <p:spPr/>
-        <p:txBody>
-          <a:bodyPr/>
-          <a:lstStyle/>
-          <a:p>
-            <a:r>
-              <a:rPr lang="es-ES"/>
-              <a:t>Haga clic para modificar el estilo de título del patrón</a:t>
-            </a:r>
-            <a:endParaRPr lang="en-US" dirty="0"/>
-          </a:p>
-        </p:txBody>
-      </p:sp>
-      <p:sp>
-        <p:nvSpPr>
-          <p:cNvPr id="3" name="Content Placeholder 2"/>
-          <p:cNvSpPr>
-            <a:spLocks noGrp="1"/>
-          </p:cNvSpPr>
-          <p:nvPr>
-            <p:ph idx="1"/>
-          </p:nvPr>
-        </p:nvSpPr>
-        <p:spPr/>
-        <p:txBody>
-          <a:bodyPr anchor="t"/>
-          <a:lstStyle/>
-          <a:p>
-            <a:pPr lvl="0"/>
-            <a:r>
-              <a:rPr lang="es-ES"/>
-              <a:t>Haga clic para modificar los estilos de texto del patrón</a:t>
-            </a:r>
-          </a:p>
-          <a:p>
-            <a:pPr lvl="1"/>
-            <a:r>
-              <a:rPr lang="es-ES"/>
-              <a:t>Segundo nivel</a:t>
-            </a:r>
-          </a:p>
-          <a:p>
-            <a:pPr lvl="2"/>
-            <a:r>
-              <a:rPr lang="es-ES"/>
-              <a:t>Tercer nivel</a:t>
-            </a:r>
-          </a:p>
-          <a:p>
-            <a:pPr lvl="3"/>
-            <a:r>
-              <a:rPr lang="es-ES"/>
-              <a:t>Cuarto nivel</a:t>
-            </a:r>
-          </a:p>
-          <a:p>
-            <a:pPr lvl="4"/>
-            <a:r>
-              <a:rPr lang="es-ES"/>
-              <a:t>Quinto nivel</a:t>
-            </a:r>
-            <a:endParaRPr lang="en-US" dirty="0"/>
-          </a:p>
-        </p:txBody>
-      </p:sp>
-      <p:sp>
-        <p:nvSpPr>
-          <p:cNvPr id="4" name="Date Placeholder 3"/>
-          <p:cNvSpPr>
-            <a:spLocks noGrp="1"/>
-          </p:cNvSpPr>
-          <p:nvPr>
-            <p:ph type="dt" sz="half" idx="10"/>
-          </p:nvPr>
-        </p:nvSpPr>
-        <p:spPr/>
-        <p:txBody>
-          <a:bodyPr/>
-          <a:lstStyle/>
-          <a:p>
-            <a:fld id="{F72A63ED-A474-4EED-92B8-EA8361CA006A}" type="datetimeFigureOut">
-              <a:rPr lang="es-MX" smtClean="0"/>
-              <a:t>25/11/2025</a:t>
-            </a:fld>
-            <a:endParaRPr lang="es-MX"/>
-          </a:p>
-        </p:txBody>
-      </p:sp>
-      <p:sp>
-        <p:nvSpPr>
-          <p:cNvPr id="5" name="Footer Placeholder 4"/>
-          <p:cNvSpPr>
-            <a:spLocks noGrp="1"/>
-          </p:cNvSpPr>
-          <p:nvPr>
-            <p:ph type="ftr" sz="quarter" idx="11"/>
-          </p:nvPr>
-        </p:nvSpPr>
-        <p:spPr/>
-        <p:txBody>
-          <a:bodyPr/>
-          <a:lstStyle/>
-          <a:p>
-            <a:endParaRPr lang="es-MX"/>
-          </a:p>
-        </p:txBody>
-      </p:sp>
-      <p:sp>
-        <p:nvSpPr>
-          <p:cNvPr id="6" name="Slide Number Placeholder 5"/>
-          <p:cNvSpPr>
-            <a:spLocks noGrp="1"/>
-          </p:cNvSpPr>
-          <p:nvPr>
-            <p:ph type="sldNum" sz="quarter" idx="12"/>
-          </p:nvPr>
-        </p:nvSpPr>
-        <p:spPr/>
-        <p:txBody>
-          <a:bodyPr/>
-          <a:lstStyle/>
-          <a:p>
-            <a:fld id="{99812ABE-3F6D-41E4-B6D6-D891A490F4B0}" type="slidenum">
-              <a:rPr lang="es-MX" smtClean="0"/>
-              <a:t>‹Nº›</a:t>
-            </a:fld>
-            <a:endParaRPr lang="es-MX"/>
-          </a:p>
-        </p:txBody>
-      </p:sp>
       <p:cxnSp>
         <p:nvCxnSpPr>
-          <p:cNvPr id="8" name="Straight Connector 7"/>
+          <p:cNvPr id="7" name="Straight Connector 6"/>
           <p:cNvCxnSpPr/>
           <p:nvPr/>
         </p:nvCxnSpPr>
         <p:spPr>
           <a:xfrm>
-            <a:off x="1371687" y="798973"/>
-            <a:ext cx="0" cy="1067168"/>
+            <a:off x="1396169" y="2421466"/>
+            <a:ext cx="9407298" cy="0"/>
           </a:xfrm>
           <a:prstGeom prst="line">
             <a:avLst/>
           </a:prstGeom>
-          <a:ln w="38100" cmpd="sng">
+          <a:ln>
             <a:solidFill>
-              <a:schemeClr val="accent1"/>
+              <a:schemeClr val="accent1">
+                <a:lumMod val="60000"/>
+                <a:lumOff val="40000"/>
+              </a:schemeClr>
             </a:solidFill>
-            <a:prstDash val="solid"/>
-            <a:tailEnd type="none"/>
           </a:ln>
         </p:spPr>
         <p:style>
-          <a:lnRef idx="3">
+          <a:lnRef idx="2">
             <a:schemeClr val="accent1"/>
           </a:lnRef>
           <a:fillRef idx="0">
             <a:schemeClr val="accent1"/>
           </a:fillRef>
-          <a:effectRef idx="2">
+          <a:effectRef idx="1">
             <a:schemeClr val="accent1"/>
           </a:effectRef>
           <a:fontRef idx="minor">
@@ -976,10 +3058,150 @@
           </a:fontRef>
         </p:style>
       </p:cxnSp>
+      <p:sp>
+        <p:nvSpPr>
+          <p:cNvPr id="2" name="Title 1"/>
+          <p:cNvSpPr>
+            <a:spLocks noGrp="1"/>
+          </p:cNvSpPr>
+          <p:nvPr>
+            <p:ph type="title"/>
+          </p:nvPr>
+        </p:nvSpPr>
+        <p:spPr/>
+        <p:txBody>
+          <a:bodyPr/>
+          <a:lstStyle/>
+          <a:p>
+            <a:r>
+              <a:rPr lang="es-ES"/>
+              <a:t>Haga clic para modificar el estilo de título del patrón</a:t>
+            </a:r>
+            <a:endParaRPr lang="en-US" dirty="0"/>
+          </a:p>
+        </p:txBody>
+      </p:sp>
+      <p:sp>
+        <p:nvSpPr>
+          <p:cNvPr id="3" name="Content Placeholder 2"/>
+          <p:cNvSpPr>
+            <a:spLocks noGrp="1"/>
+          </p:cNvSpPr>
+          <p:nvPr>
+            <p:ph idx="1"/>
+          </p:nvPr>
+        </p:nvSpPr>
+        <p:spPr/>
+        <p:txBody>
+          <a:bodyPr/>
+          <a:lstStyle/>
+          <a:p>
+            <a:pPr lvl="0"/>
+            <a:r>
+              <a:rPr lang="es-ES"/>
+              <a:t>Haga clic para modificar los estilos de texto del patrón</a:t>
+            </a:r>
+          </a:p>
+          <a:p>
+            <a:pPr lvl="1"/>
+            <a:r>
+              <a:rPr lang="es-ES"/>
+              <a:t>Segundo nivel</a:t>
+            </a:r>
+          </a:p>
+          <a:p>
+            <a:pPr lvl="2"/>
+            <a:r>
+              <a:rPr lang="es-ES"/>
+              <a:t>Tercer nivel</a:t>
+            </a:r>
+          </a:p>
+          <a:p>
+            <a:pPr lvl="3"/>
+            <a:r>
+              <a:rPr lang="es-ES"/>
+              <a:t>Cuarto nivel</a:t>
+            </a:r>
+          </a:p>
+          <a:p>
+            <a:pPr lvl="4"/>
+            <a:r>
+              <a:rPr lang="es-ES"/>
+              <a:t>Quinto nivel</a:t>
+            </a:r>
+            <a:endParaRPr lang="en-US" dirty="0"/>
+          </a:p>
+        </p:txBody>
+      </p:sp>
+      <p:sp>
+        <p:nvSpPr>
+          <p:cNvPr id="4" name="Date Placeholder 3"/>
+          <p:cNvSpPr>
+            <a:spLocks noGrp="1"/>
+          </p:cNvSpPr>
+          <p:nvPr>
+            <p:ph type="dt" sz="half" idx="10"/>
+          </p:nvPr>
+        </p:nvSpPr>
+        <p:spPr/>
+        <p:txBody>
+          <a:bodyPr/>
+          <a:lstStyle/>
+          <a:p>
+            <a:fld id="{F72A63ED-A474-4EED-92B8-EA8361CA006A}" type="datetimeFigureOut">
+              <a:rPr lang="es-MX" smtClean="0"/>
+              <a:t>25/11/2025</a:t>
+            </a:fld>
+            <a:endParaRPr lang="es-MX"/>
+          </a:p>
+        </p:txBody>
+      </p:sp>
+      <p:sp>
+        <p:nvSpPr>
+          <p:cNvPr id="5" name="Footer Placeholder 4"/>
+          <p:cNvSpPr>
+            <a:spLocks noGrp="1"/>
+          </p:cNvSpPr>
+          <p:nvPr>
+            <p:ph type="ftr" sz="quarter" idx="11"/>
+          </p:nvPr>
+        </p:nvSpPr>
+        <p:spPr/>
+        <p:txBody>
+          <a:bodyPr/>
+          <a:lstStyle/>
+          <a:p>
+            <a:endParaRPr lang="es-MX"/>
+          </a:p>
+        </p:txBody>
+      </p:sp>
+      <p:sp>
+        <p:nvSpPr>
+          <p:cNvPr id="6" name="Slide Number Placeholder 5"/>
+          <p:cNvSpPr>
+            <a:spLocks noGrp="1"/>
+          </p:cNvSpPr>
+          <p:nvPr>
+            <p:ph type="sldNum" sz="quarter" idx="12"/>
+          </p:nvPr>
+        </p:nvSpPr>
+        <p:spPr/>
+        <p:txBody>
+          <a:bodyPr/>
+          <a:lstStyle/>
+          <a:p>
+            <a:fld id="{99812ABE-3F6D-41E4-B6D6-D891A490F4B0}" type="slidenum">
+              <a:rPr lang="es-MX" smtClean="0"/>
+              <a:t>‹Nº›</a:t>
+            </a:fld>
+            <a:endParaRPr lang="es-MX"/>
+          </a:p>
+        </p:txBody>
+      </p:sp>
     </p:spTree>
     <p:extLst>
       <p:ext uri="{BB962C8B-B14F-4D97-AF65-F5344CB8AC3E}">
-        <p14:creationId xmlns:p14="http://schemas.microsoft.com/office/powerpoint/2010/main" val="1883875964"/>
+        <p14:creationId xmlns:p14="http://schemas.microsoft.com/office/powerpoint/2010/main" val="554677691"/>
       </p:ext>
     </p:extLst>
   </p:cSld>
@@ -1018,8 +3240,8 @@
         </p:nvSpPr>
         <p:spPr>
           <a:xfrm>
-            <a:off x="1534813" y="1756130"/>
-            <a:ext cx="8562580" cy="1887950"/>
+            <a:off x="2015069" y="1752606"/>
+            <a:ext cx="8158688" cy="1822514"/>
           </a:xfrm>
         </p:spPr>
         <p:txBody>
@@ -1027,8 +3249,8 @@
             <a:normAutofit/>
           </a:bodyPr>
           <a:lstStyle>
-            <a:lvl1pPr algn="l">
-              <a:defRPr sz="3600"/>
+            <a:lvl1pPr algn="ctr">
+              <a:defRPr sz="4400" b="0" cap="none"/>
             </a:lvl1pPr>
           </a:lstStyle>
           <a:p>
@@ -1052,18 +3274,18 @@
         </p:nvSpPr>
         <p:spPr>
           <a:xfrm>
-            <a:off x="1534695" y="3806195"/>
-            <a:ext cx="8549990" cy="1012929"/>
+            <a:off x="2015067" y="3846051"/>
+            <a:ext cx="8158690" cy="954547"/>
           </a:xfrm>
         </p:spPr>
         <p:txBody>
-          <a:bodyPr tIns="91440">
+          <a:bodyPr anchor="t">
             <a:normAutofit/>
           </a:bodyPr>
           <a:lstStyle>
-            <a:lvl1pPr marL="0" indent="0" algn="l">
-              <a:buNone/>
-              <a:defRPr sz="1800">
+            <a:lvl1pPr marL="0" indent="0" algn="ctr">
+              <a:buNone/>
+              <a:defRPr sz="2400">
                 <a:solidFill>
                   <a:schemeClr val="tx1"/>
                 </a:solidFill>
@@ -1081,7 +3303,7 @@
             </a:lvl2pPr>
             <a:lvl3pPr marL="914400" indent="0">
               <a:buNone/>
-              <a:defRPr sz="1800">
+              <a:defRPr sz="1600">
                 <a:solidFill>
                   <a:schemeClr val="tx1">
                     <a:tint val="75000"/>
@@ -1091,7 +3313,7 @@
             </a:lvl3pPr>
             <a:lvl4pPr marL="1371600" indent="0">
               <a:buNone/>
-              <a:defRPr sz="1600">
+              <a:defRPr sz="1400">
                 <a:solidFill>
                   <a:schemeClr val="tx1">
                     <a:tint val="75000"/>
@@ -1101,7 +3323,7 @@
             </a:lvl4pPr>
             <a:lvl5pPr marL="1828800" indent="0">
               <a:buNone/>
-              <a:defRPr sz="1600">
+              <a:defRPr sz="1400">
                 <a:solidFill>
                   <a:schemeClr val="tx1">
                     <a:tint val="75000"/>
@@ -1111,7 +3333,7 @@
             </a:lvl5pPr>
             <a:lvl6pPr marL="2286000" indent="0">
               <a:buNone/>
-              <a:defRPr sz="1600">
+              <a:defRPr sz="1400">
                 <a:solidFill>
                   <a:schemeClr val="tx1">
                     <a:tint val="75000"/>
@@ -1121,7 +3343,7 @@
             </a:lvl6pPr>
             <a:lvl7pPr marL="2743200" indent="0">
               <a:buNone/>
-              <a:defRPr sz="1600">
+              <a:defRPr sz="1400">
                 <a:solidFill>
                   <a:schemeClr val="tx1">
                     <a:tint val="75000"/>
@@ -1131,7 +3353,7 @@
             </a:lvl7pPr>
             <a:lvl8pPr marL="3200400" indent="0">
               <a:buNone/>
-              <a:defRPr sz="1600">
+              <a:defRPr sz="1400">
                 <a:solidFill>
                   <a:schemeClr val="tx1">
                     <a:tint val="75000"/>
@@ -1141,7 +3363,7 @@
             </a:lvl8pPr>
             <a:lvl9pPr marL="3657600" indent="0">
               <a:buNone/>
-              <a:defRPr sz="1600">
+              <a:defRPr sz="1400">
                 <a:solidFill>
                   <a:schemeClr val="tx1">
                     <a:tint val="75000"/>
@@ -1226,34 +3448,35 @@
       </p:sp>
       <p:cxnSp>
         <p:nvCxnSpPr>
-          <p:cNvPr id="8" name="Straight Connector 7"/>
+          <p:cNvPr id="16" name="Straight Connector 15"/>
           <p:cNvCxnSpPr/>
           <p:nvPr/>
         </p:nvCxnSpPr>
         <p:spPr>
           <a:xfrm>
-            <a:off x="1371687" y="798973"/>
-            <a:ext cx="0" cy="2845107"/>
+            <a:off x="2012723" y="3710585"/>
+            <a:ext cx="8163380" cy="0"/>
           </a:xfrm>
           <a:prstGeom prst="line">
             <a:avLst/>
           </a:prstGeom>
-          <a:ln w="38100" cmpd="sng">
+          <a:ln w="15875">
             <a:solidFill>
-              <a:schemeClr val="accent1"/>
+              <a:schemeClr val="accent1">
+                <a:lumMod val="60000"/>
+                <a:lumOff val="40000"/>
+              </a:schemeClr>
             </a:solidFill>
-            <a:prstDash val="solid"/>
-            <a:tailEnd type="none"/>
           </a:ln>
         </p:spPr>
         <p:style>
-          <a:lnRef idx="3">
+          <a:lnRef idx="2">
             <a:schemeClr val="accent1"/>
           </a:lnRef>
           <a:fillRef idx="0">
             <a:schemeClr val="accent1"/>
           </a:fillRef>
-          <a:effectRef idx="2">
+          <a:effectRef idx="1">
             <a:schemeClr val="accent1"/>
           </a:effectRef>
           <a:fontRef idx="minor">
@@ -1264,7 +3487,7 @@
     </p:spTree>
     <p:extLst>
       <p:ext uri="{BB962C8B-B14F-4D97-AF65-F5344CB8AC3E}">
-        <p14:creationId xmlns:p14="http://schemas.microsoft.com/office/powerpoint/2010/main" val="2574231484"/>
+        <p14:creationId xmlns:p14="http://schemas.microsoft.com/office/powerpoint/2010/main" val="4022571651"/>
       </p:ext>
     </p:extLst>
   </p:cSld>
@@ -1291,243 +3514,37 @@
           <a:chExt cx="0" cy="0"/>
         </a:xfrm>
       </p:grpSpPr>
-      <p:sp>
-        <p:nvSpPr>
-          <p:cNvPr id="2" name="Title 1"/>
-          <p:cNvSpPr>
-            <a:spLocks noGrp="1"/>
-          </p:cNvSpPr>
-          <p:nvPr>
-            <p:ph type="title"/>
-          </p:nvPr>
-        </p:nvSpPr>
-        <p:spPr>
-          <a:xfrm>
-            <a:off x="1534695" y="804889"/>
-            <a:ext cx="9520157" cy="1059305"/>
-          </a:xfrm>
-        </p:spPr>
-        <p:txBody>
-          <a:bodyPr/>
-          <a:lstStyle/>
-          <a:p>
-            <a:r>
-              <a:rPr lang="es-ES"/>
-              <a:t>Haga clic para modificar el estilo de título del patrón</a:t>
-            </a:r>
-            <a:endParaRPr lang="en-US" dirty="0"/>
-          </a:p>
-        </p:txBody>
-      </p:sp>
-      <p:sp>
-        <p:nvSpPr>
-          <p:cNvPr id="3" name="Content Placeholder 2"/>
-          <p:cNvSpPr>
-            <a:spLocks noGrp="1"/>
-          </p:cNvSpPr>
-          <p:nvPr>
-            <p:ph sz="half" idx="1"/>
-          </p:nvPr>
-        </p:nvSpPr>
-        <p:spPr>
-          <a:xfrm>
-            <a:off x="1534695" y="2010878"/>
-            <a:ext cx="4608576" cy="3438144"/>
-          </a:xfrm>
-        </p:spPr>
-        <p:txBody>
-          <a:bodyPr/>
-          <a:lstStyle/>
-          <a:p>
-            <a:pPr lvl="0"/>
-            <a:r>
-              <a:rPr lang="es-ES"/>
-              <a:t>Haga clic para modificar los estilos de texto del patrón</a:t>
-            </a:r>
-          </a:p>
-          <a:p>
-            <a:pPr lvl="1"/>
-            <a:r>
-              <a:rPr lang="es-ES"/>
-              <a:t>Segundo nivel</a:t>
-            </a:r>
-          </a:p>
-          <a:p>
-            <a:pPr lvl="2"/>
-            <a:r>
-              <a:rPr lang="es-ES"/>
-              <a:t>Tercer nivel</a:t>
-            </a:r>
-          </a:p>
-          <a:p>
-            <a:pPr lvl="3"/>
-            <a:r>
-              <a:rPr lang="es-ES"/>
-              <a:t>Cuarto nivel</a:t>
-            </a:r>
-          </a:p>
-          <a:p>
-            <a:pPr lvl="4"/>
-            <a:r>
-              <a:rPr lang="es-ES"/>
-              <a:t>Quinto nivel</a:t>
-            </a:r>
-            <a:endParaRPr lang="en-US" dirty="0"/>
-          </a:p>
-        </p:txBody>
-      </p:sp>
-      <p:sp>
-        <p:nvSpPr>
-          <p:cNvPr id="4" name="Content Placeholder 3"/>
-          <p:cNvSpPr>
-            <a:spLocks noGrp="1"/>
-          </p:cNvSpPr>
-          <p:nvPr>
-            <p:ph sz="half" idx="2"/>
-          </p:nvPr>
-        </p:nvSpPr>
-        <p:spPr>
-          <a:xfrm>
-            <a:off x="6454793" y="2017343"/>
-            <a:ext cx="4604130" cy="3441520"/>
-          </a:xfrm>
-        </p:spPr>
-        <p:txBody>
-          <a:bodyPr/>
-          <a:lstStyle/>
-          <a:p>
-            <a:pPr lvl="0"/>
-            <a:r>
-              <a:rPr lang="es-ES"/>
-              <a:t>Haga clic para modificar los estilos de texto del patrón</a:t>
-            </a:r>
-          </a:p>
-          <a:p>
-            <a:pPr lvl="1"/>
-            <a:r>
-              <a:rPr lang="es-ES"/>
-              <a:t>Segundo nivel</a:t>
-            </a:r>
-          </a:p>
-          <a:p>
-            <a:pPr lvl="2"/>
-            <a:r>
-              <a:rPr lang="es-ES"/>
-              <a:t>Tercer nivel</a:t>
-            </a:r>
-          </a:p>
-          <a:p>
-            <a:pPr lvl="3"/>
-            <a:r>
-              <a:rPr lang="es-ES"/>
-              <a:t>Cuarto nivel</a:t>
-            </a:r>
-          </a:p>
-          <a:p>
-            <a:pPr lvl="4"/>
-            <a:r>
-              <a:rPr lang="es-ES"/>
-              <a:t>Quinto nivel</a:t>
-            </a:r>
-            <a:endParaRPr lang="en-US" dirty="0"/>
-          </a:p>
-        </p:txBody>
-      </p:sp>
-      <p:sp>
-        <p:nvSpPr>
-          <p:cNvPr id="5" name="Date Placeholder 4"/>
-          <p:cNvSpPr>
-            <a:spLocks noGrp="1"/>
-          </p:cNvSpPr>
-          <p:nvPr>
-            <p:ph type="dt" sz="half" idx="10"/>
-          </p:nvPr>
-        </p:nvSpPr>
-        <p:spPr/>
-        <p:txBody>
-          <a:bodyPr/>
-          <a:lstStyle/>
-          <a:p>
-            <a:fld id="{F72A63ED-A474-4EED-92B8-EA8361CA006A}" type="datetimeFigureOut">
-              <a:rPr lang="es-MX" smtClean="0"/>
-              <a:t>25/11/2025</a:t>
-            </a:fld>
-            <a:endParaRPr lang="es-MX"/>
-          </a:p>
-        </p:txBody>
-      </p:sp>
-      <p:sp>
-        <p:nvSpPr>
-          <p:cNvPr id="6" name="Footer Placeholder 5"/>
-          <p:cNvSpPr>
-            <a:spLocks noGrp="1"/>
-          </p:cNvSpPr>
-          <p:nvPr>
-            <p:ph type="ftr" sz="quarter" idx="11"/>
-          </p:nvPr>
-        </p:nvSpPr>
-        <p:spPr/>
-        <p:txBody>
-          <a:bodyPr/>
-          <a:lstStyle/>
-          <a:p>
-            <a:endParaRPr lang="es-MX"/>
-          </a:p>
-        </p:txBody>
-      </p:sp>
-      <p:sp>
-        <p:nvSpPr>
-          <p:cNvPr id="7" name="Slide Number Placeholder 6"/>
-          <p:cNvSpPr>
-            <a:spLocks noGrp="1"/>
-          </p:cNvSpPr>
-          <p:nvPr>
-            <p:ph type="sldNum" sz="quarter" idx="12"/>
-          </p:nvPr>
-        </p:nvSpPr>
-        <p:spPr/>
-        <p:txBody>
-          <a:bodyPr/>
-          <a:lstStyle/>
-          <a:p>
-            <a:fld id="{99812ABE-3F6D-41E4-B6D6-D891A490F4B0}" type="slidenum">
-              <a:rPr lang="es-MX" smtClean="0"/>
-              <a:t>‹Nº›</a:t>
-            </a:fld>
-            <a:endParaRPr lang="es-MX"/>
-          </a:p>
-        </p:txBody>
-      </p:sp>
       <p:cxnSp>
         <p:nvCxnSpPr>
-          <p:cNvPr id="9" name="Straight Connector 8"/>
+          <p:cNvPr id="8" name="Straight Connector 7"/>
           <p:cNvCxnSpPr/>
           <p:nvPr/>
         </p:nvCxnSpPr>
         <p:spPr>
           <a:xfrm>
-            <a:off x="1371687" y="798973"/>
-            <a:ext cx="0" cy="1067168"/>
+            <a:off x="1396169" y="2421466"/>
+            <a:ext cx="9407298" cy="0"/>
           </a:xfrm>
           <a:prstGeom prst="line">
             <a:avLst/>
           </a:prstGeom>
-          <a:ln w="38100" cmpd="sng">
+          <a:ln w="15875">
             <a:solidFill>
-              <a:schemeClr val="accent1"/>
+              <a:schemeClr val="accent1">
+                <a:lumMod val="60000"/>
+                <a:lumOff val="40000"/>
+              </a:schemeClr>
             </a:solidFill>
-            <a:prstDash val="solid"/>
-            <a:tailEnd type="none"/>
           </a:ln>
         </p:spPr>
         <p:style>
-          <a:lnRef idx="3">
+          <a:lnRef idx="2">
             <a:schemeClr val="accent1"/>
           </a:lnRef>
           <a:fillRef idx="0">
             <a:schemeClr val="accent1"/>
           </a:fillRef>
-          <a:effectRef idx="2">
+          <a:effectRef idx="1">
             <a:schemeClr val="accent1"/>
           </a:effectRef>
           <a:fontRef idx="minor">
@@ -1535,10 +3552,216 @@
           </a:fontRef>
         </p:style>
       </p:cxnSp>
+      <p:sp>
+        <p:nvSpPr>
+          <p:cNvPr id="2" name="Title 1"/>
+          <p:cNvSpPr>
+            <a:spLocks noGrp="1"/>
+          </p:cNvSpPr>
+          <p:nvPr>
+            <p:ph type="title"/>
+          </p:nvPr>
+        </p:nvSpPr>
+        <p:spPr/>
+        <p:txBody>
+          <a:bodyPr/>
+          <a:lstStyle/>
+          <a:p>
+            <a:r>
+              <a:rPr lang="es-ES"/>
+              <a:t>Haga clic para modificar el estilo de título del patrón</a:t>
+            </a:r>
+            <a:endParaRPr lang="en-US" dirty="0"/>
+          </a:p>
+        </p:txBody>
+      </p:sp>
+      <p:sp>
+        <p:nvSpPr>
+          <p:cNvPr id="3" name="Content Placeholder 2"/>
+          <p:cNvSpPr>
+            <a:spLocks noGrp="1"/>
+          </p:cNvSpPr>
+          <p:nvPr>
+            <p:ph sz="half" idx="1"/>
+          </p:nvPr>
+        </p:nvSpPr>
+        <p:spPr>
+          <a:xfrm>
+            <a:off x="1298448" y="2560320"/>
+            <a:ext cx="4718304" cy="3310128"/>
+          </a:xfrm>
+        </p:spPr>
+        <p:txBody>
+          <a:bodyPr>
+            <a:normAutofit/>
+          </a:bodyPr>
+          <a:lstStyle/>
+          <a:p>
+            <a:pPr lvl="0"/>
+            <a:r>
+              <a:rPr lang="es-ES"/>
+              <a:t>Haga clic para modificar los estilos de texto del patrón</a:t>
+            </a:r>
+          </a:p>
+          <a:p>
+            <a:pPr lvl="1"/>
+            <a:r>
+              <a:rPr lang="es-ES"/>
+              <a:t>Segundo nivel</a:t>
+            </a:r>
+          </a:p>
+          <a:p>
+            <a:pPr lvl="2"/>
+            <a:r>
+              <a:rPr lang="es-ES"/>
+              <a:t>Tercer nivel</a:t>
+            </a:r>
+          </a:p>
+          <a:p>
+            <a:pPr lvl="3"/>
+            <a:r>
+              <a:rPr lang="es-ES"/>
+              <a:t>Cuarto nivel</a:t>
+            </a:r>
+          </a:p>
+          <a:p>
+            <a:pPr lvl="4"/>
+            <a:r>
+              <a:rPr lang="es-ES"/>
+              <a:t>Quinto nivel</a:t>
+            </a:r>
+            <a:endParaRPr lang="en-US" dirty="0"/>
+          </a:p>
+        </p:txBody>
+      </p:sp>
+      <p:sp>
+        <p:nvSpPr>
+          <p:cNvPr id="4" name="Content Placeholder 3"/>
+          <p:cNvSpPr>
+            <a:spLocks noGrp="1"/>
+          </p:cNvSpPr>
+          <p:nvPr>
+            <p:ph sz="half" idx="2"/>
+          </p:nvPr>
+        </p:nvSpPr>
+        <p:spPr>
+          <a:xfrm>
+            <a:off x="6181344" y="2560320"/>
+            <a:ext cx="4718304" cy="3310128"/>
+          </a:xfrm>
+        </p:spPr>
+        <p:txBody>
+          <a:bodyPr>
+            <a:normAutofit/>
+          </a:bodyPr>
+          <a:lstStyle/>
+          <a:p>
+            <a:pPr lvl="0"/>
+            <a:r>
+              <a:rPr lang="es-ES"/>
+              <a:t>Haga clic para modificar los estilos de texto del patrón</a:t>
+            </a:r>
+          </a:p>
+          <a:p>
+            <a:pPr lvl="1"/>
+            <a:r>
+              <a:rPr lang="es-ES"/>
+              <a:t>Segundo nivel</a:t>
+            </a:r>
+          </a:p>
+          <a:p>
+            <a:pPr lvl="2"/>
+            <a:r>
+              <a:rPr lang="es-ES"/>
+              <a:t>Tercer nivel</a:t>
+            </a:r>
+          </a:p>
+          <a:p>
+            <a:pPr lvl="3"/>
+            <a:r>
+              <a:rPr lang="es-ES"/>
+              <a:t>Cuarto nivel</a:t>
+            </a:r>
+          </a:p>
+          <a:p>
+            <a:pPr lvl="4"/>
+            <a:r>
+              <a:rPr lang="es-ES"/>
+              <a:t>Quinto nivel</a:t>
+            </a:r>
+            <a:endParaRPr lang="en-US" dirty="0"/>
+          </a:p>
+        </p:txBody>
+      </p:sp>
+      <p:sp>
+        <p:nvSpPr>
+          <p:cNvPr id="5" name="Date Placeholder 4"/>
+          <p:cNvSpPr>
+            <a:spLocks noGrp="1"/>
+          </p:cNvSpPr>
+          <p:nvPr>
+            <p:ph type="dt" sz="half" idx="10"/>
+          </p:nvPr>
+        </p:nvSpPr>
+        <p:spPr/>
+        <p:txBody>
+          <a:bodyPr/>
+          <a:lstStyle/>
+          <a:p>
+            <a:fld id="{F72A63ED-A474-4EED-92B8-EA8361CA006A}" type="datetimeFigureOut">
+              <a:rPr lang="es-MX" smtClean="0"/>
+              <a:t>25/11/2025</a:t>
+            </a:fld>
+            <a:endParaRPr lang="es-MX"/>
+          </a:p>
+        </p:txBody>
+      </p:sp>
+      <p:sp>
+        <p:nvSpPr>
+          <p:cNvPr id="6" name="Footer Placeholder 5"/>
+          <p:cNvSpPr>
+            <a:spLocks noGrp="1"/>
+          </p:cNvSpPr>
+          <p:nvPr>
+            <p:ph type="ftr" sz="quarter" idx="11"/>
+          </p:nvPr>
+        </p:nvSpPr>
+        <p:spPr/>
+        <p:txBody>
+          <a:bodyPr/>
+          <a:lstStyle/>
+          <a:p>
+            <a:endParaRPr lang="es-MX"/>
+          </a:p>
+        </p:txBody>
+      </p:sp>
+      <p:sp>
+        <p:nvSpPr>
+          <p:cNvPr id="7" name="Slide Number Placeholder 6"/>
+          <p:cNvSpPr>
+            <a:spLocks noGrp="1"/>
+          </p:cNvSpPr>
+          <p:nvPr>
+            <p:ph type="sldNum" sz="quarter" idx="12"/>
+          </p:nvPr>
+        </p:nvSpPr>
+        <p:spPr/>
+        <p:txBody>
+          <a:bodyPr/>
+          <a:lstStyle/>
+          <a:p>
+            <a:fld id="{99812ABE-3F6D-41E4-B6D6-D891A490F4B0}" type="slidenum">
+              <a:rPr lang="es-MX" smtClean="0"/>
+              <a:t>‹Nº›</a:t>
+            </a:fld>
+            <a:endParaRPr lang="es-MX"/>
+          </a:p>
+        </p:txBody>
+      </p:sp>
     </p:spTree>
     <p:extLst>
       <p:ext uri="{BB962C8B-B14F-4D97-AF65-F5344CB8AC3E}">
-        <p14:creationId xmlns:p14="http://schemas.microsoft.com/office/powerpoint/2010/main" val="653639491"/>
+        <p14:creationId xmlns:p14="http://schemas.microsoft.com/office/powerpoint/2010/main" val="3676450144"/>
       </p:ext>
     </p:extLst>
   </p:cSld>
@@ -1575,51 +3798,47 @@
             <p:ph type="title"/>
           </p:nvPr>
         </p:nvSpPr>
+        <p:spPr/>
+        <p:txBody>
+          <a:bodyPr/>
+          <a:lstStyle>
+            <a:lvl1pPr>
+              <a:defRPr/>
+            </a:lvl1pPr>
+          </a:lstStyle>
+          <a:p>
+            <a:r>
+              <a:rPr lang="es-ES"/>
+              <a:t>Haga clic para modificar el estilo de título del patrón</a:t>
+            </a:r>
+            <a:endParaRPr lang="en-US" dirty="0"/>
+          </a:p>
+        </p:txBody>
+      </p:sp>
+      <p:sp>
+        <p:nvSpPr>
+          <p:cNvPr id="3" name="Text Placeholder 2"/>
+          <p:cNvSpPr>
+            <a:spLocks noGrp="1"/>
+          </p:cNvSpPr>
+          <p:nvPr>
+            <p:ph type="body" idx="1"/>
+          </p:nvPr>
+        </p:nvSpPr>
         <p:spPr>
           <a:xfrm>
-            <a:off x="1534695" y="804163"/>
-            <a:ext cx="9520157" cy="1056319"/>
+            <a:off x="1295400" y="2658533"/>
+            <a:ext cx="4718304" cy="576262"/>
           </a:xfrm>
         </p:spPr>
         <p:txBody>
-          <a:bodyPr/>
-          <a:lstStyle/>
-          <a:p>
-            <a:r>
-              <a:rPr lang="es-ES"/>
-              <a:t>Haga clic para modificar el estilo de título del patrón</a:t>
-            </a:r>
-            <a:endParaRPr lang="en-US" dirty="0"/>
-          </a:p>
-        </p:txBody>
-      </p:sp>
-      <p:sp>
-        <p:nvSpPr>
-          <p:cNvPr id="3" name="Text Placeholder 2"/>
-          <p:cNvSpPr>
-            <a:spLocks noGrp="1"/>
-          </p:cNvSpPr>
-          <p:nvPr>
-            <p:ph type="body" idx="1"/>
-          </p:nvPr>
-        </p:nvSpPr>
-        <p:spPr>
-          <a:xfrm>
-            <a:off x="1534695" y="2019549"/>
-            <a:ext cx="4608576" cy="801943"/>
-          </a:xfrm>
-        </p:spPr>
-        <p:txBody>
           <a:bodyPr anchor="b">
-            <a:normAutofit/>
+            <a:noAutofit/>
           </a:bodyPr>
           <a:lstStyle>
             <a:lvl1pPr marL="0" indent="0">
-              <a:lnSpc>
-                <a:spcPct val="100000"/>
-              </a:lnSpc>
-              <a:buNone/>
-              <a:defRPr sz="2200" b="0" cap="all" baseline="0">
+              <a:buNone/>
+              <a:defRPr sz="2800" b="0">
                 <a:solidFill>
                   <a:schemeClr val="accent1"/>
                 </a:solidFill>
@@ -1679,12 +3898,14 @@
         </p:nvSpPr>
         <p:spPr>
           <a:xfrm>
-            <a:off x="1534695" y="2824269"/>
-            <a:ext cx="4608576" cy="2644457"/>
+            <a:off x="1295400" y="3243262"/>
+            <a:ext cx="4718304" cy="2632605"/>
           </a:xfrm>
         </p:spPr>
         <p:txBody>
-          <a:bodyPr/>
+          <a:bodyPr anchor="t">
+            <a:normAutofit/>
+          </a:bodyPr>
           <a:lstStyle/>
           <a:p>
             <a:pPr lvl="0"/>
@@ -1736,21 +3957,18 @@
         </p:nvSpPr>
         <p:spPr>
           <a:xfrm>
-            <a:off x="6454791" y="2023003"/>
-            <a:ext cx="4608576" cy="802237"/>
+            <a:off x="6180671" y="2658533"/>
+            <a:ext cx="4718304" cy="576262"/>
           </a:xfrm>
         </p:spPr>
         <p:txBody>
           <a:bodyPr anchor="b">
-            <a:normAutofit/>
+            <a:noAutofit/>
           </a:bodyPr>
           <a:lstStyle>
             <a:lvl1pPr marL="0" indent="0">
-              <a:lnSpc>
-                <a:spcPct val="100000"/>
-              </a:lnSpc>
-              <a:buNone/>
-              <a:defRPr sz="2200" b="0" cap="all" baseline="0">
+              <a:buNone/>
+              <a:defRPr sz="2800" b="0">
                 <a:solidFill>
                   <a:schemeClr val="accent1"/>
                 </a:solidFill>
@@ -1810,12 +4028,14 @@
         </p:nvSpPr>
         <p:spPr>
           <a:xfrm>
-            <a:off x="6454792" y="2821491"/>
-            <a:ext cx="4608576" cy="2637371"/>
+            <a:off x="6180671" y="3243262"/>
+            <a:ext cx="4718304" cy="2632605"/>
           </a:xfrm>
         </p:spPr>
         <p:txBody>
-          <a:bodyPr/>
+          <a:bodyPr anchor="t">
+            <a:normAutofit/>
+          </a:bodyPr>
           <a:lstStyle/>
           <a:p>
             <a:pPr lvl="0"/>
@@ -1922,34 +4142,35 @@
       </p:sp>
       <p:cxnSp>
         <p:nvCxnSpPr>
-          <p:cNvPr id="11" name="Straight Connector 10"/>
+          <p:cNvPr id="18" name="Straight Connector 17"/>
           <p:cNvCxnSpPr/>
           <p:nvPr/>
         </p:nvCxnSpPr>
         <p:spPr>
           <a:xfrm>
-            <a:off x="1371687" y="798973"/>
-            <a:ext cx="0" cy="1067168"/>
+            <a:off x="1396169" y="2421466"/>
+            <a:ext cx="9407298" cy="0"/>
           </a:xfrm>
           <a:prstGeom prst="line">
             <a:avLst/>
           </a:prstGeom>
-          <a:ln w="38100" cmpd="sng">
+          <a:ln w="15875">
             <a:solidFill>
-              <a:schemeClr val="accent1"/>
+              <a:schemeClr val="accent1">
+                <a:lumMod val="60000"/>
+                <a:lumOff val="40000"/>
+              </a:schemeClr>
             </a:solidFill>
-            <a:prstDash val="solid"/>
-            <a:tailEnd type="none"/>
           </a:ln>
         </p:spPr>
         <p:style>
-          <a:lnRef idx="3">
+          <a:lnRef idx="2">
             <a:schemeClr val="accent1"/>
           </a:lnRef>
           <a:fillRef idx="0">
             <a:schemeClr val="accent1"/>
           </a:fillRef>
-          <a:effectRef idx="2">
+          <a:effectRef idx="1">
             <a:schemeClr val="accent1"/>
           </a:effectRef>
           <a:fontRef idx="minor">
@@ -1960,7 +4181,7 @@
     </p:spTree>
     <p:extLst>
       <p:ext uri="{BB962C8B-B14F-4D97-AF65-F5344CB8AC3E}">
-        <p14:creationId xmlns:p14="http://schemas.microsoft.com/office/powerpoint/2010/main" val="862784649"/>
+        <p14:creationId xmlns:p14="http://schemas.microsoft.com/office/powerpoint/2010/main" val="2024243019"/>
       </p:ext>
     </p:extLst>
   </p:cSld>
@@ -2077,34 +4298,35 @@
       </p:sp>
       <p:cxnSp>
         <p:nvCxnSpPr>
-          <p:cNvPr id="7" name="Straight Connector 6"/>
+          <p:cNvPr id="14" name="Straight Connector 13"/>
           <p:cNvCxnSpPr/>
           <p:nvPr/>
         </p:nvCxnSpPr>
         <p:spPr>
           <a:xfrm>
-            <a:off x="1371687" y="798973"/>
-            <a:ext cx="0" cy="1067168"/>
+            <a:off x="1396169" y="2421466"/>
+            <a:ext cx="9407298" cy="0"/>
           </a:xfrm>
           <a:prstGeom prst="line">
             <a:avLst/>
           </a:prstGeom>
-          <a:ln w="38100" cmpd="sng">
+          <a:ln w="15875">
             <a:solidFill>
-              <a:schemeClr val="accent1"/>
+              <a:schemeClr val="accent1">
+                <a:lumMod val="60000"/>
+                <a:lumOff val="40000"/>
+              </a:schemeClr>
             </a:solidFill>
-            <a:prstDash val="solid"/>
-            <a:tailEnd type="none"/>
           </a:ln>
         </p:spPr>
         <p:style>
-          <a:lnRef idx="3">
+          <a:lnRef idx="2">
             <a:schemeClr val="accent1"/>
           </a:lnRef>
           <a:fillRef idx="0">
             <a:schemeClr val="accent1"/>
           </a:fillRef>
-          <a:effectRef idx="2">
+          <a:effectRef idx="1">
             <a:schemeClr val="accent1"/>
           </a:effectRef>
           <a:fontRef idx="minor">
@@ -2115,7 +4337,7 @@
     </p:spTree>
     <p:extLst>
       <p:ext uri="{BB962C8B-B14F-4D97-AF65-F5344CB8AC3E}">
-        <p14:creationId xmlns:p14="http://schemas.microsoft.com/office/powerpoint/2010/main" val="313756737"/>
+        <p14:creationId xmlns:p14="http://schemas.microsoft.com/office/powerpoint/2010/main" val="1393132930"/>
       </p:ext>
     </p:extLst>
   </p:cSld>
@@ -2210,7 +4432,7 @@
     </p:spTree>
     <p:extLst>
       <p:ext uri="{BB962C8B-B14F-4D97-AF65-F5344CB8AC3E}">
-        <p14:creationId xmlns:p14="http://schemas.microsoft.com/office/powerpoint/2010/main" val="3042343145"/>
+        <p14:creationId xmlns:p14="http://schemas.microsoft.com/office/powerpoint/2010/main" val="4046238081"/>
       </p:ext>
     </p:extLst>
   </p:cSld>
@@ -2249,8 +4471,8 @@
         </p:nvSpPr>
         <p:spPr>
           <a:xfrm>
-            <a:off x="1534642" y="798973"/>
-            <a:ext cx="3183128" cy="2247117"/>
+            <a:off x="1293811" y="1388534"/>
+            <a:ext cx="3718455" cy="1371600"/>
           </a:xfrm>
         </p:spPr>
         <p:txBody>
@@ -2258,8 +4480,8 @@
             <a:normAutofit/>
           </a:bodyPr>
           <a:lstStyle>
-            <a:lvl1pPr algn="l">
-              <a:defRPr sz="2400"/>
+            <a:lvl1pPr algn="ctr">
+              <a:defRPr sz="2400" b="0"/>
             </a:lvl1pPr>
           </a:lstStyle>
           <a:p>
@@ -2283,12 +4505,14 @@
         </p:nvSpPr>
         <p:spPr>
           <a:xfrm>
-            <a:off x="5043714" y="798974"/>
-            <a:ext cx="6012470" cy="4658826"/>
+            <a:off x="5418668" y="982131"/>
+            <a:ext cx="5469466" cy="4893735"/>
           </a:xfrm>
         </p:spPr>
         <p:txBody>
-          <a:bodyPr anchor="ctr"/>
+          <a:bodyPr anchor="ctr">
+            <a:normAutofit/>
+          </a:bodyPr>
           <a:lstStyle/>
           <a:p>
             <a:pPr lvl="0"/>
@@ -2340,48 +4564,50 @@
         </p:nvSpPr>
         <p:spPr>
           <a:xfrm>
-            <a:off x="1534695" y="3205491"/>
-            <a:ext cx="3184989" cy="2248181"/>
+            <a:off x="1293811" y="3031065"/>
+            <a:ext cx="3718455" cy="2438404"/>
           </a:xfrm>
         </p:spPr>
         <p:txBody>
-          <a:bodyPr/>
+          <a:bodyPr anchor="t">
+            <a:normAutofit/>
+          </a:bodyPr>
           <a:lstStyle>
-            <a:lvl1pPr marL="0" indent="0" algn="l">
+            <a:lvl1pPr marL="0" indent="0" algn="ctr">
               <a:buNone/>
               <a:defRPr sz="1600"/>
             </a:lvl1pPr>
             <a:lvl2pPr marL="457200" indent="0">
               <a:buNone/>
-              <a:defRPr sz="1400"/>
+              <a:defRPr sz="1200"/>
             </a:lvl2pPr>
             <a:lvl3pPr marL="914400" indent="0">
               <a:buNone/>
-              <a:defRPr sz="1200"/>
+              <a:defRPr sz="1000"/>
             </a:lvl3pPr>
             <a:lvl4pPr marL="1371600" indent="0">
               <a:buNone/>
-              <a:defRPr sz="1000"/>
+              <a:defRPr sz="900"/>
             </a:lvl4pPr>
             <a:lvl5pPr marL="1828800" indent="0">
               <a:buNone/>
-              <a:defRPr sz="1000"/>
+              <a:defRPr sz="900"/>
             </a:lvl5pPr>
             <a:lvl6pPr marL="2286000" indent="0">
               <a:buNone/>
-              <a:defRPr sz="1000"/>
+              <a:defRPr sz="900"/>
             </a:lvl6pPr>
             <a:lvl7pPr marL="2743200" indent="0">
               <a:buNone/>
-              <a:defRPr sz="1000"/>
+              <a:defRPr sz="900"/>
             </a:lvl7pPr>
             <a:lvl8pPr marL="3200400" indent="0">
               <a:buNone/>
-              <a:defRPr sz="1000"/>
+              <a:defRPr sz="900"/>
             </a:lvl8pPr>
             <a:lvl9pPr marL="3657600" indent="0">
               <a:buNone/>
-              <a:defRPr sz="1000"/>
+              <a:defRPr sz="900"/>
             </a:lvl9pPr>
           </a:lstStyle>
           <a:p>
@@ -2460,34 +4686,35 @@
       </p:sp>
       <p:cxnSp>
         <p:nvCxnSpPr>
-          <p:cNvPr id="9" name="Straight Connector 8"/>
+          <p:cNvPr id="16" name="Straight Connector 15"/>
           <p:cNvCxnSpPr/>
           <p:nvPr/>
         </p:nvCxnSpPr>
         <p:spPr>
           <a:xfrm>
-            <a:off x="1371687" y="798973"/>
-            <a:ext cx="0" cy="2247117"/>
+            <a:off x="1396169" y="2912533"/>
+            <a:ext cx="3514498" cy="0"/>
           </a:xfrm>
           <a:prstGeom prst="line">
             <a:avLst/>
           </a:prstGeom>
-          <a:ln w="38100" cmpd="sng">
+          <a:ln w="15875">
             <a:solidFill>
-              <a:schemeClr val="accent1"/>
+              <a:schemeClr val="accent1">
+                <a:lumMod val="60000"/>
+                <a:lumOff val="40000"/>
+              </a:schemeClr>
             </a:solidFill>
-            <a:prstDash val="solid"/>
-            <a:tailEnd type="none"/>
           </a:ln>
         </p:spPr>
         <p:style>
-          <a:lnRef idx="3">
+          <a:lnRef idx="2">
             <a:schemeClr val="accent1"/>
           </a:lnRef>
           <a:fillRef idx="0">
             <a:schemeClr val="accent1"/>
           </a:fillRef>
-          <a:effectRef idx="2">
+          <a:effectRef idx="1">
             <a:schemeClr val="accent1"/>
           </a:effectRef>
           <a:fontRef idx="minor">
@@ -2498,7 +4725,7 @@
     </p:spTree>
     <p:extLst>
       <p:ext uri="{BB962C8B-B14F-4D97-AF65-F5344CB8AC3E}">
-        <p14:creationId xmlns:p14="http://schemas.microsoft.com/office/powerpoint/2010/main" val="748304556"/>
+        <p14:creationId xmlns:p14="http://schemas.microsoft.com/office/powerpoint/2010/main" val="893635542"/>
       </p:ext>
     </p:extLst>
   </p:cSld>
@@ -2525,144 +4752,6 @@
           <a:chExt cx="0" cy="0"/>
         </a:xfrm>
       </p:grpSpPr>
-      <p:grpSp>
-        <p:nvGrpSpPr>
-          <p:cNvPr id="8" name="Group 7"/>
-          <p:cNvGrpSpPr/>
-          <p:nvPr/>
-        </p:nvGrpSpPr>
-        <p:grpSpPr>
-          <a:xfrm>
-            <a:off x="7477387" y="482170"/>
-            <a:ext cx="4074533" cy="5149101"/>
-            <a:chOff x="7477387" y="482170"/>
-            <a:chExt cx="4074533" cy="5149101"/>
-          </a:xfrm>
-        </p:grpSpPr>
-        <p:sp>
-          <p:nvSpPr>
-            <p:cNvPr id="18" name="Rectangle 17"/>
-            <p:cNvSpPr/>
-            <p:nvPr/>
-          </p:nvSpPr>
-          <p:spPr>
-            <a:xfrm>
-              <a:off x="7477387" y="482170"/>
-              <a:ext cx="4074533" cy="5149101"/>
-            </a:xfrm>
-            <a:prstGeom prst="rect">
-              <a:avLst/>
-            </a:prstGeom>
-            <a:gradFill>
-              <a:gsLst>
-                <a:gs pos="0">
-                  <a:schemeClr val="bg2">
-                    <a:lumMod val="10000"/>
-                  </a:schemeClr>
-                </a:gs>
-                <a:gs pos="100000">
-                  <a:schemeClr val="bg2">
-                    <a:lumMod val="10000"/>
-                  </a:schemeClr>
-                </a:gs>
-              </a:gsLst>
-            </a:gradFill>
-            <a:ln w="76200" cmpd="sng">
-              <a:noFill/>
-              <a:miter lim="800000"/>
-            </a:ln>
-            <a:effectLst>
-              <a:outerShdw blurRad="127000" dist="228600" dir="4740000" sx="98000" sy="98000" algn="tl" rotWithShape="0">
-                <a:srgbClr val="000000">
-                  <a:alpha val="34000"/>
-                </a:srgbClr>
-              </a:outerShdw>
-            </a:effectLst>
-            <a:scene3d>
-              <a:camera prst="orthographicFront"/>
-              <a:lightRig rig="threePt" dir="t"/>
-            </a:scene3d>
-            <a:sp3d prstMaterial="matte">
-              <a:bevelT w="133350" h="50800" prst="divot"/>
-            </a:sp3d>
-          </p:spPr>
-          <p:style>
-            <a:lnRef idx="1">
-              <a:schemeClr val="accent1"/>
-            </a:lnRef>
-            <a:fillRef idx="3">
-              <a:schemeClr val="accent1"/>
-            </a:fillRef>
-            <a:effectRef idx="2">
-              <a:schemeClr val="accent1"/>
-            </a:effectRef>
-            <a:fontRef idx="minor">
-              <a:schemeClr val="lt1"/>
-            </a:fontRef>
-          </p:style>
-        </p:sp>
-        <p:sp>
-          <p:nvSpPr>
-            <p:cNvPr id="19" name="Rectangle 18"/>
-            <p:cNvSpPr/>
-            <p:nvPr/>
-          </p:nvSpPr>
-          <p:spPr>
-            <a:xfrm>
-              <a:off x="7790446" y="812506"/>
-              <a:ext cx="3450289" cy="4466452"/>
-            </a:xfrm>
-            <a:prstGeom prst="rect">
-              <a:avLst/>
-            </a:prstGeom>
-            <a:gradFill>
-              <a:gsLst>
-                <a:gs pos="0">
-                  <a:srgbClr val="DADADA"/>
-                </a:gs>
-                <a:gs pos="100000">
-                  <a:srgbClr val="FFFFFE"/>
-                </a:gs>
-              </a:gsLst>
-              <a:lin ang="16200000" scaled="0"/>
-            </a:gradFill>
-            <a:ln w="50800" cmpd="sng">
-              <a:solidFill>
-                <a:srgbClr val="191919"/>
-              </a:solidFill>
-              <a:miter lim="800000"/>
-            </a:ln>
-            <a:effectLst>
-              <a:innerShdw blurRad="63500" dist="88900" dir="14100000">
-                <a:srgbClr val="000000">
-                  <a:alpha val="30000"/>
-                </a:srgbClr>
-              </a:innerShdw>
-            </a:effectLst>
-            <a:scene3d>
-              <a:camera prst="orthographicFront"/>
-              <a:lightRig rig="threePt" dir="t"/>
-            </a:scene3d>
-            <a:sp3d>
-              <a:bevelT prst="relaxedInset"/>
-            </a:sp3d>
-          </p:spPr>
-          <p:style>
-            <a:lnRef idx="1">
-              <a:schemeClr val="accent1"/>
-            </a:lnRef>
-            <a:fillRef idx="3">
-              <a:schemeClr val="accent1"/>
-            </a:fillRef>
-            <a:effectRef idx="2">
-              <a:schemeClr val="accent1"/>
-            </a:effectRef>
-            <a:fontRef idx="minor">
-              <a:schemeClr val="lt1"/>
-            </a:fontRef>
-          </p:style>
-        </p:sp>
-      </p:grpSp>
       <p:sp>
         <p:nvSpPr>
           <p:cNvPr id="2" name="Title 1"/>
@@ -2675,8 +4764,8 @@
         </p:nvSpPr>
         <p:spPr>
           <a:xfrm>
-            <a:off x="1535694" y="1129513"/>
-            <a:ext cx="5447840" cy="1830584"/>
+            <a:off x="1295399" y="1883832"/>
+            <a:ext cx="6241816" cy="1371600"/>
           </a:xfrm>
         </p:spPr>
         <p:txBody>
@@ -2684,8 +4773,8 @@
             <a:normAutofit/>
           </a:bodyPr>
           <a:lstStyle>
-            <a:lvl1pPr>
-              <a:defRPr sz="3200"/>
+            <a:lvl1pPr algn="ctr">
+              <a:defRPr sz="2800" b="0"/>
             </a:lvl1pPr>
           </a:lstStyle>
           <a:p>
@@ -2699,7 +4788,7 @@
       </p:sp>
       <p:sp>
         <p:nvSpPr>
-          <p:cNvPr id="3" name="Picture Placeholder 2"/>
+          <p:cNvPr id="17" name="Picture Placeholder 2"/>
           <p:cNvSpPr>
             <a:spLocks noGrp="1" noChangeAspect="1"/>
           </p:cNvSpPr>
@@ -2709,125 +4798,138 @@
         </p:nvSpPr>
         <p:spPr>
           <a:xfrm>
-            <a:off x="8124389" y="1122542"/>
-            <a:ext cx="2791171" cy="3866327"/>
+            <a:off x="8094831" y="1041400"/>
+            <a:ext cx="3063347" cy="4775200"/>
           </a:xfrm>
-          <a:solidFill>
-            <a:schemeClr val="bg1">
-              <a:lumMod val="85000"/>
-            </a:schemeClr>
-          </a:solidFill>
-          <a:ln w="9525" cap="sq">
-            <a:noFill/>
+          <a:prstGeom prst="roundRect">
+            <a:avLst>
+              <a:gd name="adj" fmla="val 0"/>
+            </a:avLst>
+          </a:prstGeom>
+          <a:ln w="57150" cmpd="thickThin">
+            <a:solidFill>
+              <a:schemeClr val="tx1">
+                <a:lumMod val="50000"/>
+                <a:lumOff val="50000"/>
+              </a:schemeClr>
+            </a:solidFill>
             <a:miter lim="800000"/>
           </a:ln>
-          <a:effectLst/>
+          <a:effectLst>
+            <a:innerShdw blurRad="57150" dist="38100" dir="14460000">
+              <a:srgbClr val="000000">
+                <a:alpha val="70000"/>
+              </a:srgbClr>
+            </a:innerShdw>
+          </a:effectLst>
         </p:spPr>
         <p:txBody>
-          <a:bodyPr anchor="t"/>
-          <a:lstStyle>
-            <a:lvl1pPr marL="0" indent="0" algn="ctr">
-              <a:buNone/>
-              <a:defRPr sz="3200"/>
-            </a:lvl1pPr>
-            <a:lvl2pPr marL="457200" indent="0">
-              <a:buNone/>
-              <a:defRPr sz="2800"/>
-            </a:lvl2pPr>
-            <a:lvl3pPr marL="914400" indent="0">
-              <a:buNone/>
-              <a:defRPr sz="2400"/>
-            </a:lvl3pPr>
-            <a:lvl4pPr marL="1371600" indent="0">
-              <a:buNone/>
-              <a:defRPr sz="2000"/>
-            </a:lvl4pPr>
-            <a:lvl5pPr marL="1828800" indent="0">
-              <a:buNone/>
-              <a:defRPr sz="2000"/>
-            </a:lvl5pPr>
-            <a:lvl6pPr marL="2286000" indent="0">
-              <a:buNone/>
-              <a:defRPr sz="2000"/>
-            </a:lvl6pPr>
-            <a:lvl7pPr marL="2743200" indent="0">
-              <a:buNone/>
-              <a:defRPr sz="2000"/>
-            </a:lvl7pPr>
-            <a:lvl8pPr marL="3200400" indent="0">
-              <a:buNone/>
-              <a:defRPr sz="2000"/>
-            </a:lvl8pPr>
-            <a:lvl9pPr marL="3657600" indent="0">
-              <a:buNone/>
-              <a:defRPr sz="2000"/>
-            </a:lvl9pPr>
-          </a:lstStyle>
-          <a:p>
-            <a:r>
-              <a:rPr lang="es-ES"/>
-              <a:t>Haga clic en el icono para agregar una imagen</a:t>
-            </a:r>
-            <a:endParaRPr lang="en-US" dirty="0"/>
-          </a:p>
-        </p:txBody>
-      </p:sp>
-      <p:sp>
-        <p:nvSpPr>
-          <p:cNvPr id="4" name="Text Placeholder 3"/>
-          <p:cNvSpPr>
-            <a:spLocks noGrp="1"/>
-          </p:cNvSpPr>
-          <p:nvPr>
-            <p:ph type="body" sz="half" idx="2"/>
-          </p:nvPr>
-        </p:nvSpPr>
-        <p:spPr>
-          <a:xfrm>
-            <a:off x="1534695" y="3145992"/>
-            <a:ext cx="5440037" cy="2003742"/>
-          </a:xfrm>
-        </p:spPr>
-        <p:txBody>
-          <a:bodyPr>
+          <a:bodyPr anchor="t">
             <a:normAutofit/>
           </a:bodyPr>
           <a:lstStyle>
-            <a:lvl1pPr marL="0" indent="0" algn="l">
+            <a:lvl1pPr marL="0" indent="0" algn="ctr">
+              <a:buNone/>
+              <a:defRPr sz="1600"/>
+            </a:lvl1pPr>
+            <a:lvl2pPr marL="457200" indent="0">
+              <a:buNone/>
+              <a:defRPr sz="1600"/>
+            </a:lvl2pPr>
+            <a:lvl3pPr marL="914400" indent="0">
+              <a:buNone/>
+              <a:defRPr sz="1600"/>
+            </a:lvl3pPr>
+            <a:lvl4pPr marL="1371600" indent="0">
+              <a:buNone/>
+              <a:defRPr sz="1600"/>
+            </a:lvl4pPr>
+            <a:lvl5pPr marL="1828800" indent="0">
+              <a:buNone/>
+              <a:defRPr sz="1600"/>
+            </a:lvl5pPr>
+            <a:lvl6pPr marL="2286000" indent="0">
+              <a:buNone/>
+              <a:defRPr sz="1600"/>
+            </a:lvl6pPr>
+            <a:lvl7pPr marL="2743200" indent="0">
+              <a:buNone/>
+              <a:defRPr sz="1600"/>
+            </a:lvl7pPr>
+            <a:lvl8pPr marL="3200400" indent="0">
+              <a:buNone/>
+              <a:defRPr sz="1600"/>
+            </a:lvl8pPr>
+            <a:lvl9pPr marL="3657600" indent="0">
+              <a:buNone/>
+              <a:defRPr sz="1600"/>
+            </a:lvl9pPr>
+          </a:lstStyle>
+          <a:p>
+            <a:r>
+              <a:rPr lang="es-ES"/>
+              <a:t>Haga clic en el icono para agregar una imagen</a:t>
+            </a:r>
+            <a:endParaRPr lang="en-US" dirty="0"/>
+          </a:p>
+        </p:txBody>
+      </p:sp>
+      <p:sp>
+        <p:nvSpPr>
+          <p:cNvPr id="4" name="Text Placeholder 3"/>
+          <p:cNvSpPr>
+            <a:spLocks noGrp="1"/>
+          </p:cNvSpPr>
+          <p:nvPr>
+            <p:ph type="body" sz="half" idx="2"/>
+          </p:nvPr>
+        </p:nvSpPr>
+        <p:spPr>
+          <a:xfrm>
+            <a:off x="1295399" y="3255432"/>
+            <a:ext cx="6241816" cy="1828800"/>
+          </a:xfrm>
+        </p:spPr>
+        <p:txBody>
+          <a:bodyPr anchor="t">
+            <a:normAutofit/>
+          </a:bodyPr>
+          <a:lstStyle>
+            <a:lvl1pPr marL="0" indent="0" algn="ctr">
               <a:buNone/>
               <a:defRPr sz="1800"/>
             </a:lvl1pPr>
             <a:lvl2pPr marL="457200" indent="0">
               <a:buNone/>
-              <a:defRPr sz="1400"/>
+              <a:defRPr sz="1200"/>
             </a:lvl2pPr>
             <a:lvl3pPr marL="914400" indent="0">
               <a:buNone/>
-              <a:defRPr sz="1200"/>
+              <a:defRPr sz="1000"/>
             </a:lvl3pPr>
             <a:lvl4pPr marL="1371600" indent="0">
               <a:buNone/>
-              <a:defRPr sz="1000"/>
+              <a:defRPr sz="900"/>
             </a:lvl4pPr>
             <a:lvl5pPr marL="1828800" indent="0">
               <a:buNone/>
-              <a:defRPr sz="1000"/>
+              <a:defRPr sz="900"/>
             </a:lvl5pPr>
             <a:lvl6pPr marL="2286000" indent="0">
               <a:buNone/>
-              <a:defRPr sz="1000"/>
+              <a:defRPr sz="900"/>
             </a:lvl6pPr>
             <a:lvl7pPr marL="2743200" indent="0">
               <a:buNone/>
-              <a:defRPr sz="1000"/>
+              <a:defRPr sz="900"/>
             </a:lvl7pPr>
             <a:lvl8pPr marL="3200400" indent="0">
               <a:buNone/>
-              <a:defRPr sz="1000"/>
+              <a:defRPr sz="900"/>
             </a:lvl8pPr>
             <a:lvl9pPr marL="3657600" indent="0">
               <a:buNone/>
-              <a:defRPr sz="1000"/>
+              <a:defRPr sz="900"/>
             </a:lvl9pPr>
           </a:lstStyle>
           <a:p>
@@ -2849,19 +4951,10 @@
             <p:ph type="dt" sz="half" idx="10"/>
           </p:nvPr>
         </p:nvSpPr>
-        <p:spPr>
-          <a:xfrm>
-            <a:off x="1534695" y="5469856"/>
-            <a:ext cx="5440038" cy="320123"/>
-          </a:xfrm>
-        </p:spPr>
+        <p:spPr/>
         <p:txBody>
           <a:bodyPr/>
-          <a:lstStyle>
-            <a:lvl1pPr algn="l">
-              <a:defRPr/>
-            </a:lvl1pPr>
-          </a:lstStyle>
+          <a:lstStyle/>
           <a:p>
             <a:fld id="{F72A63ED-A474-4EED-92B8-EA8361CA006A}" type="datetimeFigureOut">
               <a:rPr lang="es-MX" smtClean="0"/>
@@ -2881,12 +4974,7 @@
             <p:ph type="ftr" sz="quarter" idx="11"/>
           </p:nvPr>
         </p:nvSpPr>
-        <p:spPr>
-          <a:xfrm>
-            <a:off x="1534910" y="318640"/>
-            <a:ext cx="5453475" cy="320931"/>
-          </a:xfrm>
-        </p:spPr>
+        <p:spPr/>
         <p:txBody>
           <a:bodyPr/>
           <a:lstStyle/>
@@ -2918,47 +5006,10 @@
           </a:p>
         </p:txBody>
       </p:sp>
-      <p:cxnSp>
-        <p:nvCxnSpPr>
-          <p:cNvPr id="14" name="Straight Connector 13"/>
-          <p:cNvCxnSpPr/>
-          <p:nvPr/>
-        </p:nvCxnSpPr>
-        <p:spPr>
-          <a:xfrm>
-            <a:off x="1371687" y="798973"/>
-            <a:ext cx="0" cy="2161124"/>
-          </a:xfrm>
-          <a:prstGeom prst="line">
-            <a:avLst/>
-          </a:prstGeom>
-          <a:ln w="38100" cmpd="sng">
-            <a:solidFill>
-              <a:schemeClr val="accent1"/>
-            </a:solidFill>
-            <a:prstDash val="solid"/>
-            <a:tailEnd type="none"/>
-          </a:ln>
-        </p:spPr>
-        <p:style>
-          <a:lnRef idx="3">
-            <a:schemeClr val="accent1"/>
-          </a:lnRef>
-          <a:fillRef idx="0">
-            <a:schemeClr val="accent1"/>
-          </a:fillRef>
-          <a:effectRef idx="2">
-            <a:schemeClr val="accent1"/>
-          </a:effectRef>
-          <a:fontRef idx="minor">
-            <a:schemeClr val="tx1"/>
-          </a:fontRef>
-        </p:style>
-      </p:cxnSp>
     </p:spTree>
     <p:extLst>
       <p:ext uri="{BB962C8B-B14F-4D97-AF65-F5344CB8AC3E}">
-        <p14:creationId xmlns:p14="http://schemas.microsoft.com/office/powerpoint/2010/main" val="556039164"/>
+        <p14:creationId xmlns:p14="http://schemas.microsoft.com/office/powerpoint/2010/main" val="2978006016"/>
       </p:ext>
     </p:extLst>
   </p:cSld>
@@ -2973,7 +5024,7 @@
   <p:cSld>
     <p:bg>
       <p:bgRef idx="1003">
-        <a:schemeClr val="bg2"/>
+        <a:schemeClr val="bg1"/>
       </p:bgRef>
     </p:bg>
     <p:spTree>
@@ -2990,72 +5041,30 @@
           <a:chExt cx="0" cy="0"/>
         </a:xfrm>
       </p:grpSpPr>
-      <p:sp>
-        <p:nvSpPr>
-          <p:cNvPr id="9" name="Rectangle 8"/>
-          <p:cNvSpPr/>
-          <p:nvPr/>
-        </p:nvSpPr>
-        <p:spPr>
-          <a:xfrm>
-            <a:off x="0" y="2015732"/>
-            <a:ext cx="12192000" cy="4118829"/>
-          </a:xfrm>
-          <a:prstGeom prst="rect">
-            <a:avLst/>
-          </a:prstGeom>
-          <a:gradFill flip="none" rotWithShape="1">
-            <a:gsLst>
-              <a:gs pos="0">
-                <a:schemeClr val="bg2">
-                  <a:alpha val="0"/>
-                </a:schemeClr>
-              </a:gs>
-              <a:gs pos="100000">
-                <a:schemeClr val="bg2"/>
-              </a:gs>
-            </a:gsLst>
-            <a:lin ang="5400000" scaled="0"/>
-            <a:tileRect/>
-          </a:gradFill>
-          <a:ln>
-            <a:noFill/>
-          </a:ln>
-        </p:spPr>
-        <p:style>
-          <a:lnRef idx="2">
-            <a:schemeClr val="accent1">
-              <a:shade val="50000"/>
-            </a:schemeClr>
-          </a:lnRef>
-          <a:fillRef idx="1">
-            <a:schemeClr val="accent1"/>
-          </a:fillRef>
-          <a:effectRef idx="0">
-            <a:schemeClr val="accent1"/>
-          </a:effectRef>
-          <a:fontRef idx="minor">
-            <a:schemeClr val="lt1"/>
-          </a:fontRef>
-        </p:style>
-      </p:sp>
       <p:pic>
         <p:nvPicPr>
-          <p:cNvPr id="7" name="Picture 6"/>
+          <p:cNvPr id="7" name="Picture 6" descr="HD-PanelContent-GrommetsCombined.png"/>
           <p:cNvPicPr>
             <a:picLocks noChangeAspect="1"/>
           </p:cNvPicPr>
           <p:nvPr/>
         </p:nvPicPr>
-        <p:blipFill rotWithShape="1">
-          <a:blip r:embed="rId13"/>
-          <a:srcRect t="2769" b="-2769"/>
-          <a:stretch/>
+        <p:blipFill>
+          <a:blip r:embed="rId19">
+            <a:extLst>
+              <a:ext uri="{28A0092B-C50C-407E-A947-70E740481C1C}">
+                <a14:useLocalDpi xmlns:a14="http://schemas.microsoft.com/office/drawing/2010/main" val="0"/>
+              </a:ext>
+            </a:extLst>
+          </a:blip>
+          <a:stretch>
+            <a:fillRect/>
+          </a:stretch>
         </p:blipFill>
         <p:spPr>
           <a:xfrm>
-            <a:off x="0" y="6135624"/>
-            <a:ext cx="12192000" cy="742950"/>
+            <a:off x="0" y="0"/>
+            <a:ext cx="12188825" cy="6856214"/>
           </a:xfrm>
           <a:prstGeom prst="rect">
             <a:avLst/>
@@ -3074,22 +5083,85 @@
         </p:nvSpPr>
         <p:spPr>
           <a:xfrm>
-            <a:off x="1534696" y="804519"/>
-            <a:ext cx="9520158" cy="1049235"/>
+            <a:off x="1295402" y="982132"/>
+            <a:ext cx="9601196" cy="1303867"/>
+          </a:xfrm>
+          <a:prstGeom prst="rect">
+            <a:avLst/>
+          </a:prstGeom>
+          <a:effectLst/>
+        </p:spPr>
+        <p:txBody>
+          <a:bodyPr vert="horz" lIns="91440" tIns="45720" rIns="91440" bIns="45720" rtlCol="0" anchor="ctr">
+            <a:normAutofit/>
+          </a:bodyPr>
+          <a:lstStyle/>
+          <a:p>
+            <a:r>
+              <a:rPr lang="es-ES"/>
+              <a:t>Haga clic para modificar el estilo de título del patrón</a:t>
+            </a:r>
+            <a:endParaRPr lang="en-US" dirty="0"/>
+          </a:p>
+        </p:txBody>
+      </p:sp>
+      <p:sp>
+        <p:nvSpPr>
+          <p:cNvPr id="3" name="Text Placeholder 2"/>
+          <p:cNvSpPr>
+            <a:spLocks noGrp="1"/>
+          </p:cNvSpPr>
+          <p:nvPr>
+            <p:ph type="body" idx="1"/>
+          </p:nvPr>
+        </p:nvSpPr>
+        <p:spPr>
+          <a:xfrm>
+            <a:off x="1295401" y="2556932"/>
+            <a:ext cx="9601196" cy="3318936"/>
           </a:xfrm>
           <a:prstGeom prst="rect">
             <a:avLst/>
           </a:prstGeom>
         </p:spPr>
         <p:txBody>
-          <a:bodyPr vert="horz" lIns="91440" tIns="45720" rIns="91440" bIns="45720" rtlCol="0" anchor="b">
+          <a:bodyPr vert="horz" lIns="91440" tIns="45720" rIns="91440" bIns="45720" rtlCol="0" anchor="t">
             <a:normAutofit/>
           </a:bodyPr>
           <a:lstStyle/>
           <a:p>
+            <a:pPr lvl="0"/>
             <a:r>
               <a:rPr lang="es-ES"/>
-              <a:t>Haga clic para modificar el estilo de título del patrón</a:t>
+              <a:t>Haga clic para modificar los estilos de texto del patrón</a:t>
+            </a:r>
+          </a:p>
+          <a:p>
+            <a:pPr lvl="1"/>
+            <a:r>
+              <a:rPr lang="es-ES"/>
+              <a:t>Segundo nivel</a:t>
+            </a:r>
+          </a:p>
+          <a:p>
+            <a:pPr lvl="2"/>
+            <a:r>
+              <a:rPr lang="es-ES"/>
+              <a:t>Tercer nivel</a:t>
+            </a:r>
+          </a:p>
+          <a:p>
+            <a:pPr lvl="3"/>
+            <a:r>
+              <a:rPr lang="es-ES"/>
+              <a:t>Cuarto nivel</a:t>
+            </a:r>
+          </a:p>
+          <a:p>
+            <a:pPr lvl="4"/>
+            <a:r>
+              <a:rPr lang="es-ES"/>
+              <a:t>Quinto nivel</a:t>
             </a:r>
             <a:endParaRPr lang="en-US" dirty="0"/>
           </a:p>
@@ -3097,80 +5169,59 @@
       </p:sp>
       <p:sp>
         <p:nvSpPr>
-          <p:cNvPr id="3" name="Text Placeholder 2"/>
-          <p:cNvSpPr>
-            <a:spLocks noGrp="1"/>
-          </p:cNvSpPr>
-          <p:nvPr>
-            <p:ph type="body" idx="1"/>
+          <p:cNvPr id="4" name="Date Placeholder 3"/>
+          <p:cNvSpPr>
+            <a:spLocks noGrp="1"/>
+          </p:cNvSpPr>
+          <p:nvPr>
+            <p:ph type="dt" sz="half" idx="2"/>
           </p:nvPr>
         </p:nvSpPr>
         <p:spPr>
           <a:xfrm>
-            <a:off x="1534696" y="2015732"/>
-            <a:ext cx="9520158" cy="3450613"/>
+            <a:off x="8677501" y="5969000"/>
+            <a:ext cx="1600200" cy="279400"/>
           </a:xfrm>
           <a:prstGeom prst="rect">
             <a:avLst/>
           </a:prstGeom>
         </p:spPr>
         <p:txBody>
-          <a:bodyPr vert="horz" lIns="91440" tIns="45720" rIns="91440" bIns="45720" rtlCol="0">
-            <a:normAutofit/>
-          </a:bodyPr>
-          <a:lstStyle/>
-          <a:p>
-            <a:pPr lvl="0"/>
-            <a:r>
-              <a:rPr lang="es-ES"/>
-              <a:t>Haga clic para modificar los estilos de texto del patrón</a:t>
-            </a:r>
-          </a:p>
-          <a:p>
-            <a:pPr lvl="1"/>
-            <a:r>
-              <a:rPr lang="es-ES"/>
-              <a:t>Segundo nivel</a:t>
-            </a:r>
-          </a:p>
-          <a:p>
-            <a:pPr lvl="2"/>
-            <a:r>
-              <a:rPr lang="es-ES"/>
-              <a:t>Tercer nivel</a:t>
-            </a:r>
-          </a:p>
-          <a:p>
-            <a:pPr lvl="3"/>
-            <a:r>
-              <a:rPr lang="es-ES"/>
-              <a:t>Cuarto nivel</a:t>
-            </a:r>
-          </a:p>
-          <a:p>
-            <a:pPr lvl="4"/>
-            <a:r>
-              <a:rPr lang="es-ES"/>
-              <a:t>Quinto nivel</a:t>
-            </a:r>
-            <a:endParaRPr lang="en-US" dirty="0"/>
-          </a:p>
-        </p:txBody>
-      </p:sp>
-      <p:sp>
-        <p:nvSpPr>
-          <p:cNvPr id="4" name="Date Placeholder 3"/>
-          <p:cNvSpPr>
-            <a:spLocks noGrp="1"/>
-          </p:cNvSpPr>
-          <p:nvPr>
-            <p:ph type="dt" sz="half" idx="2"/>
+          <a:bodyPr vert="horz" lIns="91440" tIns="45720" rIns="91440" bIns="45720" rtlCol="0" anchor="ctr"/>
+          <a:lstStyle>
+            <a:lvl1pPr algn="r">
+              <a:defRPr sz="1000" b="0" i="0">
+                <a:solidFill>
+                  <a:schemeClr val="tx1"/>
+                </a:solidFill>
+                <a:effectLst/>
+                <a:latin typeface="+mn-lt"/>
+              </a:defRPr>
+            </a:lvl1pPr>
+          </a:lstStyle>
+          <a:p>
+            <a:fld id="{F72A63ED-A474-4EED-92B8-EA8361CA006A}" type="datetimeFigureOut">
+              <a:rPr lang="es-MX" smtClean="0"/>
+              <a:t>25/11/2025</a:t>
+            </a:fld>
+            <a:endParaRPr lang="es-MX"/>
+          </a:p>
+        </p:txBody>
+      </p:sp>
+      <p:sp>
+        <p:nvSpPr>
+          <p:cNvPr id="5" name="Footer Placeholder 4"/>
+          <p:cNvSpPr>
+            <a:spLocks noGrp="1"/>
+          </p:cNvSpPr>
+          <p:nvPr>
+            <p:ph type="ftr" sz="quarter" idx="3"/>
           </p:nvPr>
         </p:nvSpPr>
         <p:spPr>
           <a:xfrm>
-            <a:off x="7554138" y="330370"/>
-            <a:ext cx="3500715" cy="309201"/>
+            <a:off x="1295401" y="5969000"/>
+            <a:ext cx="7305900" cy="279400"/>
           </a:xfrm>
           <a:prstGeom prst="rect">
             <a:avLst/>
@@ -3179,39 +5230,35 @@
         <p:txBody>
           <a:bodyPr vert="horz" lIns="91440" tIns="45720" rIns="91440" bIns="45720" rtlCol="0" anchor="ctr"/>
           <a:lstStyle>
-            <a:lvl1pPr algn="r">
-              <a:defRPr sz="1000">
-                <a:solidFill>
-                  <a:schemeClr val="tx1">
-                    <a:tint val="75000"/>
-                  </a:schemeClr>
-                </a:solidFill>
+            <a:lvl1pPr algn="l">
+              <a:defRPr sz="1000" b="0" i="0">
+                <a:solidFill>
+                  <a:schemeClr val="tx1"/>
+                </a:solidFill>
+                <a:effectLst/>
+                <a:latin typeface="+mn-lt"/>
               </a:defRPr>
             </a:lvl1pPr>
           </a:lstStyle>
           <a:p>
-            <a:fld id="{F72A63ED-A474-4EED-92B8-EA8361CA006A}" type="datetimeFigureOut">
-              <a:rPr lang="es-MX" smtClean="0"/>
-              <a:t>25/11/2025</a:t>
-            </a:fld>
             <a:endParaRPr lang="es-MX"/>
           </a:p>
         </p:txBody>
       </p:sp>
       <p:sp>
         <p:nvSpPr>
-          <p:cNvPr id="5" name="Footer Placeholder 4"/>
-          <p:cNvSpPr>
-            <a:spLocks noGrp="1"/>
-          </p:cNvSpPr>
-          <p:nvPr>
-            <p:ph type="ftr" sz="quarter" idx="3"/>
+          <p:cNvPr id="6" name="Slide Number Placeholder 5"/>
+          <p:cNvSpPr>
+            <a:spLocks noGrp="1"/>
+          </p:cNvSpPr>
+          <p:nvPr>
+            <p:ph type="sldNum" sz="quarter" idx="4"/>
           </p:nvPr>
         </p:nvSpPr>
         <p:spPr>
           <a:xfrm>
-            <a:off x="1534695" y="329307"/>
-            <a:ext cx="5855719" cy="309201"/>
+            <a:off x="10353901" y="5969000"/>
+            <a:ext cx="542697" cy="279400"/>
           </a:xfrm>
           <a:prstGeom prst="rect">
             <a:avLst/>
@@ -3220,48 +5267,13 @@
         <p:txBody>
           <a:bodyPr vert="horz" lIns="91440" tIns="45720" rIns="91440" bIns="45720" rtlCol="0" anchor="ctr"/>
           <a:lstStyle>
-            <a:lvl1pPr algn="l">
-              <a:defRPr sz="1000">
-                <a:solidFill>
-                  <a:schemeClr val="tx1">
-                    <a:tint val="75000"/>
-                  </a:schemeClr>
-                </a:solidFill>
-              </a:defRPr>
-            </a:lvl1pPr>
-          </a:lstStyle>
-          <a:p>
-            <a:endParaRPr lang="es-MX"/>
-          </a:p>
-        </p:txBody>
-      </p:sp>
-      <p:sp>
-        <p:nvSpPr>
-          <p:cNvPr id="6" name="Slide Number Placeholder 5"/>
-          <p:cNvSpPr>
-            <a:spLocks noGrp="1"/>
-          </p:cNvSpPr>
-          <p:nvPr>
-            <p:ph type="sldNum" sz="quarter" idx="4"/>
-          </p:nvPr>
-        </p:nvSpPr>
-        <p:spPr>
-          <a:xfrm>
-            <a:off x="480060" y="798973"/>
-            <a:ext cx="811019" cy="503578"/>
-          </a:xfrm>
-          <a:prstGeom prst="rect">
-            <a:avLst/>
-          </a:prstGeom>
-        </p:spPr>
-        <p:txBody>
-          <a:bodyPr vert="horz" lIns="91440" tIns="45720" rIns="91440" bIns="45720" rtlCol="0" anchor="t"/>
-          <a:lstStyle>
             <a:lvl1pPr algn="r">
-              <a:defRPr sz="2800">
-                <a:solidFill>
-                  <a:schemeClr val="accent1"/>
-                </a:solidFill>
+              <a:defRPr sz="1000" b="0" i="0">
+                <a:solidFill>
+                  <a:schemeClr val="tx1"/>
+                </a:solidFill>
+                <a:effectLst/>
+                <a:latin typeface="+mn-lt"/>
               </a:defRPr>
             </a:lvl1pPr>
           </a:lstStyle>
@@ -3274,77 +5286,49 @@
           </a:p>
         </p:txBody>
       </p:sp>
-      <p:cxnSp>
-        <p:nvCxnSpPr>
-          <p:cNvPr id="12" name="Straight Connector 11"/>
-          <p:cNvCxnSpPr/>
-          <p:nvPr/>
-        </p:nvCxnSpPr>
-        <p:spPr>
-          <a:xfrm>
-            <a:off x="0" y="6141705"/>
-            <a:ext cx="12192000" cy="0"/>
-          </a:xfrm>
-          <a:prstGeom prst="line">
-            <a:avLst/>
-          </a:prstGeom>
-          <a:ln w="12700">
-            <a:solidFill>
-              <a:srgbClr val="000001">
-                <a:alpha val="20000"/>
-              </a:srgbClr>
-            </a:solidFill>
-          </a:ln>
-        </p:spPr>
-        <p:style>
-          <a:lnRef idx="1">
-            <a:schemeClr val="accent1"/>
-          </a:lnRef>
-          <a:fillRef idx="0">
-            <a:schemeClr val="accent1"/>
-          </a:fillRef>
-          <a:effectRef idx="0">
-            <a:schemeClr val="accent1"/>
-          </a:effectRef>
-          <a:fontRef idx="minor">
-            <a:schemeClr val="tx1"/>
-          </a:fontRef>
-        </p:style>
-      </p:cxnSp>
     </p:spTree>
     <p:extLst>
       <p:ext uri="{BB962C8B-B14F-4D97-AF65-F5344CB8AC3E}">
-        <p14:creationId xmlns:p14="http://schemas.microsoft.com/office/powerpoint/2010/main" val="411063450"/>
+        <p14:creationId xmlns:p14="http://schemas.microsoft.com/office/powerpoint/2010/main" val="3975024563"/>
       </p:ext>
     </p:extLst>
   </p:cSld>
   <p:clrMap bg1="lt1" tx1="dk1" bg2="lt2" tx2="dk2" accent1="accent1" accent2="accent2" accent3="accent3" accent4="accent4" accent5="accent5" accent6="accent6" hlink="hlink" folHlink="folHlink"/>
   <p:sldLayoutIdLst>
-    <p:sldLayoutId id="2147483742" r:id="rId1"/>
-    <p:sldLayoutId id="2147483743" r:id="rId2"/>
-    <p:sldLayoutId id="2147483744" r:id="rId3"/>
-    <p:sldLayoutId id="2147483745" r:id="rId4"/>
-    <p:sldLayoutId id="2147483746" r:id="rId5"/>
-    <p:sldLayoutId id="2147483747" r:id="rId6"/>
-    <p:sldLayoutId id="2147483748" r:id="rId7"/>
-    <p:sldLayoutId id="2147483749" r:id="rId8"/>
-    <p:sldLayoutId id="2147483750" r:id="rId9"/>
-    <p:sldLayoutId id="2147483751" r:id="rId10"/>
-    <p:sldLayoutId id="2147483752" r:id="rId11"/>
+    <p:sldLayoutId id="2147483772" r:id="rId1"/>
+    <p:sldLayoutId id="2147483773" r:id="rId2"/>
+    <p:sldLayoutId id="2147483774" r:id="rId3"/>
+    <p:sldLayoutId id="2147483775" r:id="rId4"/>
+    <p:sldLayoutId id="2147483776" r:id="rId5"/>
+    <p:sldLayoutId id="2147483777" r:id="rId6"/>
+    <p:sldLayoutId id="2147483778" r:id="rId7"/>
+    <p:sldLayoutId id="2147483779" r:id="rId8"/>
+    <p:sldLayoutId id="2147483780" r:id="rId9"/>
+    <p:sldLayoutId id="2147483781" r:id="rId10"/>
+    <p:sldLayoutId id="2147483782" r:id="rId11"/>
+    <p:sldLayoutId id="2147483783" r:id="rId12"/>
+    <p:sldLayoutId id="2147483784" r:id="rId13"/>
+    <p:sldLayoutId id="2147483785" r:id="rId14"/>
+    <p:sldLayoutId id="2147483786" r:id="rId15"/>
+    <p:sldLayoutId id="2147483787" r:id="rId16"/>
+    <p:sldLayoutId id="2147483788" r:id="rId17"/>
   </p:sldLayoutIdLst>
   <p:txStyles>
     <p:titleStyle>
-      <a:lvl1pPr algn="l" defTabSz="914400" rtl="0" eaLnBrk="1" latinLnBrk="0" hangingPunct="1">
-        <a:lnSpc>
-          <a:spcPct val="90000"/>
-        </a:lnSpc>
+      <a:lvl1pPr algn="ctr" defTabSz="457200" rtl="0" eaLnBrk="1" latinLnBrk="0" hangingPunct="1">
         <a:spcBef>
           <a:spcPct val="0"/>
         </a:spcBef>
         <a:buNone/>
-        <a:defRPr sz="3200" b="0" i="0" kern="1200" cap="none">
+        <a:defRPr sz="4400" kern="1200" cap="none">
+          <a:ln w="3175" cmpd="sng">
+            <a:noFill/>
+          </a:ln>
           <a:solidFill>
-            <a:schemeClr val="tx1"/>
+            <a:schemeClr val="tx1">
+              <a:lumMod val="85000"/>
+              <a:lumOff val="15000"/>
+            </a:schemeClr>
           </a:solidFill>
           <a:effectLst/>
           <a:latin typeface="+mj-lt"/>
@@ -3352,24 +5336,83 @@
           <a:cs typeface="+mj-cs"/>
         </a:defRPr>
       </a:lvl1pPr>
+      <a:lvl2pPr eaLnBrk="1" hangingPunct="1">
+        <a:defRPr>
+          <a:solidFill>
+            <a:schemeClr val="tx2"/>
+          </a:solidFill>
+        </a:defRPr>
+      </a:lvl2pPr>
+      <a:lvl3pPr eaLnBrk="1" hangingPunct="1">
+        <a:defRPr>
+          <a:solidFill>
+            <a:schemeClr val="tx2"/>
+          </a:solidFill>
+        </a:defRPr>
+      </a:lvl3pPr>
+      <a:lvl4pPr eaLnBrk="1" hangingPunct="1">
+        <a:defRPr>
+          <a:solidFill>
+            <a:schemeClr val="tx2"/>
+          </a:solidFill>
+        </a:defRPr>
+      </a:lvl4pPr>
+      <a:lvl5pPr eaLnBrk="1" hangingPunct="1">
+        <a:defRPr>
+          <a:solidFill>
+            <a:schemeClr val="tx2"/>
+          </a:solidFill>
+        </a:defRPr>
+      </a:lvl5pPr>
+      <a:lvl6pPr eaLnBrk="1" hangingPunct="1">
+        <a:defRPr>
+          <a:solidFill>
+            <a:schemeClr val="tx2"/>
+          </a:solidFill>
+        </a:defRPr>
+      </a:lvl6pPr>
+      <a:lvl7pPr eaLnBrk="1" hangingPunct="1">
+        <a:defRPr>
+          <a:solidFill>
+            <a:schemeClr val="tx2"/>
+          </a:solidFill>
+        </a:defRPr>
+      </a:lvl7pPr>
+      <a:lvl8pPr eaLnBrk="1" hangingPunct="1">
+        <a:defRPr>
+          <a:solidFill>
+            <a:schemeClr val="tx2"/>
+          </a:solidFill>
+        </a:defRPr>
+      </a:lvl8pPr>
+      <a:lvl9pPr eaLnBrk="1" hangingPunct="1">
+        <a:defRPr>
+          <a:solidFill>
+            <a:schemeClr val="tx2"/>
+          </a:solidFill>
+        </a:defRPr>
+      </a:lvl9pPr>
     </p:titleStyle>
     <p:bodyStyle>
-      <a:lvl1pPr marL="228600" indent="-228600" algn="l" defTabSz="914400" rtl="0" eaLnBrk="1" latinLnBrk="0" hangingPunct="1">
-        <a:lnSpc>
-          <a:spcPct val="120000"/>
-        </a:lnSpc>
+      <a:lvl1pPr marL="285750" indent="-285750" algn="l" defTabSz="457200" rtl="0" eaLnBrk="1" latinLnBrk="0" hangingPunct="1">
         <a:spcBef>
-          <a:spcPts val="1000"/>
+          <a:spcPct val="20000"/>
         </a:spcBef>
+        <a:spcAft>
+          <a:spcPts val="600"/>
+        </a:spcAft>
         <a:buClr>
           <a:schemeClr val="accent1"/>
         </a:buClr>
-        <a:buSzPct val="100000"/>
-        <a:buFont typeface="Arial" panose="020B0604020202020204" pitchFamily="34" charset="0"/>
+        <a:buSzPct val="115000"/>
+        <a:buFont typeface="Arial"/>
         <a:buChar char="•"/>
-        <a:defRPr sz="2000" kern="1200">
+        <a:defRPr sz="2400" kern="1200" cap="none">
           <a:solidFill>
-            <a:schemeClr val="tx1"/>
+            <a:schemeClr val="tx1">
+              <a:lumMod val="85000"/>
+              <a:lumOff val="15000"/>
+            </a:schemeClr>
           </a:solidFill>
           <a:effectLst/>
           <a:latin typeface="+mn-lt"/>
@@ -3377,22 +5420,25 @@
           <a:cs typeface="+mn-cs"/>
         </a:defRPr>
       </a:lvl1pPr>
-      <a:lvl2pPr marL="685800" indent="-228600" algn="l" defTabSz="914400" rtl="0" eaLnBrk="1" latinLnBrk="0" hangingPunct="1">
-        <a:lnSpc>
-          <a:spcPct val="120000"/>
-        </a:lnSpc>
+      <a:lvl2pPr marL="742950" indent="-285750" algn="l" defTabSz="457200" rtl="0" eaLnBrk="1" latinLnBrk="0" hangingPunct="1">
         <a:spcBef>
-          <a:spcPts val="500"/>
+          <a:spcPct val="20000"/>
         </a:spcBef>
+        <a:spcAft>
+          <a:spcPts val="600"/>
+        </a:spcAft>
         <a:buClr>
           <a:schemeClr val="accent1"/>
         </a:buClr>
-        <a:buSzPct val="100000"/>
-        <a:buFont typeface="Arial" panose="020B0604020202020204" pitchFamily="34" charset="0"/>
+        <a:buSzPct val="115000"/>
+        <a:buFont typeface="Arial"/>
         <a:buChar char="•"/>
-        <a:defRPr sz="1800" kern="1200" cap="none" baseline="0">
+        <a:defRPr sz="2000" kern="1200" cap="none">
           <a:solidFill>
-            <a:schemeClr val="tx1"/>
+            <a:schemeClr val="tx1">
+              <a:lumMod val="85000"/>
+              <a:lumOff val="15000"/>
+            </a:schemeClr>
           </a:solidFill>
           <a:effectLst/>
           <a:latin typeface="+mn-lt"/>
@@ -3400,22 +5446,25 @@
           <a:cs typeface="+mn-cs"/>
         </a:defRPr>
       </a:lvl2pPr>
-      <a:lvl3pPr marL="1143000" indent="-228600" algn="l" defTabSz="914400" rtl="0" eaLnBrk="1" latinLnBrk="0" hangingPunct="1">
-        <a:lnSpc>
-          <a:spcPct val="120000"/>
-        </a:lnSpc>
+      <a:lvl3pPr marL="1200150" indent="-285750" algn="l" defTabSz="457200" rtl="0" eaLnBrk="1" latinLnBrk="0" hangingPunct="1">
         <a:spcBef>
-          <a:spcPts val="500"/>
+          <a:spcPct val="20000"/>
         </a:spcBef>
+        <a:spcAft>
+          <a:spcPts val="600"/>
+        </a:spcAft>
         <a:buClr>
           <a:schemeClr val="accent1"/>
         </a:buClr>
-        <a:buSzPct val="100000"/>
-        <a:buFont typeface="Arial" panose="020B0604020202020204" pitchFamily="34" charset="0"/>
+        <a:buSzPct val="115000"/>
+        <a:buFont typeface="Arial"/>
         <a:buChar char="•"/>
-        <a:defRPr sz="1600" kern="1200">
+        <a:defRPr sz="1800" kern="1200" cap="none">
           <a:solidFill>
-            <a:schemeClr val="tx1"/>
+            <a:schemeClr val="tx1">
+              <a:lumMod val="85000"/>
+              <a:lumOff val="15000"/>
+            </a:schemeClr>
           </a:solidFill>
           <a:effectLst/>
           <a:latin typeface="+mn-lt"/>
@@ -3423,22 +5472,25 @@
           <a:cs typeface="+mn-cs"/>
         </a:defRPr>
       </a:lvl3pPr>
-      <a:lvl4pPr marL="1600200" indent="-228600" algn="l" defTabSz="914400" rtl="0" eaLnBrk="1" latinLnBrk="0" hangingPunct="1">
-        <a:lnSpc>
-          <a:spcPct val="120000"/>
-        </a:lnSpc>
+      <a:lvl4pPr marL="1543050" indent="-171450" algn="l" defTabSz="457200" rtl="0" eaLnBrk="1" latinLnBrk="0" hangingPunct="1">
         <a:spcBef>
-          <a:spcPts val="500"/>
+          <a:spcPct val="20000"/>
         </a:spcBef>
+        <a:spcAft>
+          <a:spcPts val="600"/>
+        </a:spcAft>
         <a:buClr>
           <a:schemeClr val="accent1"/>
         </a:buClr>
-        <a:buSzPct val="100000"/>
-        <a:buFont typeface="Arial" panose="020B0604020202020204" pitchFamily="34" charset="0"/>
+        <a:buSzPct val="115000"/>
+        <a:buFont typeface="Arial"/>
         <a:buChar char="•"/>
-        <a:defRPr sz="1400" kern="1200" cap="none" baseline="0">
+        <a:defRPr sz="1600" kern="1200" cap="none">
           <a:solidFill>
-            <a:schemeClr val="tx1"/>
+            <a:schemeClr val="tx1">
+              <a:lumMod val="85000"/>
+              <a:lumOff val="15000"/>
+            </a:schemeClr>
           </a:solidFill>
           <a:effectLst/>
           <a:latin typeface="+mn-lt"/>
@@ -3446,22 +5498,25 @@
           <a:cs typeface="+mn-cs"/>
         </a:defRPr>
       </a:lvl4pPr>
-      <a:lvl5pPr marL="2057400" indent="-228600" algn="l" defTabSz="914400" rtl="0" eaLnBrk="1" latinLnBrk="0" hangingPunct="1">
-        <a:lnSpc>
-          <a:spcPct val="120000"/>
-        </a:lnSpc>
+      <a:lvl5pPr marL="2000250" indent="-171450" algn="l" defTabSz="457200" rtl="0" eaLnBrk="1" latinLnBrk="0" hangingPunct="1">
         <a:spcBef>
-          <a:spcPts val="500"/>
+          <a:spcPct val="20000"/>
         </a:spcBef>
+        <a:spcAft>
+          <a:spcPts val="600"/>
+        </a:spcAft>
         <a:buClr>
           <a:schemeClr val="accent1"/>
         </a:buClr>
-        <a:buSzPct val="100000"/>
-        <a:buFont typeface="Arial" panose="020B0604020202020204" pitchFamily="34" charset="0"/>
+        <a:buSzPct val="115000"/>
+        <a:buFont typeface="Arial"/>
         <a:buChar char="•"/>
-        <a:defRPr sz="1200" kern="1200">
+        <a:defRPr sz="1400" kern="1200" cap="none">
           <a:solidFill>
-            <a:schemeClr val="tx1"/>
+            <a:schemeClr val="tx1">
+              <a:lumMod val="85000"/>
+              <a:lumOff val="15000"/>
+            </a:schemeClr>
           </a:solidFill>
           <a:effectLst/>
           <a:latin typeface="+mn-lt"/>
@@ -3469,22 +5524,25 @@
           <a:cs typeface="+mn-cs"/>
         </a:defRPr>
       </a:lvl5pPr>
-      <a:lvl6pPr marL="2514600" indent="-228600" algn="l" defTabSz="914400" rtl="0" eaLnBrk="1" latinLnBrk="0" hangingPunct="1">
-        <a:lnSpc>
-          <a:spcPct val="120000"/>
-        </a:lnSpc>
+      <a:lvl6pPr marL="2514600" indent="-228600" algn="l" defTabSz="457200" rtl="0" eaLnBrk="1" latinLnBrk="0" hangingPunct="1">
         <a:spcBef>
-          <a:spcPts val="500"/>
+          <a:spcPct val="20000"/>
         </a:spcBef>
+        <a:spcAft>
+          <a:spcPts val="600"/>
+        </a:spcAft>
         <a:buClr>
           <a:schemeClr val="accent1"/>
         </a:buClr>
-        <a:buSzPct val="100000"/>
-        <a:buFont typeface="Arial" panose="020B0604020202020204" pitchFamily="34" charset="0"/>
+        <a:buSzPct val="115000"/>
+        <a:buFont typeface="Arial"/>
         <a:buChar char="•"/>
-        <a:defRPr sz="1200" kern="1200">
+        <a:defRPr sz="1400" kern="1200" cap="none">
           <a:solidFill>
-            <a:schemeClr val="tx1"/>
+            <a:schemeClr val="tx1">
+              <a:lumMod val="85000"/>
+              <a:lumOff val="15000"/>
+            </a:schemeClr>
           </a:solidFill>
           <a:effectLst/>
           <a:latin typeface="+mn-lt"/>
@@ -3492,22 +5550,25 @@
           <a:cs typeface="+mn-cs"/>
         </a:defRPr>
       </a:lvl6pPr>
-      <a:lvl7pPr marL="2971800" indent="-228600" algn="l" defTabSz="914400" rtl="0" eaLnBrk="1" latinLnBrk="0" hangingPunct="1">
-        <a:lnSpc>
-          <a:spcPct val="120000"/>
-        </a:lnSpc>
+      <a:lvl7pPr marL="2971800" indent="-228600" algn="l" defTabSz="457200" rtl="0" eaLnBrk="1" latinLnBrk="0" hangingPunct="1">
         <a:spcBef>
-          <a:spcPts val="500"/>
+          <a:spcPct val="20000"/>
         </a:spcBef>
+        <a:spcAft>
+          <a:spcPts val="600"/>
+        </a:spcAft>
         <a:buClr>
           <a:schemeClr val="accent1"/>
         </a:buClr>
-        <a:buSzPct val="100000"/>
-        <a:buFont typeface="Arial" panose="020B0604020202020204" pitchFamily="34" charset="0"/>
+        <a:buSzPct val="115000"/>
+        <a:buFont typeface="Arial"/>
         <a:buChar char="•"/>
-        <a:defRPr sz="1200" kern="1200">
+        <a:defRPr sz="1400" kern="1200" cap="none">
           <a:solidFill>
-            <a:schemeClr val="tx1"/>
+            <a:schemeClr val="tx1">
+              <a:lumMod val="85000"/>
+              <a:lumOff val="15000"/>
+            </a:schemeClr>
           </a:solidFill>
           <a:effectLst/>
           <a:latin typeface="+mn-lt"/>
@@ -3515,22 +5576,25 @@
           <a:cs typeface="+mn-cs"/>
         </a:defRPr>
       </a:lvl7pPr>
-      <a:lvl8pPr marL="3429000" indent="-228600" algn="l" defTabSz="914400" rtl="0" eaLnBrk="1" latinLnBrk="0" hangingPunct="1">
-        <a:lnSpc>
-          <a:spcPct val="120000"/>
-        </a:lnSpc>
+      <a:lvl8pPr marL="3429000" indent="-228600" algn="l" defTabSz="457200" rtl="0" eaLnBrk="1" latinLnBrk="0" hangingPunct="1">
         <a:spcBef>
-          <a:spcPts val="500"/>
+          <a:spcPct val="20000"/>
         </a:spcBef>
+        <a:spcAft>
+          <a:spcPts val="600"/>
+        </a:spcAft>
         <a:buClr>
           <a:schemeClr val="accent1"/>
         </a:buClr>
-        <a:buSzPct val="100000"/>
-        <a:buFont typeface="Arial" panose="020B0604020202020204" pitchFamily="34" charset="0"/>
+        <a:buSzPct val="115000"/>
+        <a:buFont typeface="Arial"/>
         <a:buChar char="•"/>
-        <a:defRPr sz="1200" kern="1200" baseline="0">
+        <a:defRPr sz="1400" kern="1200" cap="none">
           <a:solidFill>
-            <a:schemeClr val="tx1"/>
+            <a:schemeClr val="tx1">
+              <a:lumMod val="85000"/>
+              <a:lumOff val="15000"/>
+            </a:schemeClr>
           </a:solidFill>
           <a:effectLst/>
           <a:latin typeface="+mn-lt"/>
@@ -3538,22 +5602,25 @@
           <a:cs typeface="+mn-cs"/>
         </a:defRPr>
       </a:lvl8pPr>
-      <a:lvl9pPr marL="3886200" indent="-228600" algn="l" defTabSz="914400" rtl="0" eaLnBrk="1" latinLnBrk="0" hangingPunct="1">
-        <a:lnSpc>
-          <a:spcPct val="120000"/>
-        </a:lnSpc>
+      <a:lvl9pPr marL="3886200" indent="-228600" algn="l" defTabSz="457200" rtl="0" eaLnBrk="1" latinLnBrk="0" hangingPunct="1">
         <a:spcBef>
-          <a:spcPts val="500"/>
+          <a:spcPct val="20000"/>
         </a:spcBef>
+        <a:spcAft>
+          <a:spcPts val="600"/>
+        </a:spcAft>
         <a:buClr>
           <a:schemeClr val="accent1"/>
         </a:buClr>
-        <a:buSzPct val="100000"/>
-        <a:buFont typeface="Arial" panose="020B0604020202020204" pitchFamily="34" charset="0"/>
+        <a:buSzPct val="115000"/>
+        <a:buFont typeface="Arial"/>
         <a:buChar char="•"/>
-        <a:defRPr sz="1200" kern="1200" baseline="0">
+        <a:defRPr sz="1400" kern="1200" cap="none">
           <a:solidFill>
-            <a:schemeClr val="tx1"/>
+            <a:schemeClr val="tx1">
+              <a:lumMod val="85000"/>
+              <a:lumOff val="15000"/>
+            </a:schemeClr>
           </a:solidFill>
           <a:effectLst/>
           <a:latin typeface="+mn-lt"/>
@@ -3566,7 +5633,7 @@
       <a:defPPr>
         <a:defRPr lang="en-US"/>
       </a:defPPr>
-      <a:lvl1pPr marL="0" algn="l" defTabSz="914400" rtl="0" eaLnBrk="1" latinLnBrk="0" hangingPunct="1">
+      <a:lvl1pPr marL="0" algn="l" defTabSz="457200" rtl="0" eaLnBrk="1" latinLnBrk="0" hangingPunct="1">
         <a:defRPr sz="1800" kern="1200">
           <a:solidFill>
             <a:schemeClr val="tx1"/>
@@ -3576,7 +5643,7 @@
           <a:cs typeface="+mn-cs"/>
         </a:defRPr>
       </a:lvl1pPr>
-      <a:lvl2pPr marL="457200" algn="l" defTabSz="914400" rtl="0" eaLnBrk="1" latinLnBrk="0" hangingPunct="1">
+      <a:lvl2pPr marL="457200" algn="l" defTabSz="457200" rtl="0" eaLnBrk="1" latinLnBrk="0" hangingPunct="1">
         <a:defRPr sz="1800" kern="1200">
           <a:solidFill>
             <a:schemeClr val="tx1"/>
@@ -3586,7 +5653,7 @@
           <a:cs typeface="+mn-cs"/>
         </a:defRPr>
       </a:lvl2pPr>
-      <a:lvl3pPr marL="914400" algn="l" defTabSz="914400" rtl="0" eaLnBrk="1" latinLnBrk="0" hangingPunct="1">
+      <a:lvl3pPr marL="914400" algn="l" defTabSz="457200" rtl="0" eaLnBrk="1" latinLnBrk="0" hangingPunct="1">
         <a:defRPr sz="1800" kern="1200">
           <a:solidFill>
             <a:schemeClr val="tx1"/>
@@ -3596,7 +5663,7 @@
           <a:cs typeface="+mn-cs"/>
         </a:defRPr>
       </a:lvl3pPr>
-      <a:lvl4pPr marL="1371600" algn="l" defTabSz="914400" rtl="0" eaLnBrk="1" latinLnBrk="0" hangingPunct="1">
+      <a:lvl4pPr marL="1371600" algn="l" defTabSz="457200" rtl="0" eaLnBrk="1" latinLnBrk="0" hangingPunct="1">
         <a:defRPr sz="1800" kern="1200">
           <a:solidFill>
             <a:schemeClr val="tx1"/>
@@ -3606,7 +5673,7 @@
           <a:cs typeface="+mn-cs"/>
         </a:defRPr>
       </a:lvl4pPr>
-      <a:lvl5pPr marL="1828800" algn="l" defTabSz="914400" rtl="0" eaLnBrk="1" latinLnBrk="0" hangingPunct="1">
+      <a:lvl5pPr marL="1828800" algn="l" defTabSz="457200" rtl="0" eaLnBrk="1" latinLnBrk="0" hangingPunct="1">
         <a:defRPr sz="1800" kern="1200">
           <a:solidFill>
             <a:schemeClr val="tx1"/>
@@ -3616,7 +5683,7 @@
           <a:cs typeface="+mn-cs"/>
         </a:defRPr>
       </a:lvl5pPr>
-      <a:lvl6pPr marL="2286000" algn="l" defTabSz="914400" rtl="0" eaLnBrk="1" latinLnBrk="0" hangingPunct="1">
+      <a:lvl6pPr marL="2286000" algn="l" defTabSz="457200" rtl="0" eaLnBrk="1" latinLnBrk="0" hangingPunct="1">
         <a:defRPr sz="1800" kern="1200">
           <a:solidFill>
             <a:schemeClr val="tx1"/>
@@ -3626,7 +5693,7 @@
           <a:cs typeface="+mn-cs"/>
         </a:defRPr>
       </a:lvl6pPr>
-      <a:lvl7pPr marL="2743200" algn="l" defTabSz="914400" rtl="0" eaLnBrk="1" latinLnBrk="0" hangingPunct="1">
+      <a:lvl7pPr marL="2743200" algn="l" defTabSz="457200" rtl="0" eaLnBrk="1" latinLnBrk="0" hangingPunct="1">
         <a:defRPr sz="1800" kern="1200">
           <a:solidFill>
             <a:schemeClr val="tx1"/>
@@ -3636,7 +5703,7 @@
           <a:cs typeface="+mn-cs"/>
         </a:defRPr>
       </a:lvl7pPr>
-      <a:lvl8pPr marL="3200400" algn="l" defTabSz="914400" rtl="0" eaLnBrk="1" latinLnBrk="0" hangingPunct="1">
+      <a:lvl8pPr marL="3200400" algn="l" defTabSz="457200" rtl="0" eaLnBrk="1" latinLnBrk="0" hangingPunct="1">
         <a:defRPr sz="1800" kern="1200">
           <a:solidFill>
             <a:schemeClr val="tx1"/>
@@ -3646,7 +5713,7 @@
           <a:cs typeface="+mn-cs"/>
         </a:defRPr>
       </a:lvl8pPr>
-      <a:lvl9pPr marL="3657600" algn="l" defTabSz="914400" rtl="0" eaLnBrk="1" latinLnBrk="0" hangingPunct="1">
+      <a:lvl9pPr marL="3657600" algn="l" defTabSz="457200" rtl="0" eaLnBrk="1" latinLnBrk="0" hangingPunct="1">
         <a:defRPr sz="1800" kern="1200">
           <a:solidFill>
             <a:schemeClr val="tx1"/>
@@ -4137,10 +6204,1568 @@
 </p:sld>
 </file>
 
+<file path=ppt/slides/slide2.xml><?xml version="1.0" encoding="utf-8"?>
+<p:sld xmlns:a="http://schemas.openxmlformats.org/drawingml/2006/main" xmlns:r="http://schemas.openxmlformats.org/officeDocument/2006/relationships" xmlns:p="http://schemas.openxmlformats.org/presentationml/2006/main">
+  <p:cSld>
+    <p:spTree>
+      <p:nvGrpSpPr>
+        <p:cNvPr id="1" name=""/>
+        <p:cNvGrpSpPr/>
+        <p:nvPr/>
+      </p:nvGrpSpPr>
+      <p:grpSpPr>
+        <a:xfrm>
+          <a:off x="0" y="0"/>
+          <a:ext cx="0" cy="0"/>
+          <a:chOff x="0" y="0"/>
+          <a:chExt cx="0" cy="0"/>
+        </a:xfrm>
+      </p:grpSpPr>
+      <p:sp>
+        <p:nvSpPr>
+          <p:cNvPr id="2" name="Título 1">
+            <a:extLst>
+              <a:ext uri="{FF2B5EF4-FFF2-40B4-BE49-F238E27FC236}">
+                <a16:creationId xmlns:a16="http://schemas.microsoft.com/office/drawing/2014/main" id="{F254AC49-7C64-5AC9-7489-7CF042B89886}"/>
+              </a:ext>
+            </a:extLst>
+          </p:cNvPr>
+          <p:cNvSpPr>
+            <a:spLocks noGrp="1"/>
+          </p:cNvSpPr>
+          <p:nvPr>
+            <p:ph type="title"/>
+          </p:nvPr>
+        </p:nvSpPr>
+        <p:spPr/>
+        <p:txBody>
+          <a:bodyPr/>
+          <a:lstStyle/>
+          <a:p>
+            <a:r>
+              <a:rPr lang="es-MX" dirty="0"/>
+              <a:t>Introducción </a:t>
+            </a:r>
+          </a:p>
+        </p:txBody>
+      </p:sp>
+      <p:sp>
+        <p:nvSpPr>
+          <p:cNvPr id="3" name="Marcador de contenido 2">
+            <a:extLst>
+              <a:ext uri="{FF2B5EF4-FFF2-40B4-BE49-F238E27FC236}">
+                <a16:creationId xmlns:a16="http://schemas.microsoft.com/office/drawing/2014/main" id="{18B2FC07-7DC8-B8F4-C11E-B67945934505}"/>
+              </a:ext>
+            </a:extLst>
+          </p:cNvPr>
+          <p:cNvSpPr>
+            <a:spLocks noGrp="1"/>
+          </p:cNvSpPr>
+          <p:nvPr>
+            <p:ph idx="1"/>
+          </p:nvPr>
+        </p:nvSpPr>
+        <p:spPr/>
+        <p:txBody>
+          <a:bodyPr>
+            <a:normAutofit fontScale="92500"/>
+          </a:bodyPr>
+          <a:lstStyle/>
+          <a:p>
+            <a:pPr marL="0" indent="0" algn="just">
+              <a:buNone/>
+            </a:pPr>
+            <a:r>
+              <a:rPr lang="es-MX" dirty="0"/>
+              <a:t>Las </a:t>
+            </a:r>
+            <a:r>
+              <a:rPr lang="es-MX" b="1" dirty="0"/>
+              <a:t>estructuras lineales</a:t>
+            </a:r>
+            <a:r>
+              <a:rPr lang="es-MX" dirty="0"/>
+              <a:t> son un concepto fundamental en la programación y en la informática, ya que permiten organizar y almacenar datos de manera secuencial, siguiendo un orden específico. En estas estructuras, cada elemento tiene un </a:t>
+            </a:r>
+            <a:r>
+              <a:rPr lang="es-MX" b="1" dirty="0"/>
+              <a:t>predecesor y un sucesor</a:t>
+            </a:r>
+            <a:r>
+              <a:rPr lang="es-MX" dirty="0"/>
+              <a:t>, lo que facilita la inserción, eliminación y recorrido de los datos. Entre las estructuras lineales más comunes se encuentran las </a:t>
+            </a:r>
+            <a:r>
+              <a:rPr lang="es-MX" b="1" dirty="0"/>
+              <a:t>listas</a:t>
+            </a:r>
+            <a:r>
+              <a:rPr lang="es-MX" dirty="0"/>
+              <a:t>, las </a:t>
+            </a:r>
+            <a:r>
+              <a:rPr lang="es-MX" b="1" dirty="0"/>
+              <a:t>colas</a:t>
+            </a:r>
+            <a:r>
+              <a:rPr lang="es-MX" dirty="0"/>
+              <a:t> y las </a:t>
+            </a:r>
+            <a:r>
+              <a:rPr lang="es-MX" b="1" dirty="0"/>
+              <a:t>pilas</a:t>
+            </a:r>
+            <a:r>
+              <a:rPr lang="es-MX" dirty="0"/>
+              <a:t>, cada una con características particulares que las hacen útiles según el tipo de problema que se desea resolver. Comprender las estructuras lineales es esencial para desarrollar algoritmos eficientes y optimizar el manejo de información en cualquier sistema o aplicación.</a:t>
+            </a:r>
+          </a:p>
+        </p:txBody>
+      </p:sp>
+    </p:spTree>
+    <p:extLst>
+      <p:ext uri="{BB962C8B-B14F-4D97-AF65-F5344CB8AC3E}">
+        <p14:creationId xmlns:p14="http://schemas.microsoft.com/office/powerpoint/2010/main" val="643240106"/>
+      </p:ext>
+    </p:extLst>
+  </p:cSld>
+  <p:clrMapOvr>
+    <a:masterClrMapping/>
+  </p:clrMapOvr>
+</p:sld>
+</file>
+
+<file path=ppt/slides/slide3.xml><?xml version="1.0" encoding="utf-8"?>
+<p:sld xmlns:a="http://schemas.openxmlformats.org/drawingml/2006/main" xmlns:r="http://schemas.openxmlformats.org/officeDocument/2006/relationships" xmlns:p="http://schemas.openxmlformats.org/presentationml/2006/main">
+  <p:cSld>
+    <p:spTree>
+      <p:nvGrpSpPr>
+        <p:cNvPr id="1" name=""/>
+        <p:cNvGrpSpPr/>
+        <p:nvPr/>
+      </p:nvGrpSpPr>
+      <p:grpSpPr>
+        <a:xfrm>
+          <a:off x="0" y="0"/>
+          <a:ext cx="0" cy="0"/>
+          <a:chOff x="0" y="0"/>
+          <a:chExt cx="0" cy="0"/>
+        </a:xfrm>
+      </p:grpSpPr>
+      <p:sp>
+        <p:nvSpPr>
+          <p:cNvPr id="2" name="Título 1">
+            <a:extLst>
+              <a:ext uri="{FF2B5EF4-FFF2-40B4-BE49-F238E27FC236}">
+                <a16:creationId xmlns:a16="http://schemas.microsoft.com/office/drawing/2014/main" id="{5D175AC9-350A-2DD1-F34B-F00C873F894C}"/>
+              </a:ext>
+            </a:extLst>
+          </p:cNvPr>
+          <p:cNvSpPr>
+            <a:spLocks noGrp="1"/>
+          </p:cNvSpPr>
+          <p:nvPr>
+            <p:ph type="title"/>
+          </p:nvPr>
+        </p:nvSpPr>
+        <p:spPr/>
+        <p:txBody>
+          <a:bodyPr/>
+          <a:lstStyle/>
+          <a:p>
+            <a:r>
+              <a:rPr lang="es-MX" dirty="0"/>
+              <a:t>Estructuras lineales </a:t>
+            </a:r>
+          </a:p>
+        </p:txBody>
+      </p:sp>
+      <p:pic>
+        <p:nvPicPr>
+          <p:cNvPr id="7" name="Marcador de contenido 6">
+            <a:extLst>
+              <a:ext uri="{FF2B5EF4-FFF2-40B4-BE49-F238E27FC236}">
+                <a16:creationId xmlns:a16="http://schemas.microsoft.com/office/drawing/2014/main" id="{55418D1B-ABB2-79B5-EE99-63FE0207DA6A}"/>
+              </a:ext>
+            </a:extLst>
+          </p:cNvPr>
+          <p:cNvPicPr>
+            <a:picLocks noGrp="1" noChangeAspect="1"/>
+          </p:cNvPicPr>
+          <p:nvPr>
+            <p:ph idx="1"/>
+          </p:nvPr>
+        </p:nvPicPr>
+        <p:blipFill>
+          <a:blip r:embed="rId2"/>
+          <a:stretch>
+            <a:fillRect/>
+          </a:stretch>
+        </p:blipFill>
+        <p:spPr>
+          <a:xfrm>
+            <a:off x="1590280" y="2417763"/>
+            <a:ext cx="3118639" cy="3317875"/>
+          </a:xfrm>
+        </p:spPr>
+      </p:pic>
+      <p:pic>
+        <p:nvPicPr>
+          <p:cNvPr id="9" name="Imagen 8">
+            <a:extLst>
+              <a:ext uri="{FF2B5EF4-FFF2-40B4-BE49-F238E27FC236}">
+                <a16:creationId xmlns:a16="http://schemas.microsoft.com/office/drawing/2014/main" id="{90707547-5823-80D7-D26C-8CDCB0EFEE83}"/>
+              </a:ext>
+            </a:extLst>
+          </p:cNvPr>
+          <p:cNvPicPr>
+            <a:picLocks noChangeAspect="1"/>
+          </p:cNvPicPr>
+          <p:nvPr/>
+        </p:nvPicPr>
+        <p:blipFill>
+          <a:blip r:embed="rId3"/>
+          <a:stretch>
+            <a:fillRect/>
+          </a:stretch>
+        </p:blipFill>
+        <p:spPr>
+          <a:xfrm>
+            <a:off x="4995369" y="2417763"/>
+            <a:ext cx="5933035" cy="3186111"/>
+          </a:xfrm>
+          <a:prstGeom prst="rect">
+            <a:avLst/>
+          </a:prstGeom>
+        </p:spPr>
+      </p:pic>
+    </p:spTree>
+    <p:extLst>
+      <p:ext uri="{BB962C8B-B14F-4D97-AF65-F5344CB8AC3E}">
+        <p14:creationId xmlns:p14="http://schemas.microsoft.com/office/powerpoint/2010/main" val="805775800"/>
+      </p:ext>
+    </p:extLst>
+  </p:cSld>
+  <p:clrMapOvr>
+    <a:masterClrMapping/>
+  </p:clrMapOvr>
+</p:sld>
+</file>
+
+<file path=ppt/slides/slide4.xml><?xml version="1.0" encoding="utf-8"?>
+<p:sld xmlns:a="http://schemas.openxmlformats.org/drawingml/2006/main" xmlns:r="http://schemas.openxmlformats.org/officeDocument/2006/relationships" xmlns:p="http://schemas.openxmlformats.org/presentationml/2006/main">
+  <p:cSld>
+    <p:spTree>
+      <p:nvGrpSpPr>
+        <p:cNvPr id="1" name=""/>
+        <p:cNvGrpSpPr/>
+        <p:nvPr/>
+      </p:nvGrpSpPr>
+      <p:grpSpPr>
+        <a:xfrm>
+          <a:off x="0" y="0"/>
+          <a:ext cx="0" cy="0"/>
+          <a:chOff x="0" y="0"/>
+          <a:chExt cx="0" cy="0"/>
+        </a:xfrm>
+      </p:grpSpPr>
+      <p:sp>
+        <p:nvSpPr>
+          <p:cNvPr id="2" name="Título 1">
+            <a:extLst>
+              <a:ext uri="{FF2B5EF4-FFF2-40B4-BE49-F238E27FC236}">
+                <a16:creationId xmlns:a16="http://schemas.microsoft.com/office/drawing/2014/main" id="{D5A23415-9D88-DC35-529A-F9C64BC4B3FD}"/>
+              </a:ext>
+            </a:extLst>
+          </p:cNvPr>
+          <p:cNvSpPr>
+            <a:spLocks noGrp="1"/>
+          </p:cNvSpPr>
+          <p:nvPr>
+            <p:ph type="title"/>
+          </p:nvPr>
+        </p:nvSpPr>
+        <p:spPr>
+          <a:xfrm>
+            <a:off x="-2448825" y="184650"/>
+            <a:ext cx="9601196" cy="1303867"/>
+          </a:xfrm>
+        </p:spPr>
+        <p:txBody>
+          <a:bodyPr/>
+          <a:lstStyle/>
+          <a:p>
+            <a:r>
+              <a:rPr lang="es-MX" dirty="0" err="1"/>
+              <a:t>Part</a:t>
+            </a:r>
+            <a:r>
+              <a:rPr lang="es-MX" dirty="0"/>
+              <a:t> 1</a:t>
+            </a:r>
+          </a:p>
+        </p:txBody>
+      </p:sp>
+      <p:pic>
+        <p:nvPicPr>
+          <p:cNvPr id="5" name="Marcador de contenido 4">
+            <a:extLst>
+              <a:ext uri="{FF2B5EF4-FFF2-40B4-BE49-F238E27FC236}">
+                <a16:creationId xmlns:a16="http://schemas.microsoft.com/office/drawing/2014/main" id="{C76640ED-AE69-C380-0A68-2D101B9AB407}"/>
+              </a:ext>
+            </a:extLst>
+          </p:cNvPr>
+          <p:cNvPicPr>
+            <a:picLocks noGrp="1" noChangeAspect="1"/>
+          </p:cNvPicPr>
+          <p:nvPr>
+            <p:ph idx="1"/>
+          </p:nvPr>
+        </p:nvPicPr>
+        <p:blipFill>
+          <a:blip r:embed="rId2"/>
+          <a:stretch>
+            <a:fillRect/>
+          </a:stretch>
+        </p:blipFill>
+        <p:spPr>
+          <a:xfrm>
+            <a:off x="460955" y="1327649"/>
+            <a:ext cx="6576380" cy="4437884"/>
+          </a:xfrm>
+        </p:spPr>
+      </p:pic>
+      <p:sp>
+        <p:nvSpPr>
+          <p:cNvPr id="6" name="Rectangle 1">
+            <a:extLst>
+              <a:ext uri="{FF2B5EF4-FFF2-40B4-BE49-F238E27FC236}">
+                <a16:creationId xmlns:a16="http://schemas.microsoft.com/office/drawing/2014/main" id="{BF0066D1-726F-FD2D-D8B2-487DFE06B505}"/>
+              </a:ext>
+            </a:extLst>
+          </p:cNvPr>
+          <p:cNvSpPr>
+            <a:spLocks noChangeArrowheads="1"/>
+          </p:cNvSpPr>
+          <p:nvPr/>
+        </p:nvSpPr>
+        <p:spPr bwMode="auto">
+          <a:xfrm>
+            <a:off x="7037335" y="1918645"/>
+            <a:ext cx="4798428" cy="1077218"/>
+          </a:xfrm>
+          <a:prstGeom prst="rect">
+            <a:avLst/>
+          </a:prstGeom>
+          <a:noFill/>
+          <a:ln>
+            <a:noFill/>
+          </a:ln>
+          <a:effectLst/>
+          <a:extLst>
+            <a:ext uri="{909E8E84-426E-40DD-AFC4-6F175D3DCCD1}">
+              <a14:hiddenFill xmlns:a14="http://schemas.microsoft.com/office/drawing/2010/main">
+                <a:solidFill>
+                  <a:schemeClr val="accent1"/>
+                </a:solidFill>
+              </a14:hiddenFill>
+            </a:ext>
+            <a:ext uri="{91240B29-F687-4F45-9708-019B960494DF}">
+              <a14:hiddenLine xmlns:a14="http://schemas.microsoft.com/office/drawing/2010/main" w="9525">
+                <a:solidFill>
+                  <a:schemeClr val="tx1"/>
+                </a:solidFill>
+                <a:miter lim="800000"/>
+                <a:headEnd/>
+                <a:tailEnd/>
+              </a14:hiddenLine>
+            </a:ext>
+            <a:ext uri="{AF507438-7753-43E0-B8FC-AC1667EBCBE1}">
+              <a14:hiddenEffects xmlns:a14="http://schemas.microsoft.com/office/drawing/2010/main">
+                <a:effectLst>
+                  <a:outerShdw dist="35921" dir="2700000" algn="ctr" rotWithShape="0">
+                    <a:schemeClr val="bg2"/>
+                  </a:outerShdw>
+                </a:effectLst>
+              </a14:hiddenEffects>
+            </a:ext>
+          </a:extLst>
+        </p:spPr>
+        <p:txBody>
+          <a:bodyPr vert="horz" wrap="square" lIns="91440" tIns="45720" rIns="91440" bIns="45720" numCol="1" anchor="ctr" anchorCtr="0" compatLnSpc="1">
+            <a:prstTxWarp prst="textNoShape">
+              <a:avLst/>
+            </a:prstTxWarp>
+            <a:spAutoFit/>
+          </a:bodyPr>
+          <a:lstStyle/>
+          <a:p>
+            <a:pPr marL="0" marR="0" lvl="0" indent="0" algn="l" defTabSz="914400" rtl="0" eaLnBrk="0" fontAlgn="base" latinLnBrk="0" hangingPunct="0">
+              <a:lnSpc>
+                <a:spcPct val="100000"/>
+              </a:lnSpc>
+              <a:spcBef>
+                <a:spcPct val="0"/>
+              </a:spcBef>
+              <a:spcAft>
+                <a:spcPct val="0"/>
+              </a:spcAft>
+              <a:buClrTx/>
+              <a:buSzTx/>
+              <a:buFontTx/>
+              <a:buChar char="•"/>
+              <a:tabLst/>
+            </a:pPr>
+            <a:r>
+              <a:rPr lang="es-MX" altLang="es-MX" sz="1600" dirty="0"/>
+              <a:t>cola → se comporta como FIFO (primer elemento en entrar, primero en salir).</a:t>
+            </a:r>
+          </a:p>
+          <a:p>
+            <a:pPr marL="0" marR="0" lvl="0" indent="0" algn="l" defTabSz="914400" rtl="0" eaLnBrk="0" fontAlgn="base" latinLnBrk="0" hangingPunct="0">
+              <a:lnSpc>
+                <a:spcPct val="100000"/>
+              </a:lnSpc>
+              <a:spcBef>
+                <a:spcPct val="0"/>
+              </a:spcBef>
+              <a:spcAft>
+                <a:spcPct val="0"/>
+              </a:spcAft>
+              <a:buClrTx/>
+              <a:buSzTx/>
+              <a:buFontTx/>
+              <a:buChar char="•"/>
+              <a:tabLst/>
+            </a:pPr>
+            <a:r>
+              <a:rPr lang="es-MX" altLang="es-MX" sz="1600" dirty="0"/>
+              <a:t>lista → se comporta como una estructura lineal, donde se puede agregar al final y recorrer por índices.</a:t>
+            </a:r>
+          </a:p>
+        </p:txBody>
+      </p:sp>
+      <p:sp>
+        <p:nvSpPr>
+          <p:cNvPr id="7" name="Rectangle 2">
+            <a:extLst>
+              <a:ext uri="{FF2B5EF4-FFF2-40B4-BE49-F238E27FC236}">
+                <a16:creationId xmlns:a16="http://schemas.microsoft.com/office/drawing/2014/main" id="{15F6A6D6-3B06-517F-1083-00E6D85ADA45}"/>
+              </a:ext>
+            </a:extLst>
+          </p:cNvPr>
+          <p:cNvSpPr>
+            <a:spLocks noChangeArrowheads="1"/>
+          </p:cNvSpPr>
+          <p:nvPr/>
+        </p:nvSpPr>
+        <p:spPr bwMode="auto">
+          <a:xfrm>
+            <a:off x="7152371" y="3961607"/>
+            <a:ext cx="4247160" cy="1077218"/>
+          </a:xfrm>
+          <a:prstGeom prst="rect">
+            <a:avLst/>
+          </a:prstGeom>
+          <a:noFill/>
+          <a:ln>
+            <a:noFill/>
+          </a:ln>
+          <a:effectLst/>
+          <a:extLst>
+            <a:ext uri="{909E8E84-426E-40DD-AFC4-6F175D3DCCD1}">
+              <a14:hiddenFill xmlns:a14="http://schemas.microsoft.com/office/drawing/2010/main">
+                <a:solidFill>
+                  <a:schemeClr val="accent1"/>
+                </a:solidFill>
+              </a14:hiddenFill>
+            </a:ext>
+            <a:ext uri="{91240B29-F687-4F45-9708-019B960494DF}">
+              <a14:hiddenLine xmlns:a14="http://schemas.microsoft.com/office/drawing/2010/main" w="9525">
+                <a:solidFill>
+                  <a:schemeClr val="tx1"/>
+                </a:solidFill>
+                <a:miter lim="800000"/>
+                <a:headEnd/>
+                <a:tailEnd/>
+              </a14:hiddenLine>
+            </a:ext>
+            <a:ext uri="{AF507438-7753-43E0-B8FC-AC1667EBCBE1}">
+              <a14:hiddenEffects xmlns:a14="http://schemas.microsoft.com/office/drawing/2010/main">
+                <a:effectLst>
+                  <a:outerShdw dist="35921" dir="2700000" algn="ctr" rotWithShape="0">
+                    <a:schemeClr val="bg2"/>
+                  </a:outerShdw>
+                </a:effectLst>
+              </a14:hiddenEffects>
+            </a:ext>
+          </a:extLst>
+        </p:spPr>
+        <p:txBody>
+          <a:bodyPr vert="horz" wrap="square" lIns="91440" tIns="45720" rIns="91440" bIns="45720" numCol="1" anchor="ctr" anchorCtr="0" compatLnSpc="1">
+            <a:prstTxWarp prst="textNoShape">
+              <a:avLst/>
+            </a:prstTxWarp>
+            <a:spAutoFit/>
+          </a:bodyPr>
+          <a:lstStyle/>
+          <a:p>
+            <a:pPr marL="0" marR="0" lvl="0" indent="0" algn="l" defTabSz="914400" rtl="0" eaLnBrk="0" fontAlgn="base" latinLnBrk="0" hangingPunct="0">
+              <a:lnSpc>
+                <a:spcPct val="100000"/>
+              </a:lnSpc>
+              <a:spcBef>
+                <a:spcPct val="0"/>
+              </a:spcBef>
+              <a:spcAft>
+                <a:spcPct val="0"/>
+              </a:spcAft>
+              <a:buClrTx/>
+              <a:buSzTx/>
+              <a:buFontTx/>
+              <a:buChar char="•"/>
+              <a:tabLst/>
+            </a:pPr>
+            <a:r>
+              <a:rPr lang="es-MX" altLang="es-MX" sz="1600" dirty="0"/>
+              <a:t>Toma el valor del </a:t>
+            </a:r>
+            <a:r>
+              <a:rPr lang="es-MX" altLang="es-MX" sz="1600" dirty="0" err="1"/>
+              <a:t>TextField</a:t>
+            </a:r>
+            <a:r>
+              <a:rPr lang="es-MX" altLang="es-MX" sz="1600" dirty="0"/>
+              <a:t>.</a:t>
+            </a:r>
+          </a:p>
+          <a:p>
+            <a:pPr marL="0" marR="0" lvl="0" indent="0" algn="l" defTabSz="914400" rtl="0" eaLnBrk="0" fontAlgn="base" latinLnBrk="0" hangingPunct="0">
+              <a:lnSpc>
+                <a:spcPct val="100000"/>
+              </a:lnSpc>
+              <a:spcBef>
+                <a:spcPct val="0"/>
+              </a:spcBef>
+              <a:spcAft>
+                <a:spcPct val="0"/>
+              </a:spcAft>
+              <a:buClrTx/>
+              <a:buSzTx/>
+              <a:buFontTx/>
+              <a:buChar char="•"/>
+              <a:tabLst/>
+            </a:pPr>
+            <a:r>
+              <a:rPr lang="es-MX" altLang="es-MX" sz="1600" dirty="0"/>
+              <a:t>Lo agrega a la cola con </a:t>
+            </a:r>
+            <a:r>
+              <a:rPr lang="es-MX" altLang="es-MX" sz="1600" dirty="0" err="1"/>
+              <a:t>add</a:t>
+            </a:r>
+            <a:r>
+              <a:rPr lang="es-MX" altLang="es-MX" sz="1600" dirty="0"/>
+              <a:t>().</a:t>
+            </a:r>
+          </a:p>
+          <a:p>
+            <a:pPr marL="0" marR="0" lvl="0" indent="0" algn="l" defTabSz="914400" rtl="0" eaLnBrk="0" fontAlgn="base" latinLnBrk="0" hangingPunct="0">
+              <a:lnSpc>
+                <a:spcPct val="100000"/>
+              </a:lnSpc>
+              <a:spcBef>
+                <a:spcPct val="0"/>
+              </a:spcBef>
+              <a:spcAft>
+                <a:spcPct val="0"/>
+              </a:spcAft>
+              <a:buClrTx/>
+              <a:buSzTx/>
+              <a:buFontTx/>
+              <a:buChar char="•"/>
+              <a:tabLst/>
+            </a:pPr>
+            <a:r>
+              <a:rPr lang="es-MX" altLang="es-MX" sz="1600" dirty="0"/>
+              <a:t>Muestra un mensaje en </a:t>
+            </a:r>
+            <a:r>
+              <a:rPr lang="es-MX" altLang="es-MX" sz="1600" dirty="0" err="1"/>
+              <a:t>TextArea</a:t>
+            </a:r>
+            <a:r>
+              <a:rPr lang="es-MX" altLang="es-MX" sz="1600" dirty="0"/>
+              <a:t>.</a:t>
+            </a:r>
+          </a:p>
+          <a:p>
+            <a:pPr marL="0" marR="0" lvl="0" indent="0" algn="l" defTabSz="914400" rtl="0" eaLnBrk="0" fontAlgn="base" latinLnBrk="0" hangingPunct="0">
+              <a:lnSpc>
+                <a:spcPct val="100000"/>
+              </a:lnSpc>
+              <a:spcBef>
+                <a:spcPct val="0"/>
+              </a:spcBef>
+              <a:spcAft>
+                <a:spcPct val="0"/>
+              </a:spcAft>
+              <a:buClrTx/>
+              <a:buSzTx/>
+              <a:buFontTx/>
+              <a:buChar char="•"/>
+              <a:tabLst/>
+            </a:pPr>
+            <a:r>
+              <a:rPr lang="es-MX" altLang="es-MX" sz="1600" dirty="0"/>
+              <a:t>Limpia el campo de entrada.</a:t>
+            </a:r>
+          </a:p>
+        </p:txBody>
+      </p:sp>
+      <p:sp>
+        <p:nvSpPr>
+          <p:cNvPr id="8" name="CuadroTexto 7">
+            <a:extLst>
+              <a:ext uri="{FF2B5EF4-FFF2-40B4-BE49-F238E27FC236}">
+                <a16:creationId xmlns:a16="http://schemas.microsoft.com/office/drawing/2014/main" id="{DC23169B-C5CE-1E4D-E6CB-8E1F29ADF9A4}"/>
+              </a:ext>
+            </a:extLst>
+          </p:cNvPr>
+          <p:cNvSpPr txBox="1"/>
+          <p:nvPr/>
+        </p:nvSpPr>
+        <p:spPr>
+          <a:xfrm>
+            <a:off x="731520" y="3429000"/>
+            <a:ext cx="6131293" cy="2009274"/>
+          </a:xfrm>
+          <a:prstGeom prst="rect">
+            <a:avLst/>
+          </a:prstGeom>
+          <a:noFill/>
+          <a:ln>
+            <a:solidFill>
+              <a:schemeClr val="accent1"/>
+            </a:solidFill>
+          </a:ln>
+        </p:spPr>
+        <p:txBody>
+          <a:bodyPr wrap="square" rtlCol="0">
+            <a:spAutoFit/>
+          </a:bodyPr>
+          <a:lstStyle/>
+          <a:p>
+            <a:endParaRPr lang="es-MX" dirty="0"/>
+          </a:p>
+        </p:txBody>
+      </p:sp>
+      <p:sp>
+        <p:nvSpPr>
+          <p:cNvPr id="9" name="CuadroTexto 8">
+            <a:extLst>
+              <a:ext uri="{FF2B5EF4-FFF2-40B4-BE49-F238E27FC236}">
+                <a16:creationId xmlns:a16="http://schemas.microsoft.com/office/drawing/2014/main" id="{EA8ACE7A-A6A2-6308-9EBE-72D2FBD3D8DB}"/>
+              </a:ext>
+            </a:extLst>
+          </p:cNvPr>
+          <p:cNvSpPr txBox="1"/>
+          <p:nvPr/>
+        </p:nvSpPr>
+        <p:spPr>
+          <a:xfrm>
+            <a:off x="731520" y="1828800"/>
+            <a:ext cx="5226518" cy="802716"/>
+          </a:xfrm>
+          <a:prstGeom prst="rect">
+            <a:avLst/>
+          </a:prstGeom>
+          <a:noFill/>
+          <a:ln>
+            <a:solidFill>
+              <a:schemeClr val="accent1"/>
+            </a:solidFill>
+          </a:ln>
+        </p:spPr>
+        <p:txBody>
+          <a:bodyPr wrap="square" rtlCol="0">
+            <a:spAutoFit/>
+          </a:bodyPr>
+          <a:lstStyle/>
+          <a:p>
+            <a:endParaRPr lang="es-MX" dirty="0"/>
+          </a:p>
+        </p:txBody>
+      </p:sp>
+    </p:spTree>
+    <p:extLst>
+      <p:ext uri="{BB962C8B-B14F-4D97-AF65-F5344CB8AC3E}">
+        <p14:creationId xmlns:p14="http://schemas.microsoft.com/office/powerpoint/2010/main" val="2763525982"/>
+      </p:ext>
+    </p:extLst>
+  </p:cSld>
+  <p:clrMapOvr>
+    <a:masterClrMapping/>
+  </p:clrMapOvr>
+</p:sld>
+</file>
+
+<file path=ppt/slides/slide5.xml><?xml version="1.0" encoding="utf-8"?>
+<p:sld xmlns:a="http://schemas.openxmlformats.org/drawingml/2006/main" xmlns:r="http://schemas.openxmlformats.org/officeDocument/2006/relationships" xmlns:p="http://schemas.openxmlformats.org/presentationml/2006/main">
+  <p:cSld>
+    <p:spTree>
+      <p:nvGrpSpPr>
+        <p:cNvPr id="1" name=""/>
+        <p:cNvGrpSpPr/>
+        <p:nvPr/>
+      </p:nvGrpSpPr>
+      <p:grpSpPr>
+        <a:xfrm>
+          <a:off x="0" y="0"/>
+          <a:ext cx="0" cy="0"/>
+          <a:chOff x="0" y="0"/>
+          <a:chExt cx="0" cy="0"/>
+        </a:xfrm>
+      </p:grpSpPr>
+      <p:sp>
+        <p:nvSpPr>
+          <p:cNvPr id="2" name="Título 1">
+            <a:extLst>
+              <a:ext uri="{FF2B5EF4-FFF2-40B4-BE49-F238E27FC236}">
+                <a16:creationId xmlns:a16="http://schemas.microsoft.com/office/drawing/2014/main" id="{DD5B366B-C166-8E79-3FD5-3479A4DF5043}"/>
+              </a:ext>
+            </a:extLst>
+          </p:cNvPr>
+          <p:cNvSpPr>
+            <a:spLocks noGrp="1"/>
+          </p:cNvSpPr>
+          <p:nvPr>
+            <p:ph type="title"/>
+          </p:nvPr>
+        </p:nvSpPr>
+        <p:spPr/>
+        <p:txBody>
+          <a:bodyPr/>
+          <a:lstStyle/>
+          <a:p>
+            <a:r>
+              <a:rPr lang="es-MX" dirty="0" err="1"/>
+              <a:t>Part</a:t>
+            </a:r>
+            <a:r>
+              <a:rPr lang="es-MX" dirty="0"/>
+              <a:t> 2</a:t>
+            </a:r>
+          </a:p>
+        </p:txBody>
+      </p:sp>
+      <p:pic>
+        <p:nvPicPr>
+          <p:cNvPr id="5" name="Marcador de contenido 4">
+            <a:extLst>
+              <a:ext uri="{FF2B5EF4-FFF2-40B4-BE49-F238E27FC236}">
+                <a16:creationId xmlns:a16="http://schemas.microsoft.com/office/drawing/2014/main" id="{2B4C4A0A-C810-C1B7-4DC8-32977DE2E3D3}"/>
+              </a:ext>
+            </a:extLst>
+          </p:cNvPr>
+          <p:cNvPicPr>
+            <a:picLocks noGrp="1" noChangeAspect="1"/>
+          </p:cNvPicPr>
+          <p:nvPr>
+            <p:ph idx="1"/>
+          </p:nvPr>
+        </p:nvPicPr>
+        <p:blipFill>
+          <a:blip r:embed="rId2"/>
+          <a:stretch>
+            <a:fillRect/>
+          </a:stretch>
+        </p:blipFill>
+        <p:spPr>
+          <a:xfrm>
+            <a:off x="534105" y="2057222"/>
+            <a:ext cx="6550642" cy="3449638"/>
+          </a:xfrm>
+        </p:spPr>
+      </p:pic>
+      <p:sp>
+        <p:nvSpPr>
+          <p:cNvPr id="6" name="Rectangle 1">
+            <a:extLst>
+              <a:ext uri="{FF2B5EF4-FFF2-40B4-BE49-F238E27FC236}">
+                <a16:creationId xmlns:a16="http://schemas.microsoft.com/office/drawing/2014/main" id="{39C260DA-25C6-9F81-2E47-B524B3DC116B}"/>
+              </a:ext>
+            </a:extLst>
+          </p:cNvPr>
+          <p:cNvSpPr>
+            <a:spLocks noChangeArrowheads="1"/>
+          </p:cNvSpPr>
+          <p:nvPr/>
+        </p:nvSpPr>
+        <p:spPr bwMode="auto">
+          <a:xfrm>
+            <a:off x="7425825" y="2285999"/>
+            <a:ext cx="4232070" cy="1815882"/>
+          </a:xfrm>
+          <a:prstGeom prst="rect">
+            <a:avLst/>
+          </a:prstGeom>
+          <a:noFill/>
+          <a:ln>
+            <a:noFill/>
+          </a:ln>
+          <a:effectLst/>
+          <a:extLst>
+            <a:ext uri="{909E8E84-426E-40DD-AFC4-6F175D3DCCD1}">
+              <a14:hiddenFill xmlns:a14="http://schemas.microsoft.com/office/drawing/2010/main">
+                <a:solidFill>
+                  <a:schemeClr val="accent1"/>
+                </a:solidFill>
+              </a14:hiddenFill>
+            </a:ext>
+            <a:ext uri="{91240B29-F687-4F45-9708-019B960494DF}">
+              <a14:hiddenLine xmlns:a14="http://schemas.microsoft.com/office/drawing/2010/main" w="9525">
+                <a:solidFill>
+                  <a:schemeClr val="tx1"/>
+                </a:solidFill>
+                <a:miter lim="800000"/>
+                <a:headEnd/>
+                <a:tailEnd/>
+              </a14:hiddenLine>
+            </a:ext>
+            <a:ext uri="{AF507438-7753-43E0-B8FC-AC1667EBCBE1}">
+              <a14:hiddenEffects xmlns:a14="http://schemas.microsoft.com/office/drawing/2010/main">
+                <a:effectLst>
+                  <a:outerShdw dist="35921" dir="2700000" algn="ctr" rotWithShape="0">
+                    <a:schemeClr val="bg2"/>
+                  </a:outerShdw>
+                </a:effectLst>
+              </a14:hiddenEffects>
+            </a:ext>
+          </a:extLst>
+        </p:spPr>
+        <p:txBody>
+          <a:bodyPr vert="horz" wrap="square" lIns="91440" tIns="45720" rIns="91440" bIns="45720" numCol="1" anchor="ctr" anchorCtr="0" compatLnSpc="1">
+            <a:prstTxWarp prst="textNoShape">
+              <a:avLst/>
+            </a:prstTxWarp>
+            <a:spAutoFit/>
+          </a:bodyPr>
+          <a:lstStyle/>
+          <a:p>
+            <a:pPr marL="0" marR="0" lvl="0" indent="0" algn="l" defTabSz="914400" rtl="0" eaLnBrk="0" fontAlgn="base" latinLnBrk="0" hangingPunct="0">
+              <a:lnSpc>
+                <a:spcPct val="100000"/>
+              </a:lnSpc>
+              <a:spcBef>
+                <a:spcPct val="0"/>
+              </a:spcBef>
+              <a:spcAft>
+                <a:spcPct val="0"/>
+              </a:spcAft>
+              <a:buClrTx/>
+              <a:buSzTx/>
+              <a:buFontTx/>
+              <a:buNone/>
+              <a:tabLst/>
+            </a:pPr>
+            <a:endParaRPr lang="es-MX" altLang="es-MX" sz="1600" dirty="0"/>
+          </a:p>
+          <a:p>
+            <a:pPr marL="0" marR="0" lvl="0" indent="0" algn="l" defTabSz="914400" rtl="0" eaLnBrk="0" fontAlgn="base" latinLnBrk="0" hangingPunct="0">
+              <a:lnSpc>
+                <a:spcPct val="100000"/>
+              </a:lnSpc>
+              <a:spcBef>
+                <a:spcPct val="0"/>
+              </a:spcBef>
+              <a:spcAft>
+                <a:spcPct val="0"/>
+              </a:spcAft>
+              <a:buClrTx/>
+              <a:buSzTx/>
+              <a:buFontTx/>
+              <a:buChar char="•"/>
+              <a:tabLst/>
+            </a:pPr>
+            <a:r>
+              <a:rPr lang="es-MX" altLang="es-MX" sz="1600" dirty="0" err="1"/>
+              <a:t>poll</a:t>
+            </a:r>
+            <a:r>
+              <a:rPr lang="es-MX" altLang="es-MX" sz="1600" dirty="0"/>
+              <a:t>() elimina el primer elemento de la cola (FIFO).</a:t>
+            </a:r>
+          </a:p>
+          <a:p>
+            <a:pPr marL="0" marR="0" lvl="0" indent="0" algn="l" defTabSz="914400" rtl="0" eaLnBrk="0" fontAlgn="base" latinLnBrk="0" hangingPunct="0">
+              <a:lnSpc>
+                <a:spcPct val="100000"/>
+              </a:lnSpc>
+              <a:spcBef>
+                <a:spcPct val="0"/>
+              </a:spcBef>
+              <a:spcAft>
+                <a:spcPct val="0"/>
+              </a:spcAft>
+              <a:buClrTx/>
+              <a:buSzTx/>
+              <a:buFontTx/>
+              <a:buChar char="•"/>
+              <a:tabLst/>
+            </a:pPr>
+            <a:r>
+              <a:rPr lang="es-MX" altLang="es-MX" sz="1600" dirty="0"/>
+              <a:t>Si la cola está vacía, muestra un mensaje de advertencia.</a:t>
+            </a:r>
+          </a:p>
+          <a:p>
+            <a:pPr marL="0" marR="0" lvl="0" indent="0" algn="l" defTabSz="914400" rtl="0" eaLnBrk="0" fontAlgn="base" latinLnBrk="0" hangingPunct="0">
+              <a:lnSpc>
+                <a:spcPct val="100000"/>
+              </a:lnSpc>
+              <a:spcBef>
+                <a:spcPct val="0"/>
+              </a:spcBef>
+              <a:spcAft>
+                <a:spcPct val="0"/>
+              </a:spcAft>
+              <a:buClrTx/>
+              <a:buSzTx/>
+              <a:buFontTx/>
+              <a:buNone/>
+              <a:tabLst/>
+            </a:pPr>
+            <a:r>
+              <a:rPr lang="es-MX" altLang="es-MX" sz="1600" dirty="0"/>
+              <a:t>Para la lista, podrías eliminar el último elemento con </a:t>
+            </a:r>
+            <a:r>
+              <a:rPr lang="es-MX" altLang="es-MX" sz="1600" dirty="0" err="1"/>
+              <a:t>lista.remove</a:t>
+            </a:r>
+            <a:r>
+              <a:rPr lang="es-MX" altLang="es-MX" sz="1600" dirty="0"/>
+              <a:t>(</a:t>
+            </a:r>
+            <a:r>
+              <a:rPr lang="es-MX" altLang="es-MX" sz="1600" dirty="0" err="1"/>
+              <a:t>lista.size</a:t>
+            </a:r>
+            <a:r>
+              <a:rPr lang="es-MX" altLang="es-MX" sz="1600" dirty="0"/>
+              <a:t>() - 1).</a:t>
+            </a:r>
+          </a:p>
+        </p:txBody>
+      </p:sp>
+      <p:sp>
+        <p:nvSpPr>
+          <p:cNvPr id="7" name="Rectangle 2">
+            <a:extLst>
+              <a:ext uri="{FF2B5EF4-FFF2-40B4-BE49-F238E27FC236}">
+                <a16:creationId xmlns:a16="http://schemas.microsoft.com/office/drawing/2014/main" id="{FC60F57A-9E25-C951-458C-56CAD2E11FA1}"/>
+              </a:ext>
+            </a:extLst>
+          </p:cNvPr>
+          <p:cNvSpPr>
+            <a:spLocks noChangeArrowheads="1"/>
+          </p:cNvSpPr>
+          <p:nvPr/>
+        </p:nvSpPr>
+        <p:spPr bwMode="auto">
+          <a:xfrm>
+            <a:off x="7392070" y="4452232"/>
+            <a:ext cx="3032089" cy="1323439"/>
+          </a:xfrm>
+          <a:prstGeom prst="rect">
+            <a:avLst/>
+          </a:prstGeom>
+          <a:noFill/>
+          <a:ln>
+            <a:noFill/>
+          </a:ln>
+          <a:effectLst/>
+          <a:extLst>
+            <a:ext uri="{909E8E84-426E-40DD-AFC4-6F175D3DCCD1}">
+              <a14:hiddenFill xmlns:a14="http://schemas.microsoft.com/office/drawing/2010/main">
+                <a:solidFill>
+                  <a:schemeClr val="accent1"/>
+                </a:solidFill>
+              </a14:hiddenFill>
+            </a:ext>
+            <a:ext uri="{91240B29-F687-4F45-9708-019B960494DF}">
+              <a14:hiddenLine xmlns:a14="http://schemas.microsoft.com/office/drawing/2010/main" w="9525">
+                <a:solidFill>
+                  <a:schemeClr val="tx1"/>
+                </a:solidFill>
+                <a:miter lim="800000"/>
+                <a:headEnd/>
+                <a:tailEnd/>
+              </a14:hiddenLine>
+            </a:ext>
+            <a:ext uri="{AF507438-7753-43E0-B8FC-AC1667EBCBE1}">
+              <a14:hiddenEffects xmlns:a14="http://schemas.microsoft.com/office/drawing/2010/main">
+                <a:effectLst>
+                  <a:outerShdw dist="35921" dir="2700000" algn="ctr" rotWithShape="0">
+                    <a:schemeClr val="bg2"/>
+                  </a:outerShdw>
+                </a:effectLst>
+              </a14:hiddenEffects>
+            </a:ext>
+          </a:extLst>
+        </p:spPr>
+        <p:txBody>
+          <a:bodyPr vert="horz" wrap="square" lIns="91440" tIns="45720" rIns="91440" bIns="45720" numCol="1" anchor="ctr" anchorCtr="0" compatLnSpc="1">
+            <a:prstTxWarp prst="textNoShape">
+              <a:avLst/>
+            </a:prstTxWarp>
+            <a:spAutoFit/>
+          </a:bodyPr>
+          <a:lstStyle/>
+          <a:p>
+            <a:pPr marL="0" marR="0" lvl="0" indent="0" algn="l" defTabSz="914400" rtl="0" eaLnBrk="0" fontAlgn="base" latinLnBrk="0" hangingPunct="0">
+              <a:lnSpc>
+                <a:spcPct val="100000"/>
+              </a:lnSpc>
+              <a:spcBef>
+                <a:spcPct val="0"/>
+              </a:spcBef>
+              <a:spcAft>
+                <a:spcPct val="0"/>
+              </a:spcAft>
+              <a:buClrTx/>
+              <a:buSzTx/>
+              <a:buFontTx/>
+              <a:buChar char="•"/>
+              <a:tabLst/>
+            </a:pPr>
+            <a:r>
+              <a:rPr lang="es-MX" altLang="es-MX" sz="1600"/>
+              <a:t>Muestra todos los elementos de la cola en su orden lineal.</a:t>
+            </a:r>
+          </a:p>
+          <a:p>
+            <a:pPr marL="0" marR="0" lvl="0" indent="0" algn="l" defTabSz="914400" rtl="0" eaLnBrk="0" fontAlgn="base" latinLnBrk="0" hangingPunct="0">
+              <a:lnSpc>
+                <a:spcPct val="100000"/>
+              </a:lnSpc>
+              <a:spcBef>
+                <a:spcPct val="0"/>
+              </a:spcBef>
+              <a:spcAft>
+                <a:spcPct val="0"/>
+              </a:spcAft>
+              <a:buClrTx/>
+              <a:buSzTx/>
+              <a:buFontTx/>
+              <a:buChar char="•"/>
+              <a:tabLst/>
+            </a:pPr>
+            <a:r>
+              <a:rPr lang="es-MX" altLang="es-MX" sz="1600"/>
+              <a:t>Para la lista, se usaría outputArea.appendText("Elementos de la lista: " + lista + "\n");.</a:t>
+            </a:r>
+          </a:p>
+        </p:txBody>
+      </p:sp>
+      <p:sp>
+        <p:nvSpPr>
+          <p:cNvPr id="8" name="CuadroTexto 7">
+            <a:extLst>
+              <a:ext uri="{FF2B5EF4-FFF2-40B4-BE49-F238E27FC236}">
+                <a16:creationId xmlns:a16="http://schemas.microsoft.com/office/drawing/2014/main" id="{3EF0A06A-7CA1-F16B-08AF-7C4081E3E15D}"/>
+              </a:ext>
+            </a:extLst>
+          </p:cNvPr>
+          <p:cNvSpPr txBox="1"/>
+          <p:nvPr/>
+        </p:nvSpPr>
+        <p:spPr>
+          <a:xfrm>
+            <a:off x="1540042" y="2512194"/>
+            <a:ext cx="5428649" cy="1135781"/>
+          </a:xfrm>
+          <a:prstGeom prst="rect">
+            <a:avLst/>
+          </a:prstGeom>
+          <a:noFill/>
+          <a:ln>
+            <a:solidFill>
+              <a:srgbClr val="00B0F0"/>
+            </a:solidFill>
+          </a:ln>
+        </p:spPr>
+        <p:txBody>
+          <a:bodyPr wrap="square" rtlCol="0">
+            <a:spAutoFit/>
+          </a:bodyPr>
+          <a:lstStyle/>
+          <a:p>
+            <a:endParaRPr lang="es-MX" dirty="0"/>
+          </a:p>
+        </p:txBody>
+      </p:sp>
+      <p:sp>
+        <p:nvSpPr>
+          <p:cNvPr id="9" name="CuadroTexto 8">
+            <a:extLst>
+              <a:ext uri="{FF2B5EF4-FFF2-40B4-BE49-F238E27FC236}">
+                <a16:creationId xmlns:a16="http://schemas.microsoft.com/office/drawing/2014/main" id="{C5FB8DE5-8204-377A-5E60-03569D8B9D37}"/>
+              </a:ext>
+            </a:extLst>
+          </p:cNvPr>
+          <p:cNvSpPr txBox="1"/>
+          <p:nvPr/>
+        </p:nvSpPr>
+        <p:spPr>
+          <a:xfrm>
+            <a:off x="1295402" y="4101881"/>
+            <a:ext cx="5355655" cy="787753"/>
+          </a:xfrm>
+          <a:prstGeom prst="rect">
+            <a:avLst/>
+          </a:prstGeom>
+          <a:noFill/>
+          <a:ln>
+            <a:solidFill>
+              <a:srgbClr val="00B0F0"/>
+            </a:solidFill>
+          </a:ln>
+        </p:spPr>
+        <p:txBody>
+          <a:bodyPr wrap="square" rtlCol="0">
+            <a:spAutoFit/>
+          </a:bodyPr>
+          <a:lstStyle/>
+          <a:p>
+            <a:endParaRPr lang="es-MX" dirty="0"/>
+          </a:p>
+        </p:txBody>
+      </p:sp>
+    </p:spTree>
+    <p:extLst>
+      <p:ext uri="{BB962C8B-B14F-4D97-AF65-F5344CB8AC3E}">
+        <p14:creationId xmlns:p14="http://schemas.microsoft.com/office/powerpoint/2010/main" val="3586225275"/>
+      </p:ext>
+    </p:extLst>
+  </p:cSld>
+  <p:clrMapOvr>
+    <a:masterClrMapping/>
+  </p:clrMapOvr>
+</p:sld>
+</file>
+
+<file path=ppt/slides/slide6.xml><?xml version="1.0" encoding="utf-8"?>
+<p:sld xmlns:a="http://schemas.openxmlformats.org/drawingml/2006/main" xmlns:r="http://schemas.openxmlformats.org/officeDocument/2006/relationships" xmlns:p="http://schemas.openxmlformats.org/presentationml/2006/main">
+  <p:cSld>
+    <p:spTree>
+      <p:nvGrpSpPr>
+        <p:cNvPr id="1" name=""/>
+        <p:cNvGrpSpPr/>
+        <p:nvPr/>
+      </p:nvGrpSpPr>
+      <p:grpSpPr>
+        <a:xfrm>
+          <a:off x="0" y="0"/>
+          <a:ext cx="0" cy="0"/>
+          <a:chOff x="0" y="0"/>
+          <a:chExt cx="0" cy="0"/>
+        </a:xfrm>
+      </p:grpSpPr>
+      <p:sp>
+        <p:nvSpPr>
+          <p:cNvPr id="2" name="Título 1">
+            <a:extLst>
+              <a:ext uri="{FF2B5EF4-FFF2-40B4-BE49-F238E27FC236}">
+                <a16:creationId xmlns:a16="http://schemas.microsoft.com/office/drawing/2014/main" id="{0362BB22-6A7A-B367-572A-424BB1404316}"/>
+              </a:ext>
+            </a:extLst>
+          </p:cNvPr>
+          <p:cNvSpPr>
+            <a:spLocks noGrp="1"/>
+          </p:cNvSpPr>
+          <p:nvPr>
+            <p:ph type="title"/>
+          </p:nvPr>
+        </p:nvSpPr>
+        <p:spPr/>
+        <p:txBody>
+          <a:bodyPr/>
+          <a:lstStyle/>
+          <a:p>
+            <a:r>
+              <a:rPr lang="es-MX" dirty="0"/>
+              <a:t>Resultado de la ejecución </a:t>
+            </a:r>
+          </a:p>
+        </p:txBody>
+      </p:sp>
+      <p:pic>
+        <p:nvPicPr>
+          <p:cNvPr id="5" name="Marcador de contenido 4">
+            <a:extLst>
+              <a:ext uri="{FF2B5EF4-FFF2-40B4-BE49-F238E27FC236}">
+                <a16:creationId xmlns:a16="http://schemas.microsoft.com/office/drawing/2014/main" id="{C4BB8BCF-2134-931C-0198-BD6AC9F13186}"/>
+              </a:ext>
+            </a:extLst>
+          </p:cNvPr>
+          <p:cNvPicPr>
+            <a:picLocks noGrp="1" noChangeAspect="1"/>
+          </p:cNvPicPr>
+          <p:nvPr>
+            <p:ph idx="1"/>
+          </p:nvPr>
+        </p:nvPicPr>
+        <p:blipFill>
+          <a:blip r:embed="rId2"/>
+          <a:stretch>
+            <a:fillRect/>
+          </a:stretch>
+        </p:blipFill>
+        <p:spPr>
+          <a:xfrm>
+            <a:off x="1021075" y="2139415"/>
+            <a:ext cx="3109822" cy="3449638"/>
+          </a:xfrm>
+        </p:spPr>
+      </p:pic>
+      <p:sp>
+        <p:nvSpPr>
+          <p:cNvPr id="6" name="Rectangle 1">
+            <a:extLst>
+              <a:ext uri="{FF2B5EF4-FFF2-40B4-BE49-F238E27FC236}">
+                <a16:creationId xmlns:a16="http://schemas.microsoft.com/office/drawing/2014/main" id="{E57D7D34-DF83-77DC-9330-4B4AF3644C2C}"/>
+              </a:ext>
+            </a:extLst>
+          </p:cNvPr>
+          <p:cNvSpPr>
+            <a:spLocks noChangeArrowheads="1"/>
+          </p:cNvSpPr>
+          <p:nvPr/>
+        </p:nvSpPr>
+        <p:spPr bwMode="auto">
+          <a:xfrm>
+            <a:off x="4421326" y="3014196"/>
+            <a:ext cx="7279557" cy="923330"/>
+          </a:xfrm>
+          <a:prstGeom prst="rect">
+            <a:avLst/>
+          </a:prstGeom>
+          <a:noFill/>
+          <a:ln>
+            <a:noFill/>
+          </a:ln>
+          <a:effectLst/>
+          <a:extLst>
+            <a:ext uri="{909E8E84-426E-40DD-AFC4-6F175D3DCCD1}">
+              <a14:hiddenFill xmlns:a14="http://schemas.microsoft.com/office/drawing/2010/main">
+                <a:solidFill>
+                  <a:schemeClr val="accent1"/>
+                </a:solidFill>
+              </a14:hiddenFill>
+            </a:ext>
+            <a:ext uri="{91240B29-F687-4F45-9708-019B960494DF}">
+              <a14:hiddenLine xmlns:a14="http://schemas.microsoft.com/office/drawing/2010/main" w="9525">
+                <a:solidFill>
+                  <a:schemeClr val="tx1"/>
+                </a:solidFill>
+                <a:miter lim="800000"/>
+                <a:headEnd/>
+                <a:tailEnd/>
+              </a14:hiddenLine>
+            </a:ext>
+            <a:ext uri="{AF507438-7753-43E0-B8FC-AC1667EBCBE1}">
+              <a14:hiddenEffects xmlns:a14="http://schemas.microsoft.com/office/drawing/2010/main">
+                <a:effectLst>
+                  <a:outerShdw dist="35921" dir="2700000" algn="ctr" rotWithShape="0">
+                    <a:schemeClr val="bg2"/>
+                  </a:outerShdw>
+                </a:effectLst>
+              </a14:hiddenEffects>
+            </a:ext>
+          </a:extLst>
+        </p:spPr>
+        <p:txBody>
+          <a:bodyPr vert="horz" wrap="none" lIns="91440" tIns="45720" rIns="91440" bIns="45720" numCol="1" anchor="ctr" anchorCtr="0" compatLnSpc="1">
+            <a:prstTxWarp prst="textNoShape">
+              <a:avLst/>
+            </a:prstTxWarp>
+            <a:spAutoFit/>
+          </a:bodyPr>
+          <a:lstStyle/>
+          <a:p>
+            <a:pPr marL="0" marR="0" lvl="0" indent="0" algn="l" defTabSz="914400" rtl="0" eaLnBrk="0" fontAlgn="base" latinLnBrk="0" hangingPunct="0">
+              <a:lnSpc>
+                <a:spcPct val="100000"/>
+              </a:lnSpc>
+              <a:spcBef>
+                <a:spcPct val="0"/>
+              </a:spcBef>
+              <a:spcAft>
+                <a:spcPct val="0"/>
+              </a:spcAft>
+              <a:buClrTx/>
+              <a:buSzTx/>
+              <a:buFontTx/>
+              <a:buChar char="•"/>
+              <a:tabLst/>
+            </a:pPr>
+            <a:r>
+              <a:rPr lang="es-MX" altLang="es-MX"/>
+              <a:t>El usuario ingresa un valor y presiona Agregar → se añade al final de la cola.</a:t>
+            </a:r>
+          </a:p>
+          <a:p>
+            <a:pPr marL="0" marR="0" lvl="0" indent="0" algn="l" defTabSz="914400" rtl="0" eaLnBrk="0" fontAlgn="base" latinLnBrk="0" hangingPunct="0">
+              <a:lnSpc>
+                <a:spcPct val="100000"/>
+              </a:lnSpc>
+              <a:spcBef>
+                <a:spcPct val="0"/>
+              </a:spcBef>
+              <a:spcAft>
+                <a:spcPct val="0"/>
+              </a:spcAft>
+              <a:buClrTx/>
+              <a:buSzTx/>
+              <a:buFontTx/>
+              <a:buChar char="•"/>
+              <a:tabLst/>
+            </a:pPr>
+            <a:r>
+              <a:rPr lang="es-MX" altLang="es-MX"/>
+              <a:t>Presiona Eliminar → se quita el primer elemento de la cola (FIFO).</a:t>
+            </a:r>
+          </a:p>
+          <a:p>
+            <a:pPr marL="0" marR="0" lvl="0" indent="0" algn="l" defTabSz="914400" rtl="0" eaLnBrk="0" fontAlgn="base" latinLnBrk="0" hangingPunct="0">
+              <a:lnSpc>
+                <a:spcPct val="100000"/>
+              </a:lnSpc>
+              <a:spcBef>
+                <a:spcPct val="0"/>
+              </a:spcBef>
+              <a:spcAft>
+                <a:spcPct val="0"/>
+              </a:spcAft>
+              <a:buClrTx/>
+              <a:buSzTx/>
+              <a:buFontTx/>
+              <a:buChar char="•"/>
+              <a:tabLst/>
+            </a:pPr>
+            <a:r>
+              <a:rPr lang="es-MX" altLang="es-MX"/>
+              <a:t>Presiona Mostrar → se ven todos los elementos actuales en la cola.</a:t>
+            </a:r>
+          </a:p>
+        </p:txBody>
+      </p:sp>
+    </p:spTree>
+    <p:extLst>
+      <p:ext uri="{BB962C8B-B14F-4D97-AF65-F5344CB8AC3E}">
+        <p14:creationId xmlns:p14="http://schemas.microsoft.com/office/powerpoint/2010/main" val="2384533240"/>
+      </p:ext>
+    </p:extLst>
+  </p:cSld>
+  <p:clrMapOvr>
+    <a:masterClrMapping/>
+  </p:clrMapOvr>
+</p:sld>
+</file>
+
+<file path=ppt/slides/slide7.xml><?xml version="1.0" encoding="utf-8"?>
+<p:sld xmlns:a="http://schemas.openxmlformats.org/drawingml/2006/main" xmlns:r="http://schemas.openxmlformats.org/officeDocument/2006/relationships" xmlns:p="http://schemas.openxmlformats.org/presentationml/2006/main">
+  <p:cSld>
+    <p:spTree>
+      <p:nvGrpSpPr>
+        <p:cNvPr id="1" name=""/>
+        <p:cNvGrpSpPr/>
+        <p:nvPr/>
+      </p:nvGrpSpPr>
+      <p:grpSpPr>
+        <a:xfrm>
+          <a:off x="0" y="0"/>
+          <a:ext cx="0" cy="0"/>
+          <a:chOff x="0" y="0"/>
+          <a:chExt cx="0" cy="0"/>
+        </a:xfrm>
+      </p:grpSpPr>
+      <p:sp>
+        <p:nvSpPr>
+          <p:cNvPr id="2" name="Título 1">
+            <a:extLst>
+              <a:ext uri="{FF2B5EF4-FFF2-40B4-BE49-F238E27FC236}">
+                <a16:creationId xmlns:a16="http://schemas.microsoft.com/office/drawing/2014/main" id="{DD849591-7302-12F4-4208-E4D21D766F49}"/>
+              </a:ext>
+            </a:extLst>
+          </p:cNvPr>
+          <p:cNvSpPr>
+            <a:spLocks noGrp="1"/>
+          </p:cNvSpPr>
+          <p:nvPr>
+            <p:ph type="title"/>
+          </p:nvPr>
+        </p:nvSpPr>
+        <p:spPr/>
+        <p:txBody>
+          <a:bodyPr/>
+          <a:lstStyle/>
+          <a:p>
+            <a:r>
+              <a:rPr lang="es-MX" dirty="0"/>
+              <a:t>Conclusión  </a:t>
+            </a:r>
+          </a:p>
+        </p:txBody>
+      </p:sp>
+      <p:sp>
+        <p:nvSpPr>
+          <p:cNvPr id="3" name="Marcador de contenido 2">
+            <a:extLst>
+              <a:ext uri="{FF2B5EF4-FFF2-40B4-BE49-F238E27FC236}">
+                <a16:creationId xmlns:a16="http://schemas.microsoft.com/office/drawing/2014/main" id="{63C1E499-3082-0BA6-3B19-841253881702}"/>
+              </a:ext>
+            </a:extLst>
+          </p:cNvPr>
+          <p:cNvSpPr>
+            <a:spLocks noGrp="1"/>
+          </p:cNvSpPr>
+          <p:nvPr>
+            <p:ph idx="1"/>
+          </p:nvPr>
+        </p:nvSpPr>
+        <p:spPr/>
+        <p:txBody>
+          <a:bodyPr>
+            <a:normAutofit lnSpcReduction="10000"/>
+          </a:bodyPr>
+          <a:lstStyle/>
+          <a:p>
+            <a:pPr marL="0" indent="0" algn="just">
+              <a:buNone/>
+            </a:pPr>
+            <a:r>
+              <a:rPr lang="es-MX" dirty="0"/>
+              <a:t>Las </a:t>
+            </a:r>
+            <a:r>
+              <a:rPr lang="es-MX" b="1" dirty="0"/>
+              <a:t>estructuras lineales</a:t>
+            </a:r>
+            <a:r>
+              <a:rPr lang="es-MX" dirty="0"/>
+              <a:t> constituyen la base de muchas aplicaciones y sistemas informáticos, ya que permiten gestionar datos de manera ordenada y eficiente. Su estudio y correcta implementación facilitan la resolución de problemas complejos y el desarrollo de programas más organizados y funcionales. Además, dominarlas proporciona herramientas fundamentales para avanzar en conceptos más complejos de programación, como las estructuras no lineales, bases de datos y algoritmos de optimización. Por ello, comprender su funcionamiento y saber aplicarlas correctamente es un paso indispensable para cualquier profesional en el área de la informática y programación.</a:t>
+            </a:r>
+          </a:p>
+        </p:txBody>
+      </p:sp>
+    </p:spTree>
+    <p:extLst>
+      <p:ext uri="{BB962C8B-B14F-4D97-AF65-F5344CB8AC3E}">
+        <p14:creationId xmlns:p14="http://schemas.microsoft.com/office/powerpoint/2010/main" val="3541858479"/>
+      </p:ext>
+    </p:extLst>
+  </p:cSld>
+  <p:clrMapOvr>
+    <a:masterClrMapping/>
+  </p:clrMapOvr>
+</p:sld>
+</file>
+
+<file path=ppt/slides/slide8.xml><?xml version="1.0" encoding="utf-8"?>
+<p:sld xmlns:a="http://schemas.openxmlformats.org/drawingml/2006/main" xmlns:r="http://schemas.openxmlformats.org/officeDocument/2006/relationships" xmlns:p="http://schemas.openxmlformats.org/presentationml/2006/main">
+  <p:cSld>
+    <p:spTree>
+      <p:nvGrpSpPr>
+        <p:cNvPr id="1" name=""/>
+        <p:cNvGrpSpPr/>
+        <p:nvPr/>
+      </p:nvGrpSpPr>
+      <p:grpSpPr>
+        <a:xfrm>
+          <a:off x="0" y="0"/>
+          <a:ext cx="0" cy="0"/>
+          <a:chOff x="0" y="0"/>
+          <a:chExt cx="0" cy="0"/>
+        </a:xfrm>
+      </p:grpSpPr>
+      <p:sp>
+        <p:nvSpPr>
+          <p:cNvPr id="2" name="Título 1">
+            <a:extLst>
+              <a:ext uri="{FF2B5EF4-FFF2-40B4-BE49-F238E27FC236}">
+                <a16:creationId xmlns:a16="http://schemas.microsoft.com/office/drawing/2014/main" id="{5BA2D0E9-E423-3530-9AAC-30A1373EC6DF}"/>
+              </a:ext>
+            </a:extLst>
+          </p:cNvPr>
+          <p:cNvSpPr>
+            <a:spLocks noGrp="1"/>
+          </p:cNvSpPr>
+          <p:nvPr>
+            <p:ph type="title"/>
+          </p:nvPr>
+        </p:nvSpPr>
+        <p:spPr/>
+        <p:txBody>
+          <a:bodyPr>
+            <a:normAutofit fontScale="90000"/>
+          </a:bodyPr>
+          <a:lstStyle/>
+          <a:p>
+            <a:r>
+              <a:rPr lang="es-MX" dirty="0"/>
+              <a:t>Link Anexado al GitHub de los ejercicios solicitados de la actividad 3.3 ejercicios</a:t>
+            </a:r>
+          </a:p>
+        </p:txBody>
+      </p:sp>
+      <p:sp>
+        <p:nvSpPr>
+          <p:cNvPr id="3" name="Marcador de contenido 2">
+            <a:extLst>
+              <a:ext uri="{FF2B5EF4-FFF2-40B4-BE49-F238E27FC236}">
+                <a16:creationId xmlns:a16="http://schemas.microsoft.com/office/drawing/2014/main" id="{A78452AF-B96D-6556-0204-A53E3062E79A}"/>
+              </a:ext>
+            </a:extLst>
+          </p:cNvPr>
+          <p:cNvSpPr>
+            <a:spLocks noGrp="1"/>
+          </p:cNvSpPr>
+          <p:nvPr>
+            <p:ph idx="1"/>
+          </p:nvPr>
+        </p:nvSpPr>
+        <p:spPr/>
+        <p:txBody>
+          <a:bodyPr/>
+          <a:lstStyle/>
+          <a:p>
+            <a:pPr marL="0" indent="0">
+              <a:buNone/>
+            </a:pPr>
+            <a:endParaRPr lang="es-MX"/>
+          </a:p>
+        </p:txBody>
+      </p:sp>
+    </p:spTree>
+    <p:extLst>
+      <p:ext uri="{BB962C8B-B14F-4D97-AF65-F5344CB8AC3E}">
+        <p14:creationId xmlns:p14="http://schemas.microsoft.com/office/powerpoint/2010/main" val="25427307"/>
+      </p:ext>
+    </p:extLst>
+  </p:cSld>
+  <p:clrMapOvr>
+    <a:masterClrMapping/>
+  </p:clrMapOvr>
+</p:sld>
+</file>
+
 <file path=ppt/theme/theme1.xml><?xml version="1.0" encoding="utf-8"?>
-<a:theme xmlns:a="http://schemas.openxmlformats.org/drawingml/2006/main" name="Galería">
+<a:theme xmlns:a="http://schemas.openxmlformats.org/drawingml/2006/main" name="Orgánico">
   <a:themeElements>
-    <a:clrScheme name="Galería">
+    <a:clrScheme name="Orgánico">
       <a:dk1>
         <a:sysClr val="windowText" lastClr="000000"/>
       </a:dk1>
@@ -4148,44 +7773,79 @@
         <a:sysClr val="window" lastClr="FFFFFF"/>
       </a:lt1>
       <a:dk2>
-        <a:srgbClr val="454545"/>
+        <a:srgbClr val="212121"/>
       </a:dk2>
       <a:lt2>
-        <a:srgbClr val="EDEBE7"/>
+        <a:srgbClr val="DADADA"/>
       </a:lt2>
       <a:accent1>
-        <a:srgbClr val="5FA534"/>
+        <a:srgbClr val="D9B247"/>
       </a:accent1>
       <a:accent2>
-        <a:srgbClr val="DCAB34"/>
+        <a:srgbClr val="CC702D"/>
       </a:accent2>
       <a:accent3>
-        <a:srgbClr val="D26D23"/>
+        <a:srgbClr val="B53A31"/>
       </a:accent3>
       <a:accent4>
-        <a:srgbClr val="972323"/>
+        <a:srgbClr val="815F56"/>
       </a:accent4>
       <a:accent5>
-        <a:srgbClr val="236797"/>
+        <a:srgbClr val="AE9E7C"/>
       </a:accent5>
       <a:accent6>
-        <a:srgbClr val="2FB6C6"/>
+        <a:srgbClr val="7B8865"/>
       </a:accent6>
       <a:hlink>
-        <a:srgbClr val="8FC639"/>
+        <a:srgbClr val="BB7826"/>
       </a:hlink>
       <a:folHlink>
-        <a:srgbClr val="E7C272"/>
+        <a:srgbClr val="CF9C5F"/>
       </a:folHlink>
     </a:clrScheme>
-    <a:fontScheme name="Galería">
+    <a:fontScheme name="Orgánico">
       <a:majorFont>
-        <a:latin typeface="Palatino Linotype" panose="02040502050505030304"/>
+        <a:latin typeface="Garamond" panose="02020404030301010803"/>
         <a:ea typeface=""/>
         <a:cs typeface=""/>
-        <a:font script="Jpan" typeface="游ゴシック Light"/>
-        <a:font script="Hang" typeface="맑은 고딕"/>
-        <a:font script="Hans" typeface="等线 Light"/>
+        <a:font script="Jpan" typeface="ＭＳ Ｐゴシック"/>
+        <a:font script="Hang" typeface="돋움"/>
+        <a:font script="Hans" typeface="方正舒体"/>
+        <a:font script="Hant" typeface="微軟正黑體"/>
+        <a:font script="Arab" typeface="Arial"/>
+        <a:font script="Hebr" typeface="Arial"/>
+        <a:font script="Thai" typeface="Cordia New"/>
+        <a:font script="Ethi" typeface="Nyala"/>
+        <a:font script="Beng" typeface="Vrinda"/>
+        <a:font script="Gujr" typeface="Shruti"/>
+        <a:font script="Khmr" typeface="DaunPenh"/>
+        <a:font script="Knda" typeface="Tunga"/>
+        <a:font script="Guru" typeface="Raavi"/>
+        <a:font script="Cans" typeface="Euphemia"/>
+        <a:font script="Cher" typeface="Plantagenet Cherokee"/>
+        <a:font script="Yiii" typeface="Microsoft Yi Baiti"/>
+        <a:font script="Tibt" typeface="Microsoft Himalaya"/>
+        <a:font script="Thaa" typeface="MV Boli"/>
+        <a:font script="Deva" typeface="Mangal"/>
+        <a:font script="Telu" typeface="Gautami"/>
+        <a:font script="Taml" typeface="Latha"/>
+        <a:font script="Syrc" typeface="Estrangelo Edessa"/>
+        <a:font script="Orya" typeface="Kalinga"/>
+        <a:font script="Mlym" typeface="Kartika"/>
+        <a:font script="Laoo" typeface="DokChampa"/>
+        <a:font script="Sinh" typeface="Iskoola Pota"/>
+        <a:font script="Mong" typeface="Mongolian Baiti"/>
+        <a:font script="Viet" typeface="Arial"/>
+        <a:font script="Uigh" typeface="Microsoft Uighur"/>
+        <a:font script="Geor" typeface="Sylfaen"/>
+      </a:majorFont>
+      <a:minorFont>
+        <a:latin typeface="Garamond" panose="02020404030301010803"/>
+        <a:ea typeface=""/>
+        <a:cs typeface=""/>
+        <a:font script="Jpan" typeface="ＭＳ Ｐ明朝"/>
+        <a:font script="Hang" typeface="바탕"/>
+        <a:font script="Hans" typeface="方正舒体"/>
         <a:font script="Hant" typeface="新細明體"/>
         <a:font script="Arab" typeface="Times New Roman"/>
         <a:font script="Hebr" typeface="Times New Roman"/>
@@ -4213,44 +7873,9 @@
         <a:font script="Viet" typeface="Times New Roman"/>
         <a:font script="Uigh" typeface="Microsoft Uighur"/>
         <a:font script="Geor" typeface="Sylfaen"/>
-      </a:majorFont>
-      <a:minorFont>
-        <a:latin typeface="Palatino Linotype" panose="02040502050505030304"/>
-        <a:ea typeface=""/>
-        <a:cs typeface=""/>
-        <a:font script="Jpan" typeface="游ゴシック"/>
-        <a:font script="Hang" typeface="맑은 고딕"/>
-        <a:font script="Hans" typeface="等线"/>
-        <a:font script="Hant" typeface="新細明體"/>
-        <a:font script="Arab" typeface="Arial"/>
-        <a:font script="Hebr" typeface="Arial"/>
-        <a:font script="Thai" typeface="Cordia New"/>
-        <a:font script="Ethi" typeface="Nyala"/>
-        <a:font script="Beng" typeface="Vrinda"/>
-        <a:font script="Gujr" typeface="Shruti"/>
-        <a:font script="Khmr" typeface="DaunPenh"/>
-        <a:font script="Knda" typeface="Tunga"/>
-        <a:font script="Guru" typeface="Raavi"/>
-        <a:font script="Cans" typeface="Euphemia"/>
-        <a:font script="Cher" typeface="Plantagenet Cherokee"/>
-        <a:font script="Yiii" typeface="Microsoft Yi Baiti"/>
-        <a:font script="Tibt" typeface="Microsoft Himalaya"/>
-        <a:font script="Thaa" typeface="MV Boli"/>
-        <a:font script="Deva" typeface="Mangal"/>
-        <a:font script="Telu" typeface="Gautami"/>
-        <a:font script="Taml" typeface="Latha"/>
-        <a:font script="Syrc" typeface="Estrangelo Edessa"/>
-        <a:font script="Orya" typeface="Kalinga"/>
-        <a:font script="Mlym" typeface="Kartika"/>
-        <a:font script="Laoo" typeface="DokChampa"/>
-        <a:font script="Sinh" typeface="Iskoola Pota"/>
-        <a:font script="Mong" typeface="Mongolian Baiti"/>
-        <a:font script="Viet" typeface="Arial"/>
-        <a:font script="Uigh" typeface="Microsoft Uighur"/>
-        <a:font script="Geor" typeface="Sylfaen"/>
       </a:minorFont>
     </a:fontScheme>
-    <a:fmtScheme name="Galería">
+    <a:fmtScheme name="Orgánico">
       <a:fillStyleLst>
         <a:solidFill>
           <a:schemeClr val="phClr"/>
@@ -4259,49 +7884,35 @@
           <a:gsLst>
             <a:gs pos="0">
               <a:schemeClr val="phClr">
-                <a:tint val="54000"/>
-                <a:alpha val="100000"/>
-                <a:satMod val="105000"/>
+                <a:tint val="60000"/>
                 <a:lumMod val="110000"/>
               </a:schemeClr>
             </a:gs>
             <a:gs pos="100000">
               <a:schemeClr val="phClr">
-                <a:tint val="78000"/>
-                <a:alpha val="92000"/>
-                <a:satMod val="109000"/>
-                <a:lumMod val="100000"/>
+                <a:tint val="82000"/>
               </a:schemeClr>
             </a:gs>
           </a:gsLst>
           <a:lin ang="5400000" scaled="0"/>
         </a:gradFill>
-        <a:gradFill rotWithShape="1">
-          <a:gsLst>
-            <a:gs pos="0">
+        <a:blipFill>
+          <a:blip xmlns:r="http://schemas.openxmlformats.org/officeDocument/2006/relationships" r:embed="rId1">
+            <a:duotone>
               <a:schemeClr val="phClr">
-                <a:tint val="98000"/>
-                <a:satMod val="110000"/>
+                <a:shade val="74000"/>
+                <a:satMod val="130000"/>
+                <a:lumMod val="90000"/>
+              </a:schemeClr>
+              <a:schemeClr val="phClr">
+                <a:tint val="94000"/>
+                <a:satMod val="120000"/>
                 <a:lumMod val="104000"/>
               </a:schemeClr>
-            </a:gs>
-            <a:gs pos="69000">
-              <a:schemeClr val="phClr">
-                <a:shade val="88000"/>
-                <a:satMod val="130000"/>
-                <a:lumMod val="92000"/>
-              </a:schemeClr>
-            </a:gs>
-            <a:gs pos="100000">
-              <a:schemeClr val="phClr">
-                <a:shade val="78000"/>
-                <a:satMod val="130000"/>
-                <a:lumMod val="92000"/>
-              </a:schemeClr>
-            </a:gs>
-          </a:gsLst>
-          <a:lin ang="5400000" scaled="0"/>
-        </a:gradFill>
+            </a:duotone>
+          </a:blip>
+          <a:tile tx="0" ty="0" sx="100000" sy="100000" flip="none" algn="tl"/>
+        </a:blipFill>
       </a:fillStyleLst>
       <a:lnStyleLst>
         <a:ln w="9525" cap="flat" cmpd="sng" algn="ctr">
@@ -4316,7 +7927,7 @@
           </a:solidFill>
           <a:prstDash val="solid"/>
         </a:ln>
-        <a:ln w="22225" cap="flat" cmpd="sng" algn="ctr">
+        <a:ln w="25400" cap="flat" cmpd="sng" algn="ctr">
           <a:solidFill>
             <a:schemeClr val="phClr"/>
           </a:solidFill>
@@ -4328,33 +7939,25 @@
           <a:effectLst/>
         </a:effectStyle>
         <a:effectStyle>
-          <a:effectLst/>
+          <a:effectLst>
+            <a:innerShdw blurRad="25400" dist="12700" dir="13500000">
+              <a:srgbClr val="000000">
+                <a:alpha val="45000"/>
+              </a:srgbClr>
+            </a:innerShdw>
+          </a:effectLst>
         </a:effectStyle>
         <a:effectStyle>
           <a:effectLst>
-            <a:outerShdw blurRad="50800" dist="50800" dir="5400000" sx="96000" sy="96000" rotWithShape="0">
+            <a:outerShdw blurRad="38100" dist="25400" dir="5400000" rotWithShape="0">
               <a:srgbClr val="000000">
-                <a:alpha val="48000"/>
+                <a:alpha val="60000"/>
               </a:srgbClr>
             </a:outerShdw>
           </a:effectLst>
-          <a:scene3d>
-            <a:camera prst="orthographicFront">
-              <a:rot lat="0" lon="0" rev="0"/>
-            </a:camera>
-            <a:lightRig rig="balanced" dir="t">
-              <a:rot lat="0" lon="0" rev="1080000"/>
-            </a:lightRig>
-          </a:scene3d>
-          <a:sp3d>
-            <a:bevelT w="38100" h="12700" prst="softRound"/>
-          </a:sp3d>
         </a:effectStyle>
       </a:effectStyleLst>
       <a:bgFillStyleLst>
-        <a:solidFill>
-          <a:schemeClr val="phClr"/>
-        </a:solidFill>
         <a:solidFill>
           <a:schemeClr val="phClr"/>
         </a:solidFill>
@@ -4362,21 +7965,23 @@
           <a:gsLst>
             <a:gs pos="0">
               <a:schemeClr val="phClr">
-                <a:tint val="94000"/>
-                <a:satMod val="80000"/>
-                <a:lumMod val="106000"/>
+                <a:tint val="90000"/>
+                <a:lumMod val="110000"/>
               </a:schemeClr>
             </a:gs>
             <a:gs pos="100000">
               <a:schemeClr val="phClr">
-                <a:shade val="80000"/>
+                <a:shade val="88000"/>
+                <a:lumMod val="98000"/>
               </a:schemeClr>
             </a:gs>
           </a:gsLst>
-          <a:path path="circle">
-            <a:fillToRect l="50000" t="50000" r="50000" b="50000"/>
-          </a:path>
+          <a:lin ang="5400000" scaled="0"/>
         </a:gradFill>
+        <a:blipFill>
+          <a:blip xmlns:r="http://schemas.openxmlformats.org/officeDocument/2006/relationships" r:embed="rId2"/>
+          <a:stretch/>
+        </a:blipFill>
       </a:bgFillStyleLst>
     </a:fmtScheme>
   </a:themeElements>
@@ -4384,7 +7989,7 @@
   <a:extraClrSchemeLst/>
   <a:extLst>
     <a:ext uri="{05A4C25C-085E-4340-85A3-A5531E510DB2}">
-      <thm15:themeFamily xmlns:thm15="http://schemas.microsoft.com/office/thememl/2012/main" name="Gallery" id="{BBFCD31E-59A1-489D-B089-A3EAD7CAE12E}" vid="{AC464412-510E-4F2B-8947-A0DDBD028997}"/>
+      <thm15:themeFamily xmlns:thm15="http://schemas.microsoft.com/office/thememl/2012/main" name="Organic" id="{28CDC826-8792-45C0-861B-85EB3ADEDA33}" vid="{E4E49EB0-FB00-41F5-9359-4843D783A23D}"/>
     </a:ext>
   </a:extLst>
 </a:theme>
